--- a/IEICE/figs/Lem6_Fig.pptx
+++ b/IEICE/figs/Lem6_Fig.pptx
@@ -200,7 +200,7 @@
           <a:p>
             <a:fld id="{287BE2DD-2093-8646-9473-C4E9DB273A7A}" type="datetimeFigureOut">
               <a:rPr kumimoji="1" lang="ja-JP" altLang="en-US" smtClean="0"/>
-              <a:t>2024/5/17</a:t>
+              <a:t>2024/5/18</a:t>
             </a:fld>
             <a:endParaRPr kumimoji="1" lang="ja-JP" altLang="en-US"/>
           </a:p>
@@ -730,7 +730,7 @@
           <a:p>
             <a:fld id="{09B6F084-8820-CA46-963F-B6FECD3CC15D}" type="datetimeFigureOut">
               <a:rPr kumimoji="1" lang="ja-JP" altLang="en-US" smtClean="0"/>
-              <a:t>2024/5/17</a:t>
+              <a:t>2024/5/18</a:t>
             </a:fld>
             <a:endParaRPr kumimoji="1" lang="ja-JP" altLang="en-US"/>
           </a:p>
@@ -960,7 +960,7 @@
           <a:p>
             <a:fld id="{09B6F084-8820-CA46-963F-B6FECD3CC15D}" type="datetimeFigureOut">
               <a:rPr kumimoji="1" lang="ja-JP" altLang="en-US" smtClean="0"/>
-              <a:t>2024/5/17</a:t>
+              <a:t>2024/5/18</a:t>
             </a:fld>
             <a:endParaRPr kumimoji="1" lang="ja-JP" altLang="en-US"/>
           </a:p>
@@ -1200,7 +1200,7 @@
           <a:p>
             <a:fld id="{09B6F084-8820-CA46-963F-B6FECD3CC15D}" type="datetimeFigureOut">
               <a:rPr kumimoji="1" lang="ja-JP" altLang="en-US" smtClean="0"/>
-              <a:t>2024/5/17</a:t>
+              <a:t>2024/5/18</a:t>
             </a:fld>
             <a:endParaRPr kumimoji="1" lang="ja-JP" altLang="en-US"/>
           </a:p>
@@ -1430,7 +1430,7 @@
           <a:p>
             <a:fld id="{09B6F084-8820-CA46-963F-B6FECD3CC15D}" type="datetimeFigureOut">
               <a:rPr kumimoji="1" lang="ja-JP" altLang="en-US" smtClean="0"/>
-              <a:t>2024/5/17</a:t>
+              <a:t>2024/5/18</a:t>
             </a:fld>
             <a:endParaRPr kumimoji="1" lang="ja-JP" altLang="en-US"/>
           </a:p>
@@ -1705,7 +1705,7 @@
           <a:p>
             <a:fld id="{09B6F084-8820-CA46-963F-B6FECD3CC15D}" type="datetimeFigureOut">
               <a:rPr kumimoji="1" lang="ja-JP" altLang="en-US" smtClean="0"/>
-              <a:t>2024/5/17</a:t>
+              <a:t>2024/5/18</a:t>
             </a:fld>
             <a:endParaRPr kumimoji="1" lang="ja-JP" altLang="en-US"/>
           </a:p>
@@ -2034,7 +2034,7 @@
           <a:p>
             <a:fld id="{09B6F084-8820-CA46-963F-B6FECD3CC15D}" type="datetimeFigureOut">
               <a:rPr kumimoji="1" lang="ja-JP" altLang="en-US" smtClean="0"/>
-              <a:t>2024/5/17</a:t>
+              <a:t>2024/5/18</a:t>
             </a:fld>
             <a:endParaRPr kumimoji="1" lang="ja-JP" altLang="en-US"/>
           </a:p>
@@ -2510,7 +2510,7 @@
           <a:p>
             <a:fld id="{09B6F084-8820-CA46-963F-B6FECD3CC15D}" type="datetimeFigureOut">
               <a:rPr kumimoji="1" lang="ja-JP" altLang="en-US" smtClean="0"/>
-              <a:t>2024/5/17</a:t>
+              <a:t>2024/5/18</a:t>
             </a:fld>
             <a:endParaRPr kumimoji="1" lang="ja-JP" altLang="en-US"/>
           </a:p>
@@ -2651,7 +2651,7 @@
           <a:p>
             <a:fld id="{09B6F084-8820-CA46-963F-B6FECD3CC15D}" type="datetimeFigureOut">
               <a:rPr kumimoji="1" lang="ja-JP" altLang="en-US" smtClean="0"/>
-              <a:t>2024/5/17</a:t>
+              <a:t>2024/5/18</a:t>
             </a:fld>
             <a:endParaRPr kumimoji="1" lang="ja-JP" altLang="en-US"/>
           </a:p>
@@ -2764,7 +2764,7 @@
           <a:p>
             <a:fld id="{09B6F084-8820-CA46-963F-B6FECD3CC15D}" type="datetimeFigureOut">
               <a:rPr kumimoji="1" lang="ja-JP" altLang="en-US" smtClean="0"/>
-              <a:t>2024/5/17</a:t>
+              <a:t>2024/5/18</a:t>
             </a:fld>
             <a:endParaRPr kumimoji="1" lang="ja-JP" altLang="en-US"/>
           </a:p>
@@ -3107,7 +3107,7 @@
           <a:p>
             <a:fld id="{09B6F084-8820-CA46-963F-B6FECD3CC15D}" type="datetimeFigureOut">
               <a:rPr kumimoji="1" lang="ja-JP" altLang="en-US" smtClean="0"/>
-              <a:t>2024/5/17</a:t>
+              <a:t>2024/5/18</a:t>
             </a:fld>
             <a:endParaRPr kumimoji="1" lang="ja-JP" altLang="en-US"/>
           </a:p>
@@ -3395,7 +3395,7 @@
           <a:p>
             <a:fld id="{09B6F084-8820-CA46-963F-B6FECD3CC15D}" type="datetimeFigureOut">
               <a:rPr kumimoji="1" lang="ja-JP" altLang="en-US" smtClean="0"/>
-              <a:t>2024/5/17</a:t>
+              <a:t>2024/5/18</a:t>
             </a:fld>
             <a:endParaRPr kumimoji="1" lang="ja-JP" altLang="en-US"/>
           </a:p>
@@ -3668,7 +3668,7 @@
           <a:p>
             <a:fld id="{09B6F084-8820-CA46-963F-B6FECD3CC15D}" type="datetimeFigureOut">
               <a:rPr kumimoji="1" lang="ja-JP" altLang="en-US" smtClean="0"/>
-              <a:t>2024/5/17</a:t>
+              <a:t>2024/5/18</a:t>
             </a:fld>
             <a:endParaRPr kumimoji="1" lang="ja-JP" altLang="en-US"/>
           </a:p>
@@ -4085,8 +4085,8 @@
           <a:chExt cx="0" cy="0"/>
         </a:xfrm>
       </p:grpSpPr>
-      <mc:AlternateContent xmlns:mc="http://schemas.openxmlformats.org/markup-compatibility/2006">
-        <mc:Choice xmlns:a14="http://schemas.microsoft.com/office/drawing/2010/main" Requires="a14">
+      <mc:AlternateContent xmlns:mc="http://schemas.openxmlformats.org/markup-compatibility/2006" xmlns:a14="http://schemas.microsoft.com/office/drawing/2010/main">
+        <mc:Choice Requires="a14">
           <p:sp>
             <p:nvSpPr>
               <p:cNvPr id="61" name="正方形/長方形 60">
@@ -4189,7 +4189,7 @@
             </p:txBody>
           </p:sp>
         </mc:Choice>
-        <mc:Fallback>
+        <mc:Fallback xmlns="">
           <p:sp>
             <p:nvSpPr>
               <p:cNvPr id="61" name="正方形/長方形 60">
@@ -4239,8 +4239,8 @@
           </p:sp>
         </mc:Fallback>
       </mc:AlternateContent>
-      <mc:AlternateContent xmlns:mc="http://schemas.openxmlformats.org/markup-compatibility/2006">
-        <mc:Choice xmlns:a14="http://schemas.microsoft.com/office/drawing/2010/main" Requires="a14">
+      <mc:AlternateContent xmlns:mc="http://schemas.openxmlformats.org/markup-compatibility/2006" xmlns:a14="http://schemas.microsoft.com/office/drawing/2010/main">
+        <mc:Choice Requires="a14">
           <p:sp>
             <p:nvSpPr>
               <p:cNvPr id="62" name="正方形/長方形 61">
@@ -4316,7 +4316,7 @@
             </p:txBody>
           </p:sp>
         </mc:Choice>
-        <mc:Fallback>
+        <mc:Fallback xmlns="">
           <p:sp>
             <p:nvSpPr>
               <p:cNvPr id="62" name="正方形/長方形 61">
@@ -4366,8 +4366,8 @@
           </p:sp>
         </mc:Fallback>
       </mc:AlternateContent>
-      <mc:AlternateContent xmlns:mc="http://schemas.openxmlformats.org/markup-compatibility/2006">
-        <mc:Choice xmlns:a14="http://schemas.microsoft.com/office/drawing/2010/main" Requires="a14">
+      <mc:AlternateContent xmlns:mc="http://schemas.openxmlformats.org/markup-compatibility/2006" xmlns:a14="http://schemas.microsoft.com/office/drawing/2010/main">
+        <mc:Choice Requires="a14">
           <p:sp>
             <p:nvSpPr>
               <p:cNvPr id="63" name="正方形/長方形 62">
@@ -4443,7 +4443,7 @@
             </p:txBody>
           </p:sp>
         </mc:Choice>
-        <mc:Fallback>
+        <mc:Fallback xmlns="">
           <p:sp>
             <p:nvSpPr>
               <p:cNvPr id="63" name="正方形/長方形 62">
@@ -4493,8 +4493,8 @@
           </p:sp>
         </mc:Fallback>
       </mc:AlternateContent>
-      <mc:AlternateContent xmlns:mc="http://schemas.openxmlformats.org/markup-compatibility/2006">
-        <mc:Choice xmlns:a14="http://schemas.microsoft.com/office/drawing/2010/main" Requires="a14">
+      <mc:AlternateContent xmlns:mc="http://schemas.openxmlformats.org/markup-compatibility/2006" xmlns:a14="http://schemas.microsoft.com/office/drawing/2010/main">
+        <mc:Choice Requires="a14">
           <p:sp>
             <p:nvSpPr>
               <p:cNvPr id="64" name="正方形/長方形 63">
@@ -4599,7 +4599,7 @@
             </p:txBody>
           </p:sp>
         </mc:Choice>
-        <mc:Fallback>
+        <mc:Fallback xmlns="">
           <p:sp>
             <p:nvSpPr>
               <p:cNvPr id="64" name="正方形/長方形 63">
@@ -4649,8 +4649,8 @@
           </p:sp>
         </mc:Fallback>
       </mc:AlternateContent>
-      <mc:AlternateContent xmlns:mc="http://schemas.openxmlformats.org/markup-compatibility/2006">
-        <mc:Choice xmlns:a14="http://schemas.microsoft.com/office/drawing/2010/main" Requires="a14">
+      <mc:AlternateContent xmlns:mc="http://schemas.openxmlformats.org/markup-compatibility/2006" xmlns:a14="http://schemas.microsoft.com/office/drawing/2010/main">
+        <mc:Choice Requires="a14">
           <p:sp>
             <p:nvSpPr>
               <p:cNvPr id="65" name="正方形/長方形 64">
@@ -4755,7 +4755,7 @@
             </p:txBody>
           </p:sp>
         </mc:Choice>
-        <mc:Fallback>
+        <mc:Fallback xmlns="">
           <p:sp>
             <p:nvSpPr>
               <p:cNvPr id="65" name="正方形/長方形 64">
@@ -4805,8 +4805,8 @@
           </p:sp>
         </mc:Fallback>
       </mc:AlternateContent>
-      <mc:AlternateContent xmlns:mc="http://schemas.openxmlformats.org/markup-compatibility/2006">
-        <mc:Choice xmlns:a14="http://schemas.microsoft.com/office/drawing/2010/main" Requires="a14">
+      <mc:AlternateContent xmlns:mc="http://schemas.openxmlformats.org/markup-compatibility/2006" xmlns:a14="http://schemas.microsoft.com/office/drawing/2010/main">
+        <mc:Choice Requires="a14">
           <p:sp>
             <p:nvSpPr>
               <p:cNvPr id="66" name="正方形/長方形 65">
@@ -4882,7 +4882,7 @@
             </p:txBody>
           </p:sp>
         </mc:Choice>
-        <mc:Fallback>
+        <mc:Fallback xmlns="">
           <p:sp>
             <p:nvSpPr>
               <p:cNvPr id="66" name="正方形/長方形 65">
@@ -4932,8 +4932,8 @@
           </p:sp>
         </mc:Fallback>
       </mc:AlternateContent>
-      <mc:AlternateContent xmlns:mc="http://schemas.openxmlformats.org/markup-compatibility/2006">
-        <mc:Choice xmlns:a14="http://schemas.microsoft.com/office/drawing/2010/main" Requires="a14">
+      <mc:AlternateContent xmlns:mc="http://schemas.openxmlformats.org/markup-compatibility/2006" xmlns:a14="http://schemas.microsoft.com/office/drawing/2010/main">
+        <mc:Choice Requires="a14">
           <p:sp>
             <p:nvSpPr>
               <p:cNvPr id="67" name="正方形/長方形 66">
@@ -5009,7 +5009,7 @@
             </p:txBody>
           </p:sp>
         </mc:Choice>
-        <mc:Fallback>
+        <mc:Fallback xmlns="">
           <p:sp>
             <p:nvSpPr>
               <p:cNvPr id="67" name="正方形/長方形 66">
@@ -5059,8 +5059,8 @@
           </p:sp>
         </mc:Fallback>
       </mc:AlternateContent>
-      <mc:AlternateContent xmlns:mc="http://schemas.openxmlformats.org/markup-compatibility/2006">
-        <mc:Choice xmlns:a14="http://schemas.microsoft.com/office/drawing/2010/main" Requires="a14">
+      <mc:AlternateContent xmlns:mc="http://schemas.openxmlformats.org/markup-compatibility/2006" xmlns:a14="http://schemas.microsoft.com/office/drawing/2010/main">
+        <mc:Choice Requires="a14">
           <p:sp>
             <p:nvSpPr>
               <p:cNvPr id="68" name="正方形/長方形 67">
@@ -5163,7 +5163,7 @@
             </p:txBody>
           </p:sp>
         </mc:Choice>
-        <mc:Fallback>
+        <mc:Fallback xmlns="">
           <p:sp>
             <p:nvSpPr>
               <p:cNvPr id="68" name="正方形/長方形 67">
@@ -5295,8 +5295,8 @@
           </a:fontRef>
         </p:style>
       </p:cxnSp>
-      <mc:AlternateContent xmlns:mc="http://schemas.openxmlformats.org/markup-compatibility/2006">
-        <mc:Choice xmlns:a14="http://schemas.microsoft.com/office/drawing/2010/main" Requires="a14">
+      <mc:AlternateContent xmlns:mc="http://schemas.openxmlformats.org/markup-compatibility/2006" xmlns:a14="http://schemas.microsoft.com/office/drawing/2010/main">
+        <mc:Choice Requires="a14">
           <p:sp>
             <p:nvSpPr>
               <p:cNvPr id="4" name="正方形/長方形 3">
@@ -5399,7 +5399,7 @@
             </p:txBody>
           </p:sp>
         </mc:Choice>
-        <mc:Fallback>
+        <mc:Fallback xmlns="">
           <p:sp>
             <p:nvSpPr>
               <p:cNvPr id="4" name="正方形/長方形 3">
@@ -5449,8 +5449,8 @@
           </p:sp>
         </mc:Fallback>
       </mc:AlternateContent>
-      <mc:AlternateContent xmlns:mc="http://schemas.openxmlformats.org/markup-compatibility/2006">
-        <mc:Choice xmlns:a14="http://schemas.microsoft.com/office/drawing/2010/main" Requires="a14">
+      <mc:AlternateContent xmlns:mc="http://schemas.openxmlformats.org/markup-compatibility/2006" xmlns:a14="http://schemas.microsoft.com/office/drawing/2010/main">
+        <mc:Choice Requires="a14">
           <p:sp>
             <p:nvSpPr>
               <p:cNvPr id="6" name="正方形/長方形 5">
@@ -5526,7 +5526,7 @@
             </p:txBody>
           </p:sp>
         </mc:Choice>
-        <mc:Fallback>
+        <mc:Fallback xmlns="">
           <p:sp>
             <p:nvSpPr>
               <p:cNvPr id="6" name="正方形/長方形 5">
@@ -5576,8 +5576,8 @@
           </p:sp>
         </mc:Fallback>
       </mc:AlternateContent>
-      <mc:AlternateContent xmlns:mc="http://schemas.openxmlformats.org/markup-compatibility/2006">
-        <mc:Choice xmlns:a14="http://schemas.microsoft.com/office/drawing/2010/main" Requires="a14">
+      <mc:AlternateContent xmlns:mc="http://schemas.openxmlformats.org/markup-compatibility/2006" xmlns:a14="http://schemas.microsoft.com/office/drawing/2010/main">
+        <mc:Choice Requires="a14">
           <p:sp>
             <p:nvSpPr>
               <p:cNvPr id="7" name="正方形/長方形 6">
@@ -5653,7 +5653,7 @@
             </p:txBody>
           </p:sp>
         </mc:Choice>
-        <mc:Fallback>
+        <mc:Fallback xmlns="">
           <p:sp>
             <p:nvSpPr>
               <p:cNvPr id="7" name="正方形/長方形 6">
@@ -5703,8 +5703,8 @@
           </p:sp>
         </mc:Fallback>
       </mc:AlternateContent>
-      <mc:AlternateContent xmlns:mc="http://schemas.openxmlformats.org/markup-compatibility/2006">
-        <mc:Choice xmlns:a14="http://schemas.microsoft.com/office/drawing/2010/main" Requires="a14">
+      <mc:AlternateContent xmlns:mc="http://schemas.openxmlformats.org/markup-compatibility/2006" xmlns:a14="http://schemas.microsoft.com/office/drawing/2010/main">
+        <mc:Choice Requires="a14">
           <p:sp>
             <p:nvSpPr>
               <p:cNvPr id="8" name="正方形/長方形 7">
@@ -5809,7 +5809,7 @@
             </p:txBody>
           </p:sp>
         </mc:Choice>
-        <mc:Fallback>
+        <mc:Fallback xmlns="">
           <p:sp>
             <p:nvSpPr>
               <p:cNvPr id="8" name="正方形/長方形 7">
@@ -5859,8 +5859,8 @@
           </p:sp>
         </mc:Fallback>
       </mc:AlternateContent>
-      <mc:AlternateContent xmlns:mc="http://schemas.openxmlformats.org/markup-compatibility/2006">
-        <mc:Choice xmlns:a14="http://schemas.microsoft.com/office/drawing/2010/main" Requires="a14">
+      <mc:AlternateContent xmlns:mc="http://schemas.openxmlformats.org/markup-compatibility/2006" xmlns:a14="http://schemas.microsoft.com/office/drawing/2010/main">
+        <mc:Choice Requires="a14">
           <p:sp>
             <p:nvSpPr>
               <p:cNvPr id="9" name="正方形/長方形 8">
@@ -5965,7 +5965,7 @@
             </p:txBody>
           </p:sp>
         </mc:Choice>
-        <mc:Fallback>
+        <mc:Fallback xmlns="">
           <p:sp>
             <p:nvSpPr>
               <p:cNvPr id="9" name="正方形/長方形 8">
@@ -6015,8 +6015,8 @@
           </p:sp>
         </mc:Fallback>
       </mc:AlternateContent>
-      <mc:AlternateContent xmlns:mc="http://schemas.openxmlformats.org/markup-compatibility/2006">
-        <mc:Choice xmlns:a14="http://schemas.microsoft.com/office/drawing/2010/main" Requires="a14">
+      <mc:AlternateContent xmlns:mc="http://schemas.openxmlformats.org/markup-compatibility/2006" xmlns:a14="http://schemas.microsoft.com/office/drawing/2010/main">
+        <mc:Choice Requires="a14">
           <p:sp>
             <p:nvSpPr>
               <p:cNvPr id="10" name="正方形/長方形 9">
@@ -6092,7 +6092,7 @@
             </p:txBody>
           </p:sp>
         </mc:Choice>
-        <mc:Fallback>
+        <mc:Fallback xmlns="">
           <p:sp>
             <p:nvSpPr>
               <p:cNvPr id="10" name="正方形/長方形 9">
@@ -6142,8 +6142,8 @@
           </p:sp>
         </mc:Fallback>
       </mc:AlternateContent>
-      <mc:AlternateContent xmlns:mc="http://schemas.openxmlformats.org/markup-compatibility/2006">
-        <mc:Choice xmlns:a14="http://schemas.microsoft.com/office/drawing/2010/main" Requires="a14">
+      <mc:AlternateContent xmlns:mc="http://schemas.openxmlformats.org/markup-compatibility/2006" xmlns:a14="http://schemas.microsoft.com/office/drawing/2010/main">
+        <mc:Choice Requires="a14">
           <p:sp>
             <p:nvSpPr>
               <p:cNvPr id="11" name="正方形/長方形 10">
@@ -6219,7 +6219,7 @@
             </p:txBody>
           </p:sp>
         </mc:Choice>
-        <mc:Fallback>
+        <mc:Fallback xmlns="">
           <p:sp>
             <p:nvSpPr>
               <p:cNvPr id="11" name="正方形/長方形 10">
@@ -6269,8 +6269,8 @@
           </p:sp>
         </mc:Fallback>
       </mc:AlternateContent>
-      <mc:AlternateContent xmlns:mc="http://schemas.openxmlformats.org/markup-compatibility/2006">
-        <mc:Choice xmlns:a14="http://schemas.microsoft.com/office/drawing/2010/main" Requires="a14">
+      <mc:AlternateContent xmlns:mc="http://schemas.openxmlformats.org/markup-compatibility/2006" xmlns:a14="http://schemas.microsoft.com/office/drawing/2010/main">
+        <mc:Choice Requires="a14">
           <p:sp>
             <p:nvSpPr>
               <p:cNvPr id="12" name="正方形/長方形 11">
@@ -6373,7 +6373,7 @@
             </p:txBody>
           </p:sp>
         </mc:Choice>
-        <mc:Fallback>
+        <mc:Fallback xmlns="">
           <p:sp>
             <p:nvSpPr>
               <p:cNvPr id="12" name="正方形/長方形 11">
@@ -6535,6 +6535,124 @@
           <a:chExt cx="0" cy="0"/>
         </a:xfrm>
       </p:grpSpPr>
+      <p:sp>
+        <p:nvSpPr>
+          <p:cNvPr id="13" name="正方形/長方形 12">
+            <a:extLst>
+              <a:ext uri="{FF2B5EF4-FFF2-40B4-BE49-F238E27FC236}">
+                <a16:creationId xmlns:a16="http://schemas.microsoft.com/office/drawing/2014/main" id="{3841926D-9F5E-7029-6EB3-24721E74DE11}"/>
+              </a:ext>
+            </a:extLst>
+          </p:cNvPr>
+          <p:cNvSpPr/>
+          <p:nvPr/>
+        </p:nvSpPr>
+        <p:spPr>
+          <a:xfrm>
+            <a:off x="5820956" y="1766317"/>
+            <a:ext cx="720000" cy="360000"/>
+          </a:xfrm>
+          <a:prstGeom prst="rect">
+            <a:avLst/>
+          </a:prstGeom>
+          <a:solidFill>
+            <a:schemeClr val="tx2">
+              <a:lumMod val="10000"/>
+              <a:lumOff val="90000"/>
+            </a:schemeClr>
+          </a:solidFill>
+          <a:ln>
+            <a:noFill/>
+          </a:ln>
+        </p:spPr>
+        <p:style>
+          <a:lnRef idx="2">
+            <a:schemeClr val="accent1">
+              <a:shade val="15000"/>
+            </a:schemeClr>
+          </a:lnRef>
+          <a:fillRef idx="1">
+            <a:schemeClr val="accent1"/>
+          </a:fillRef>
+          <a:effectRef idx="0">
+            <a:schemeClr val="accent1"/>
+          </a:effectRef>
+          <a:fontRef idx="minor">
+            <a:schemeClr val="lt1"/>
+          </a:fontRef>
+        </p:style>
+        <p:txBody>
+          <a:bodyPr wrap="none" rtlCol="0" anchor="ctr"/>
+          <a:lstStyle/>
+          <a:p>
+            <a:pPr algn="ctr"/>
+            <a:endParaRPr kumimoji="1" lang="ja-JP" altLang="en-US" dirty="0">
+              <a:solidFill>
+                <a:srgbClr val="0070C0"/>
+              </a:solidFill>
+            </a:endParaRPr>
+          </a:p>
+        </p:txBody>
+      </p:sp>
+      <p:sp>
+        <p:nvSpPr>
+          <p:cNvPr id="17" name="正方形/長方形 16">
+            <a:extLst>
+              <a:ext uri="{FF2B5EF4-FFF2-40B4-BE49-F238E27FC236}">
+                <a16:creationId xmlns:a16="http://schemas.microsoft.com/office/drawing/2014/main" id="{BC0B2444-AC01-6349-71B7-30665A679A05}"/>
+              </a:ext>
+            </a:extLst>
+          </p:cNvPr>
+          <p:cNvSpPr/>
+          <p:nvPr/>
+        </p:nvSpPr>
+        <p:spPr>
+          <a:xfrm>
+            <a:off x="5820956" y="1235847"/>
+            <a:ext cx="720000" cy="360000"/>
+          </a:xfrm>
+          <a:prstGeom prst="rect">
+            <a:avLst/>
+          </a:prstGeom>
+          <a:solidFill>
+            <a:schemeClr val="tx2">
+              <a:lumMod val="10000"/>
+              <a:lumOff val="90000"/>
+            </a:schemeClr>
+          </a:solidFill>
+          <a:ln>
+            <a:noFill/>
+          </a:ln>
+        </p:spPr>
+        <p:style>
+          <a:lnRef idx="2">
+            <a:schemeClr val="accent1">
+              <a:shade val="15000"/>
+            </a:schemeClr>
+          </a:lnRef>
+          <a:fillRef idx="1">
+            <a:schemeClr val="accent1"/>
+          </a:fillRef>
+          <a:effectRef idx="0">
+            <a:schemeClr val="accent1"/>
+          </a:effectRef>
+          <a:fontRef idx="minor">
+            <a:schemeClr val="lt1"/>
+          </a:fontRef>
+        </p:style>
+        <p:txBody>
+          <a:bodyPr wrap="none" rtlCol="0" anchor="ctr"/>
+          <a:lstStyle/>
+          <a:p>
+            <a:pPr algn="ctr"/>
+            <a:endParaRPr kumimoji="1" lang="ja-JP" altLang="en-US" dirty="0">
+              <a:solidFill>
+                <a:srgbClr val="0070C0"/>
+              </a:solidFill>
+            </a:endParaRPr>
+          </a:p>
+        </p:txBody>
+      </p:sp>
       <p:cxnSp>
         <p:nvCxnSpPr>
           <p:cNvPr id="34" name="直線コネクタ 33">
@@ -6747,201 +6865,6 @@
           </a:fontRef>
         </p:style>
       </p:cxnSp>
-      <p:cxnSp>
-        <p:nvCxnSpPr>
-          <p:cNvPr id="51" name="直線コネクタ 50">
-            <a:extLst>
-              <a:ext uri="{FF2B5EF4-FFF2-40B4-BE49-F238E27FC236}">
-                <a16:creationId xmlns:a16="http://schemas.microsoft.com/office/drawing/2014/main" id="{BD6DE1F6-F66C-304C-DE70-13C8968A5324}"/>
-              </a:ext>
-            </a:extLst>
-          </p:cNvPr>
-          <p:cNvCxnSpPr>
-            <a:cxnSpLocks/>
-          </p:cNvCxnSpPr>
-          <p:nvPr/>
-        </p:nvCxnSpPr>
-        <p:spPr>
-          <a:xfrm flipV="1">
-            <a:off x="9050911" y="1096559"/>
-            <a:ext cx="0" cy="1027562"/>
-          </a:xfrm>
-          <a:prstGeom prst="line">
-            <a:avLst/>
-          </a:prstGeom>
-          <a:ln w="6350">
-            <a:prstDash val="sysDot"/>
-          </a:ln>
-        </p:spPr>
-        <p:style>
-          <a:lnRef idx="2">
-            <a:schemeClr val="accent1"/>
-          </a:lnRef>
-          <a:fillRef idx="0">
-            <a:schemeClr val="accent1"/>
-          </a:fillRef>
-          <a:effectRef idx="1">
-            <a:schemeClr val="accent1"/>
-          </a:effectRef>
-          <a:fontRef idx="minor">
-            <a:schemeClr val="tx1"/>
-          </a:fontRef>
-        </p:style>
-      </p:cxnSp>
-      <mc:AlternateContent xmlns:mc="http://schemas.openxmlformats.org/markup-compatibility/2006">
-        <mc:Choice xmlns:a14="http://schemas.microsoft.com/office/drawing/2010/main" Requires="a14">
-          <p:sp>
-            <p:nvSpPr>
-              <p:cNvPr id="4" name="正方形/長方形 3">
-                <a:extLst>
-                  <a:ext uri="{FF2B5EF4-FFF2-40B4-BE49-F238E27FC236}">
-                    <a16:creationId xmlns:a16="http://schemas.microsoft.com/office/drawing/2014/main" id="{4AA5E41D-3AC1-5CB6-73C4-9B8E872420BF}"/>
-                  </a:ext>
-                </a:extLst>
-              </p:cNvPr>
-              <p:cNvSpPr/>
-              <p:nvPr/>
-            </p:nvSpPr>
-            <p:spPr>
-              <a:xfrm>
-                <a:off x="3296857" y="1235847"/>
-                <a:ext cx="3240000" cy="360000"/>
-              </a:xfrm>
-              <a:prstGeom prst="rect">
-                <a:avLst/>
-              </a:prstGeom>
-              <a:solidFill>
-                <a:schemeClr val="bg1"/>
-              </a:solidFill>
-              <a:ln>
-                <a:solidFill>
-                  <a:schemeClr val="tx1"/>
-                </a:solidFill>
-              </a:ln>
-            </p:spPr>
-            <p:style>
-              <a:lnRef idx="2">
-                <a:schemeClr val="accent1">
-                  <a:shade val="15000"/>
-                </a:schemeClr>
-              </a:lnRef>
-              <a:fillRef idx="1">
-                <a:schemeClr val="accent1"/>
-              </a:fillRef>
-              <a:effectRef idx="0">
-                <a:schemeClr val="accent1"/>
-              </a:effectRef>
-              <a:fontRef idx="minor">
-                <a:schemeClr val="lt1"/>
-              </a:fontRef>
-            </p:style>
-            <p:txBody>
-              <a:bodyPr wrap="none" rtlCol="0" anchor="ctr"/>
-              <a:lstStyle/>
-              <a:p>
-                <a:pPr algn="ctr"/>
-                <a14:m>
-                  <m:oMathPara xmlns:m="http://schemas.openxmlformats.org/officeDocument/2006/math">
-                    <m:oMathParaPr>
-                      <m:jc m:val="centerGroup"/>
-                    </m:oMathParaPr>
-                    <m:oMath xmlns:m="http://schemas.openxmlformats.org/officeDocument/2006/math">
-                      <m:sSup>
-                        <m:sSupPr>
-                          <m:ctrlPr>
-                            <a:rPr kumimoji="1" lang="en-US" altLang="ja-JP" i="1" dirty="0" smtClean="0">
-                              <a:solidFill>
-                                <a:schemeClr val="tx1"/>
-                              </a:solidFill>
-                              <a:latin typeface="Cambria Math" panose="02040503050406030204" pitchFamily="18" charset="0"/>
-                            </a:rPr>
-                          </m:ctrlPr>
-                        </m:sSupPr>
-                        <m:e>
-                          <m:r>
-                            <a:rPr kumimoji="1" lang="en-US" altLang="ja-JP" b="0" i="1" dirty="0" smtClean="0">
-                              <a:solidFill>
-                                <a:schemeClr val="tx1"/>
-                              </a:solidFill>
-                              <a:latin typeface="Cambria Math" panose="02040503050406030204" pitchFamily="18" charset="0"/>
-                            </a:rPr>
-                            <m:t>𝑤</m:t>
-                          </m:r>
-                        </m:e>
-                        <m:sup>
-                          <m:r>
-                            <a:rPr kumimoji="1" lang="en-US" altLang="ja-JP" b="0" i="1" dirty="0" smtClean="0">
-                              <a:solidFill>
-                                <a:schemeClr val="tx1"/>
-                              </a:solidFill>
-                              <a:latin typeface="Cambria Math" panose="02040503050406030204" pitchFamily="18" charset="0"/>
-                            </a:rPr>
-                            <m:t>′</m:t>
-                          </m:r>
-                        </m:sup>
-                      </m:sSup>
-                    </m:oMath>
-                  </m:oMathPara>
-                </a14:m>
-                <a:endParaRPr kumimoji="1" lang="ja-JP" altLang="en-US">
-                  <a:solidFill>
-                    <a:schemeClr val="tx1"/>
-                  </a:solidFill>
-                </a:endParaRPr>
-              </a:p>
-            </p:txBody>
-          </p:sp>
-        </mc:Choice>
-        <mc:Fallback>
-          <p:sp>
-            <p:nvSpPr>
-              <p:cNvPr id="4" name="正方形/長方形 3">
-                <a:extLst>
-                  <a:ext uri="{FF2B5EF4-FFF2-40B4-BE49-F238E27FC236}">
-                    <a16:creationId xmlns:a16="http://schemas.microsoft.com/office/drawing/2014/main" id="{4AA5E41D-3AC1-5CB6-73C4-9B8E872420BF}"/>
-                  </a:ext>
-                </a:extLst>
-              </p:cNvPr>
-              <p:cNvSpPr>
-                <a:spLocks noRot="1" noChangeAspect="1" noMove="1" noResize="1" noEditPoints="1" noAdjustHandles="1" noChangeArrowheads="1" noChangeShapeType="1" noTextEdit="1"/>
-              </p:cNvSpPr>
-              <p:nvPr/>
-            </p:nvSpPr>
-            <p:spPr>
-              <a:xfrm>
-                <a:off x="3296857" y="1235847"/>
-                <a:ext cx="3240000" cy="360000"/>
-              </a:xfrm>
-              <a:prstGeom prst="rect">
-                <a:avLst/>
-              </a:prstGeom>
-              <a:blipFill>
-                <a:blip r:embed="rId2"/>
-                <a:stretch>
-                  <a:fillRect/>
-                </a:stretch>
-              </a:blipFill>
-              <a:ln>
-                <a:solidFill>
-                  <a:schemeClr val="tx1"/>
-                </a:solidFill>
-              </a:ln>
-            </p:spPr>
-            <p:txBody>
-              <a:bodyPr/>
-              <a:lstStyle/>
-              <a:p>
-                <a:r>
-                  <a:rPr lang="ja-JP" altLang="en-US">
-                    <a:noFill/>
-                  </a:rPr>
-                  <a:t> </a:t>
-                </a:r>
-              </a:p>
-            </p:txBody>
-          </p:sp>
-        </mc:Fallback>
-      </mc:AlternateContent>
       <mc:AlternateContent xmlns:mc="http://schemas.openxmlformats.org/markup-compatibility/2006" xmlns:a14="http://schemas.microsoft.com/office/drawing/2010/main">
         <mc:Choice Requires="a14">
           <p:sp>
@@ -7196,8 +7119,8 @@
           </p:sp>
         </mc:Fallback>
       </mc:AlternateContent>
-      <mc:AlternateContent xmlns:mc="http://schemas.openxmlformats.org/markup-compatibility/2006">
-        <mc:Choice xmlns:a14="http://schemas.microsoft.com/office/drawing/2010/main" Requires="a14">
+      <mc:AlternateContent xmlns:mc="http://schemas.openxmlformats.org/markup-compatibility/2006" xmlns:a14="http://schemas.microsoft.com/office/drawing/2010/main">
+        <mc:Choice Requires="a14">
           <p:sp>
             <p:nvSpPr>
               <p:cNvPr id="7" name="正方形/長方形 6">
@@ -7302,7 +7225,7 @@
             </p:txBody>
           </p:sp>
         </mc:Choice>
-        <mc:Fallback>
+        <mc:Fallback xmlns="">
           <p:sp>
             <p:nvSpPr>
               <p:cNvPr id="7" name="正方形/長方形 6">
@@ -7352,8 +7275,8 @@
           </p:sp>
         </mc:Fallback>
       </mc:AlternateContent>
-      <mc:AlternateContent xmlns:mc="http://schemas.openxmlformats.org/markup-compatibility/2006">
-        <mc:Choice xmlns:a14="http://schemas.microsoft.com/office/drawing/2010/main" Requires="a14">
+      <mc:AlternateContent xmlns:mc="http://schemas.openxmlformats.org/markup-compatibility/2006" xmlns:a14="http://schemas.microsoft.com/office/drawing/2010/main">
+        <mc:Choice Requires="a14">
           <p:sp>
             <p:nvSpPr>
               <p:cNvPr id="9" name="正方形/長方形 8">
@@ -7429,7 +7352,7 @@
             </p:txBody>
           </p:sp>
         </mc:Choice>
-        <mc:Fallback>
+        <mc:Fallback xmlns="">
           <p:sp>
             <p:nvSpPr>
               <p:cNvPr id="9" name="正方形/長方形 8">
@@ -7495,7 +7418,7 @@
             </p:nvSpPr>
             <p:spPr>
               <a:xfrm>
-                <a:off x="5449809" y="1766317"/>
+                <a:off x="5455596" y="1766317"/>
                 <a:ext cx="360000" cy="360000"/>
               </a:xfrm>
               <a:prstGeom prst="rect">
@@ -7573,168 +7496,14 @@
             </p:nvSpPr>
             <p:spPr>
               <a:xfrm>
-                <a:off x="5449809" y="1766317"/>
+                <a:off x="5455596" y="1766317"/>
                 <a:ext cx="360000" cy="360000"/>
               </a:xfrm>
               <a:prstGeom prst="rect">
                 <a:avLst/>
               </a:prstGeom>
               <a:blipFill>
-                <a:blip r:embed="rId8"/>
-                <a:stretch>
-                  <a:fillRect/>
-                </a:stretch>
-              </a:blipFill>
-              <a:ln>
-                <a:solidFill>
-                  <a:schemeClr val="tx1"/>
-                </a:solidFill>
-              </a:ln>
-            </p:spPr>
-            <p:txBody>
-              <a:bodyPr/>
-              <a:lstStyle/>
-              <a:p>
-                <a:r>
-                  <a:rPr lang="ja-JP" altLang="en-US">
-                    <a:noFill/>
-                  </a:rPr>
-                  <a:t> </a:t>
-                </a:r>
-              </a:p>
-            </p:txBody>
-          </p:sp>
-        </mc:Fallback>
-      </mc:AlternateContent>
-      <mc:AlternateContent xmlns:mc="http://schemas.openxmlformats.org/markup-compatibility/2006">
-        <mc:Choice xmlns:a14="http://schemas.microsoft.com/office/drawing/2010/main" Requires="a14">
-          <p:sp>
-            <p:nvSpPr>
-              <p:cNvPr id="11" name="正方形/長方形 10">
-                <a:extLst>
-                  <a:ext uri="{FF2B5EF4-FFF2-40B4-BE49-F238E27FC236}">
-                    <a16:creationId xmlns:a16="http://schemas.microsoft.com/office/drawing/2014/main" id="{20D88EB6-759D-E37E-DD3F-CECCC080ED0D}"/>
-                  </a:ext>
-                </a:extLst>
-              </p:cNvPr>
-              <p:cNvSpPr/>
-              <p:nvPr/>
-            </p:nvSpPr>
-            <p:spPr>
-              <a:xfrm>
-                <a:off x="5811279" y="1766317"/>
-                <a:ext cx="3240000" cy="360000"/>
-              </a:xfrm>
-              <a:prstGeom prst="rect">
-                <a:avLst/>
-              </a:prstGeom>
-              <a:solidFill>
-                <a:schemeClr val="bg1"/>
-              </a:solidFill>
-              <a:ln>
-                <a:solidFill>
-                  <a:schemeClr val="tx1"/>
-                </a:solidFill>
-              </a:ln>
-            </p:spPr>
-            <p:style>
-              <a:lnRef idx="2">
-                <a:schemeClr val="accent1">
-                  <a:shade val="15000"/>
-                </a:schemeClr>
-              </a:lnRef>
-              <a:fillRef idx="1">
-                <a:schemeClr val="accent1"/>
-              </a:fillRef>
-              <a:effectRef idx="0">
-                <a:schemeClr val="accent1"/>
-              </a:effectRef>
-              <a:fontRef idx="minor">
-                <a:schemeClr val="lt1"/>
-              </a:fontRef>
-            </p:style>
-            <p:txBody>
-              <a:bodyPr wrap="none" rtlCol="0" anchor="ctr"/>
-              <a:lstStyle/>
-              <a:p>
-                <a:pPr algn="ctr"/>
-                <a14:m>
-                  <m:oMathPara xmlns:m="http://schemas.openxmlformats.org/officeDocument/2006/math">
-                    <m:oMathParaPr>
-                      <m:jc m:val="centerGroup"/>
-                    </m:oMathParaPr>
-                    <m:oMath xmlns:m="http://schemas.openxmlformats.org/officeDocument/2006/math">
-                      <m:sSup>
-                        <m:sSupPr>
-                          <m:ctrlPr>
-                            <a:rPr kumimoji="1" lang="en-US" altLang="ja-JP" i="1" dirty="0" smtClean="0">
-                              <a:solidFill>
-                                <a:schemeClr val="tx1"/>
-                              </a:solidFill>
-                              <a:latin typeface="Cambria Math" panose="02040503050406030204" pitchFamily="18" charset="0"/>
-                            </a:rPr>
-                          </m:ctrlPr>
-                        </m:sSupPr>
-                        <m:e>
-                          <m:r>
-                            <a:rPr kumimoji="1" lang="en-US" altLang="ja-JP" b="0" i="1" dirty="0" smtClean="0">
-                              <a:solidFill>
-                                <a:schemeClr val="tx1"/>
-                              </a:solidFill>
-                              <a:latin typeface="Cambria Math" panose="02040503050406030204" pitchFamily="18" charset="0"/>
-                            </a:rPr>
-                            <m:t>𝑤</m:t>
-                          </m:r>
-                        </m:e>
-                        <m:sup>
-                          <m:r>
-                            <a:rPr kumimoji="1" lang="en-US" altLang="ja-JP" b="0" i="1" dirty="0" smtClean="0">
-                              <a:solidFill>
-                                <a:schemeClr val="tx1"/>
-                              </a:solidFill>
-                              <a:latin typeface="Cambria Math" panose="02040503050406030204" pitchFamily="18" charset="0"/>
-                            </a:rPr>
-                            <m:t>′</m:t>
-                          </m:r>
-                        </m:sup>
-                      </m:sSup>
-                    </m:oMath>
-                  </m:oMathPara>
-                </a14:m>
-                <a:endParaRPr kumimoji="1" lang="ja-JP" altLang="en-US" dirty="0">
-                  <a:solidFill>
-                    <a:schemeClr val="tx1"/>
-                  </a:solidFill>
-                </a:endParaRPr>
-              </a:p>
-            </p:txBody>
-          </p:sp>
-        </mc:Choice>
-        <mc:Fallback>
-          <p:sp>
-            <p:nvSpPr>
-              <p:cNvPr id="11" name="正方形/長方形 10">
-                <a:extLst>
-                  <a:ext uri="{FF2B5EF4-FFF2-40B4-BE49-F238E27FC236}">
-                    <a16:creationId xmlns:a16="http://schemas.microsoft.com/office/drawing/2014/main" id="{20D88EB6-759D-E37E-DD3F-CECCC080ED0D}"/>
-                  </a:ext>
-                </a:extLst>
-              </p:cNvPr>
-              <p:cNvSpPr>
-                <a:spLocks noRot="1" noChangeAspect="1" noMove="1" noResize="1" noEditPoints="1" noAdjustHandles="1" noChangeArrowheads="1" noChangeShapeType="1" noTextEdit="1"/>
-              </p:cNvSpPr>
-              <p:nvPr/>
-            </p:nvSpPr>
-            <p:spPr>
-              <a:xfrm>
-                <a:off x="5811279" y="1766317"/>
-                <a:ext cx="3240000" cy="360000"/>
-              </a:xfrm>
-              <a:prstGeom prst="rect">
-                <a:avLst/>
-              </a:prstGeom>
-              <a:blipFill>
-                <a:blip r:embed="rId9"/>
+                <a:blip r:embed="rId7"/>
                 <a:stretch>
                   <a:fillRect/>
                 </a:stretch>
@@ -7780,8 +7549,8 @@
             <a:chExt cx="1810047" cy="360000"/>
           </a:xfrm>
         </p:grpSpPr>
-        <mc:AlternateContent xmlns:mc="http://schemas.openxmlformats.org/markup-compatibility/2006">
-          <mc:Choice xmlns:a14="http://schemas.microsoft.com/office/drawing/2010/main" Requires="a14">
+        <mc:AlternateContent xmlns:mc="http://schemas.openxmlformats.org/markup-compatibility/2006" xmlns:a14="http://schemas.microsoft.com/office/drawing/2010/main">
+          <mc:Choice Requires="a14">
             <p:sp>
               <p:nvSpPr>
                 <p:cNvPr id="26" name="正方形/長方形 25">
@@ -7862,7 +7631,7 @@
               </p:txBody>
             </p:sp>
           </mc:Choice>
-          <mc:Fallback>
+          <mc:Fallback xmlns="">
             <p:sp>
               <p:nvSpPr>
                 <p:cNvPr id="26" name="正方形/長方形 25">
@@ -7912,8 +7681,8 @@
             </p:sp>
           </mc:Fallback>
         </mc:AlternateContent>
-        <mc:AlternateContent xmlns:mc="http://schemas.openxmlformats.org/markup-compatibility/2006">
-          <mc:Choice xmlns:a14="http://schemas.microsoft.com/office/drawing/2010/main" Requires="a14">
+        <mc:AlternateContent xmlns:mc="http://schemas.openxmlformats.org/markup-compatibility/2006" xmlns:a14="http://schemas.microsoft.com/office/drawing/2010/main">
+          <mc:Choice Requires="a14">
             <p:sp>
               <p:nvSpPr>
                 <p:cNvPr id="27" name="正方形/長方形 26">
@@ -7989,7 +7758,7 @@
               </p:txBody>
             </p:sp>
           </mc:Choice>
-          <mc:Fallback>
+          <mc:Fallback xmlns="">
             <p:sp>
               <p:nvSpPr>
                 <p:cNvPr id="27" name="正方形/長方形 26">
@@ -8039,8 +7808,8 @@
             </p:sp>
           </mc:Fallback>
         </mc:AlternateContent>
-        <mc:AlternateContent xmlns:mc="http://schemas.openxmlformats.org/markup-compatibility/2006">
-          <mc:Choice xmlns:a14="http://schemas.microsoft.com/office/drawing/2010/main" Requires="a14">
+        <mc:AlternateContent xmlns:mc="http://schemas.openxmlformats.org/markup-compatibility/2006" xmlns:a14="http://schemas.microsoft.com/office/drawing/2010/main">
+          <mc:Choice Requires="a14">
             <p:sp>
               <p:nvSpPr>
                 <p:cNvPr id="28" name="正方形/長方形 27">
@@ -8116,7 +7885,7 @@
               </p:txBody>
             </p:sp>
           </mc:Choice>
-          <mc:Fallback>
+          <mc:Fallback xmlns="">
             <p:sp>
               <p:nvSpPr>
                 <p:cNvPr id="28" name="正方形/長方形 27">
@@ -8166,8 +7935,8 @@
             </p:sp>
           </mc:Fallback>
         </mc:AlternateContent>
-        <mc:AlternateContent xmlns:mc="http://schemas.openxmlformats.org/markup-compatibility/2006">
-          <mc:Choice xmlns:a14="http://schemas.microsoft.com/office/drawing/2010/main" Requires="a14">
+        <mc:AlternateContent xmlns:mc="http://schemas.openxmlformats.org/markup-compatibility/2006" xmlns:a14="http://schemas.microsoft.com/office/drawing/2010/main">
+          <mc:Choice Requires="a14">
             <p:sp>
               <p:nvSpPr>
                 <p:cNvPr id="33" name="正方形/長方形 32">
@@ -8248,7 +8017,7 @@
               </p:txBody>
             </p:sp>
           </mc:Choice>
-          <mc:Fallback>
+          <mc:Fallback xmlns="">
             <p:sp>
               <p:nvSpPr>
                 <p:cNvPr id="33" name="正方形/長方形 32">
@@ -8465,8 +8234,8 @@
           </a:fontRef>
         </p:style>
       </p:cxnSp>
-      <mc:AlternateContent xmlns:mc="http://schemas.openxmlformats.org/markup-compatibility/2006">
-        <mc:Choice xmlns:a14="http://schemas.microsoft.com/office/drawing/2010/main" Requires="a14">
+      <mc:AlternateContent xmlns:mc="http://schemas.openxmlformats.org/markup-compatibility/2006" xmlns:a14="http://schemas.microsoft.com/office/drawing/2010/main">
+        <mc:Choice Requires="a14">
           <p:sp>
             <p:nvSpPr>
               <p:cNvPr id="21" name="正方形/長方形 20">
@@ -8569,7 +8338,7 @@
             </p:txBody>
           </p:sp>
         </mc:Choice>
-        <mc:Fallback>
+        <mc:Fallback xmlns="">
           <p:sp>
             <p:nvSpPr>
               <p:cNvPr id="21" name="正方形/長方形 20">
@@ -8619,8 +8388,8 @@
           </p:sp>
         </mc:Fallback>
       </mc:AlternateContent>
-      <mc:AlternateContent xmlns:mc="http://schemas.openxmlformats.org/markup-compatibility/2006">
-        <mc:Choice xmlns:a14="http://schemas.microsoft.com/office/drawing/2010/main" Requires="a14">
+      <mc:AlternateContent xmlns:mc="http://schemas.openxmlformats.org/markup-compatibility/2006" xmlns:a14="http://schemas.microsoft.com/office/drawing/2010/main">
+        <mc:Choice Requires="a14">
           <p:sp>
             <p:nvSpPr>
               <p:cNvPr id="22" name="正方形/長方形 21">
@@ -8696,7 +8465,7 @@
             </p:txBody>
           </p:sp>
         </mc:Choice>
-        <mc:Fallback>
+        <mc:Fallback xmlns="">
           <p:sp>
             <p:nvSpPr>
               <p:cNvPr id="22" name="正方形/長方形 21">
@@ -8746,8 +8515,8 @@
           </p:sp>
         </mc:Fallback>
       </mc:AlternateContent>
-      <mc:AlternateContent xmlns:mc="http://schemas.openxmlformats.org/markup-compatibility/2006">
-        <mc:Choice xmlns:a14="http://schemas.microsoft.com/office/drawing/2010/main" Requires="a14">
+      <mc:AlternateContent xmlns:mc="http://schemas.openxmlformats.org/markup-compatibility/2006" xmlns:a14="http://schemas.microsoft.com/office/drawing/2010/main">
+        <mc:Choice Requires="a14">
           <p:sp>
             <p:nvSpPr>
               <p:cNvPr id="24" name="正方形/長方形 23">
@@ -8823,7 +8592,7 @@
             </p:txBody>
           </p:sp>
         </mc:Choice>
-        <mc:Fallback>
+        <mc:Fallback xmlns="">
           <p:sp>
             <p:nvSpPr>
               <p:cNvPr id="24" name="正方形/長方形 23">
@@ -8873,8 +8642,8 @@
           </p:sp>
         </mc:Fallback>
       </mc:AlternateContent>
-      <mc:AlternateContent xmlns:mc="http://schemas.openxmlformats.org/markup-compatibility/2006">
-        <mc:Choice xmlns:a14="http://schemas.microsoft.com/office/drawing/2010/main" Requires="a14">
+      <mc:AlternateContent xmlns:mc="http://schemas.openxmlformats.org/markup-compatibility/2006" xmlns:a14="http://schemas.microsoft.com/office/drawing/2010/main">
+        <mc:Choice Requires="a14">
           <p:sp>
             <p:nvSpPr>
               <p:cNvPr id="25" name="正方形/長方形 24">
@@ -8979,7 +8748,7 @@
             </p:txBody>
           </p:sp>
         </mc:Choice>
-        <mc:Fallback>
+        <mc:Fallback xmlns="">
           <p:sp>
             <p:nvSpPr>
               <p:cNvPr id="25" name="正方形/長方形 24">
@@ -9029,8 +8798,8 @@
           </p:sp>
         </mc:Fallback>
       </mc:AlternateContent>
-      <mc:AlternateContent xmlns:mc="http://schemas.openxmlformats.org/markup-compatibility/2006">
-        <mc:Choice xmlns:a14="http://schemas.microsoft.com/office/drawing/2010/main" Requires="a14">
+      <mc:AlternateContent xmlns:mc="http://schemas.openxmlformats.org/markup-compatibility/2006" xmlns:a14="http://schemas.microsoft.com/office/drawing/2010/main">
+        <mc:Choice Requires="a14">
           <p:sp>
             <p:nvSpPr>
               <p:cNvPr id="29" name="正方形/長方形 28">
@@ -9135,7 +8904,7 @@
             </p:txBody>
           </p:sp>
         </mc:Choice>
-        <mc:Fallback>
+        <mc:Fallback xmlns="">
           <p:sp>
             <p:nvSpPr>
               <p:cNvPr id="29" name="正方形/長方形 28">
@@ -9185,8 +8954,8 @@
           </p:sp>
         </mc:Fallback>
       </mc:AlternateContent>
-      <mc:AlternateContent xmlns:mc="http://schemas.openxmlformats.org/markup-compatibility/2006">
-        <mc:Choice xmlns:a14="http://schemas.microsoft.com/office/drawing/2010/main" Requires="a14">
+      <mc:AlternateContent xmlns:mc="http://schemas.openxmlformats.org/markup-compatibility/2006" xmlns:a14="http://schemas.microsoft.com/office/drawing/2010/main">
+        <mc:Choice Requires="a14">
           <p:sp>
             <p:nvSpPr>
               <p:cNvPr id="30" name="正方形/長方形 29">
@@ -9262,7 +9031,7 @@
             </p:txBody>
           </p:sp>
         </mc:Choice>
-        <mc:Fallback>
+        <mc:Fallback xmlns="">
           <p:sp>
             <p:nvSpPr>
               <p:cNvPr id="30" name="正方形/長方形 29">
@@ -9312,8 +9081,8 @@
           </p:sp>
         </mc:Fallback>
       </mc:AlternateContent>
-      <mc:AlternateContent xmlns:mc="http://schemas.openxmlformats.org/markup-compatibility/2006">
-        <mc:Choice xmlns:a14="http://schemas.microsoft.com/office/drawing/2010/main" Requires="a14">
+      <mc:AlternateContent xmlns:mc="http://schemas.openxmlformats.org/markup-compatibility/2006" xmlns:a14="http://schemas.microsoft.com/office/drawing/2010/main">
+        <mc:Choice Requires="a14">
           <p:sp>
             <p:nvSpPr>
               <p:cNvPr id="31" name="正方形/長方形 30">
@@ -9389,7 +9158,7 @@
             </p:txBody>
           </p:sp>
         </mc:Choice>
-        <mc:Fallback>
+        <mc:Fallback xmlns="">
           <p:sp>
             <p:nvSpPr>
               <p:cNvPr id="31" name="正方形/長方形 30">
@@ -9439,8 +9208,8 @@
           </p:sp>
         </mc:Fallback>
       </mc:AlternateContent>
-      <mc:AlternateContent xmlns:mc="http://schemas.openxmlformats.org/markup-compatibility/2006">
-        <mc:Choice xmlns:a14="http://schemas.microsoft.com/office/drawing/2010/main" Requires="a14">
+      <mc:AlternateContent xmlns:mc="http://schemas.openxmlformats.org/markup-compatibility/2006" xmlns:a14="http://schemas.microsoft.com/office/drawing/2010/main">
+        <mc:Choice Requires="a14">
           <p:sp>
             <p:nvSpPr>
               <p:cNvPr id="32" name="正方形/長方形 31">
@@ -9543,7 +9312,7 @@
             </p:txBody>
           </p:sp>
         </mc:Choice>
-        <mc:Fallback>
+        <mc:Fallback xmlns="">
           <p:sp>
             <p:nvSpPr>
               <p:cNvPr id="32" name="正方形/長方形 31">
@@ -9593,8 +9362,8 @@
           </p:sp>
         </mc:Fallback>
       </mc:AlternateContent>
-      <mc:AlternateContent xmlns:mc="http://schemas.openxmlformats.org/markup-compatibility/2006">
-        <mc:Choice xmlns:a14="http://schemas.microsoft.com/office/drawing/2010/main" Requires="a14">
+      <mc:AlternateContent xmlns:mc="http://schemas.openxmlformats.org/markup-compatibility/2006" xmlns:a14="http://schemas.microsoft.com/office/drawing/2010/main">
+        <mc:Choice Requires="a14">
           <p:sp>
             <p:nvSpPr>
               <p:cNvPr id="36" name="正方形/長方形 35">
@@ -9699,7 +9468,7 @@
             </p:txBody>
           </p:sp>
         </mc:Choice>
-        <mc:Fallback>
+        <mc:Fallback xmlns="">
           <p:sp>
             <p:nvSpPr>
               <p:cNvPr id="36" name="正方形/長方形 35">
@@ -9749,8 +9518,8 @@
           </p:sp>
         </mc:Fallback>
       </mc:AlternateContent>
-      <mc:AlternateContent xmlns:mc="http://schemas.openxmlformats.org/markup-compatibility/2006">
-        <mc:Choice xmlns:a14="http://schemas.microsoft.com/office/drawing/2010/main" Requires="a14">
+      <mc:AlternateContent xmlns:mc="http://schemas.openxmlformats.org/markup-compatibility/2006" xmlns:a14="http://schemas.microsoft.com/office/drawing/2010/main">
+        <mc:Choice Requires="a14">
           <p:sp>
             <p:nvSpPr>
               <p:cNvPr id="38" name="正方形/長方形 37">
@@ -9855,7 +9624,7 @@
             </p:txBody>
           </p:sp>
         </mc:Choice>
-        <mc:Fallback>
+        <mc:Fallback xmlns="">
           <p:sp>
             <p:nvSpPr>
               <p:cNvPr id="38" name="正方形/長方形 37">
@@ -9905,8 +9674,8 @@
           </p:sp>
         </mc:Fallback>
       </mc:AlternateContent>
-      <mc:AlternateContent xmlns:mc="http://schemas.openxmlformats.org/markup-compatibility/2006">
-        <mc:Choice xmlns:a14="http://schemas.microsoft.com/office/drawing/2010/main" Requires="a14">
+      <mc:AlternateContent xmlns:mc="http://schemas.openxmlformats.org/markup-compatibility/2006" xmlns:a14="http://schemas.microsoft.com/office/drawing/2010/main">
+        <mc:Choice Requires="a14">
           <p:sp>
             <p:nvSpPr>
               <p:cNvPr id="41" name="正方形/長方形 40">
@@ -9982,7 +9751,7 @@
             </p:txBody>
           </p:sp>
         </mc:Choice>
-        <mc:Fallback>
+        <mc:Fallback xmlns="">
           <p:sp>
             <p:nvSpPr>
               <p:cNvPr id="41" name="正方形/長方形 40">
@@ -10032,8 +9801,8 @@
           </p:sp>
         </mc:Fallback>
       </mc:AlternateContent>
-      <mc:AlternateContent xmlns:mc="http://schemas.openxmlformats.org/markup-compatibility/2006">
-        <mc:Choice xmlns:a14="http://schemas.microsoft.com/office/drawing/2010/main" Requires="a14">
+      <mc:AlternateContent xmlns:mc="http://schemas.openxmlformats.org/markup-compatibility/2006" xmlns:a14="http://schemas.microsoft.com/office/drawing/2010/main">
+        <mc:Choice Requires="a14">
           <p:sp>
             <p:nvSpPr>
               <p:cNvPr id="43" name="正方形/長方形 42">
@@ -10109,7 +9878,7 @@
             </p:txBody>
           </p:sp>
         </mc:Choice>
-        <mc:Fallback>
+        <mc:Fallback xmlns="">
           <p:sp>
             <p:nvSpPr>
               <p:cNvPr id="43" name="正方形/長方形 42">
@@ -10159,8 +9928,8 @@
           </p:sp>
         </mc:Fallback>
       </mc:AlternateContent>
-      <mc:AlternateContent xmlns:mc="http://schemas.openxmlformats.org/markup-compatibility/2006">
-        <mc:Choice xmlns:a14="http://schemas.microsoft.com/office/drawing/2010/main" Requires="a14">
+      <mc:AlternateContent xmlns:mc="http://schemas.openxmlformats.org/markup-compatibility/2006" xmlns:a14="http://schemas.microsoft.com/office/drawing/2010/main">
+        <mc:Choice Requires="a14">
           <p:sp>
             <p:nvSpPr>
               <p:cNvPr id="44" name="正方形/長方形 43">
@@ -10236,7 +10005,7 @@
             </p:txBody>
           </p:sp>
         </mc:Choice>
-        <mc:Fallback>
+        <mc:Fallback xmlns="">
           <p:sp>
             <p:nvSpPr>
               <p:cNvPr id="44" name="正方形/長方形 43">
@@ -10286,8 +10055,8 @@
           </p:sp>
         </mc:Fallback>
       </mc:AlternateContent>
-      <mc:AlternateContent xmlns:mc="http://schemas.openxmlformats.org/markup-compatibility/2006">
-        <mc:Choice xmlns:a14="http://schemas.microsoft.com/office/drawing/2010/main" Requires="a14">
+      <mc:AlternateContent xmlns:mc="http://schemas.openxmlformats.org/markup-compatibility/2006" xmlns:a14="http://schemas.microsoft.com/office/drawing/2010/main">
+        <mc:Choice Requires="a14">
           <p:sp>
             <p:nvSpPr>
               <p:cNvPr id="45" name="正方形/長方形 44">
@@ -10363,7 +10132,7 @@
             </p:txBody>
           </p:sp>
         </mc:Choice>
-        <mc:Fallback>
+        <mc:Fallback xmlns="">
           <p:sp>
             <p:nvSpPr>
               <p:cNvPr id="45" name="正方形/長方形 44">
@@ -10518,8 +10287,8 @@
             </a:fontRef>
           </p:style>
         </p:cxnSp>
-        <mc:AlternateContent xmlns:mc="http://schemas.openxmlformats.org/markup-compatibility/2006">
-          <mc:Choice xmlns:a14="http://schemas.microsoft.com/office/drawing/2010/main" Requires="a14">
+        <mc:AlternateContent xmlns:mc="http://schemas.openxmlformats.org/markup-compatibility/2006" xmlns:a14="http://schemas.microsoft.com/office/drawing/2010/main">
+          <mc:Choice Requires="a14">
             <p:sp>
               <p:nvSpPr>
                 <p:cNvPr id="59" name="正方形/長方形 58">
@@ -10595,7 +10364,7 @@
               </p:txBody>
             </p:sp>
           </mc:Choice>
-          <mc:Fallback>
+          <mc:Fallback xmlns="">
             <p:sp>
               <p:nvSpPr>
                 <p:cNvPr id="59" name="正方形/長方形 58">
@@ -10645,8 +10414,8 @@
             </p:sp>
           </mc:Fallback>
         </mc:AlternateContent>
-        <mc:AlternateContent xmlns:mc="http://schemas.openxmlformats.org/markup-compatibility/2006">
-          <mc:Choice xmlns:a14="http://schemas.microsoft.com/office/drawing/2010/main" Requires="a14">
+        <mc:AlternateContent xmlns:mc="http://schemas.openxmlformats.org/markup-compatibility/2006" xmlns:a14="http://schemas.microsoft.com/office/drawing/2010/main">
+          <mc:Choice Requires="a14">
             <p:sp>
               <p:nvSpPr>
                 <p:cNvPr id="60" name="正方形/長方形 59">
@@ -10722,7 +10491,7 @@
               </p:txBody>
             </p:sp>
           </mc:Choice>
-          <mc:Fallback>
+          <mc:Fallback xmlns="">
             <p:sp>
               <p:nvSpPr>
                 <p:cNvPr id="60" name="正方形/長方形 59">
@@ -10772,8 +10541,8 @@
             </p:sp>
           </mc:Fallback>
         </mc:AlternateContent>
-        <mc:AlternateContent xmlns:mc="http://schemas.openxmlformats.org/markup-compatibility/2006">
-          <mc:Choice xmlns:a14="http://schemas.microsoft.com/office/drawing/2010/main" Requires="a14">
+        <mc:AlternateContent xmlns:mc="http://schemas.openxmlformats.org/markup-compatibility/2006" xmlns:a14="http://schemas.microsoft.com/office/drawing/2010/main">
+          <mc:Choice Requires="a14">
             <p:sp>
               <p:nvSpPr>
                 <p:cNvPr id="61" name="正方形/長方形 60">
@@ -10845,7 +10614,7 @@
                       </m:oMath>
                     </m:oMathPara>
                   </a14:m>
-                  <a:endParaRPr kumimoji="1" lang="ja-JP" altLang="en-US">
+                  <a:endParaRPr kumimoji="1" lang="ja-JP" altLang="en-US" dirty="0">
                     <a:solidFill>
                       <a:srgbClr val="0070C0"/>
                     </a:solidFill>
@@ -10854,7 +10623,7 @@
               </p:txBody>
             </p:sp>
           </mc:Choice>
-          <mc:Fallback>
+          <mc:Fallback xmlns="">
             <p:sp>
               <p:nvSpPr>
                 <p:cNvPr id="61" name="正方形/長方形 60">
@@ -10904,8 +10673,8 @@
             </p:sp>
           </mc:Fallback>
         </mc:AlternateContent>
-        <mc:AlternateContent xmlns:mc="http://schemas.openxmlformats.org/markup-compatibility/2006">
-          <mc:Choice xmlns:a14="http://schemas.microsoft.com/office/drawing/2010/main" Requires="a14">
+        <mc:AlternateContent xmlns:mc="http://schemas.openxmlformats.org/markup-compatibility/2006" xmlns:a14="http://schemas.microsoft.com/office/drawing/2010/main">
+          <mc:Choice Requires="a14">
             <p:sp>
               <p:nvSpPr>
                 <p:cNvPr id="57" name="正方形/長方形 56">
@@ -10986,7 +10755,7 @@
               </p:txBody>
             </p:sp>
           </mc:Choice>
-          <mc:Fallback>
+          <mc:Fallback xmlns="">
             <p:sp>
               <p:nvSpPr>
                 <p:cNvPr id="57" name="正方形/長方形 56">
@@ -11101,8 +10870,8 @@
             <a:chExt cx="1806926" cy="360000"/>
           </a:xfrm>
         </p:grpSpPr>
-        <mc:AlternateContent xmlns:mc="http://schemas.openxmlformats.org/markup-compatibility/2006">
-          <mc:Choice xmlns:a14="http://schemas.microsoft.com/office/drawing/2010/main" Requires="a14">
+        <mc:AlternateContent xmlns:mc="http://schemas.openxmlformats.org/markup-compatibility/2006" xmlns:a14="http://schemas.microsoft.com/office/drawing/2010/main">
+          <mc:Choice Requires="a14">
             <p:sp>
               <p:nvSpPr>
                 <p:cNvPr id="80" name="正方形/長方形 79">
@@ -11183,7 +10952,7 @@
               </p:txBody>
             </p:sp>
           </mc:Choice>
-          <mc:Fallback>
+          <mc:Fallback xmlns="">
             <p:sp>
               <p:nvSpPr>
                 <p:cNvPr id="80" name="正方形/長方形 79">
@@ -11233,8 +11002,8 @@
             </p:sp>
           </mc:Fallback>
         </mc:AlternateContent>
-        <mc:AlternateContent xmlns:mc="http://schemas.openxmlformats.org/markup-compatibility/2006">
-          <mc:Choice xmlns:a14="http://schemas.microsoft.com/office/drawing/2010/main" Requires="a14">
+        <mc:AlternateContent xmlns:mc="http://schemas.openxmlformats.org/markup-compatibility/2006" xmlns:a14="http://schemas.microsoft.com/office/drawing/2010/main">
+          <mc:Choice Requires="a14">
             <p:sp>
               <p:nvSpPr>
                 <p:cNvPr id="81" name="正方形/長方形 80">
@@ -11310,7 +11079,7 @@
               </p:txBody>
             </p:sp>
           </mc:Choice>
-          <mc:Fallback>
+          <mc:Fallback xmlns="">
             <p:sp>
               <p:nvSpPr>
                 <p:cNvPr id="81" name="正方形/長方形 80">
@@ -11360,8 +11129,8 @@
             </p:sp>
           </mc:Fallback>
         </mc:AlternateContent>
-        <mc:AlternateContent xmlns:mc="http://schemas.openxmlformats.org/markup-compatibility/2006">
-          <mc:Choice xmlns:a14="http://schemas.microsoft.com/office/drawing/2010/main" Requires="a14">
+        <mc:AlternateContent xmlns:mc="http://schemas.openxmlformats.org/markup-compatibility/2006" xmlns:a14="http://schemas.microsoft.com/office/drawing/2010/main">
+          <mc:Choice Requires="a14">
             <p:sp>
               <p:nvSpPr>
                 <p:cNvPr id="82" name="正方形/長方形 81">
@@ -11437,7 +11206,7 @@
               </p:txBody>
             </p:sp>
           </mc:Choice>
-          <mc:Fallback>
+          <mc:Fallback xmlns="">
             <p:sp>
               <p:nvSpPr>
                 <p:cNvPr id="82" name="正方形/長方形 81">
@@ -11487,8 +11256,8 @@
             </p:sp>
           </mc:Fallback>
         </mc:AlternateContent>
-        <mc:AlternateContent xmlns:mc="http://schemas.openxmlformats.org/markup-compatibility/2006">
-          <mc:Choice xmlns:a14="http://schemas.microsoft.com/office/drawing/2010/main" Requires="a14">
+        <mc:AlternateContent xmlns:mc="http://schemas.openxmlformats.org/markup-compatibility/2006" xmlns:a14="http://schemas.microsoft.com/office/drawing/2010/main">
+          <mc:Choice Requires="a14">
             <p:sp>
               <p:nvSpPr>
                 <p:cNvPr id="83" name="正方形/長方形 82">
@@ -11569,7 +11338,7 @@
               </p:txBody>
             </p:sp>
           </mc:Choice>
-          <mc:Fallback>
+          <mc:Fallback xmlns="">
             <p:sp>
               <p:nvSpPr>
                 <p:cNvPr id="83" name="正方形/長方形 82">
@@ -11684,8 +11453,8 @@
             </a:fontRef>
           </p:style>
         </p:cxnSp>
-        <mc:AlternateContent xmlns:mc="http://schemas.openxmlformats.org/markup-compatibility/2006">
-          <mc:Choice xmlns:a14="http://schemas.microsoft.com/office/drawing/2010/main" Requires="a14">
+        <mc:AlternateContent xmlns:mc="http://schemas.openxmlformats.org/markup-compatibility/2006" xmlns:a14="http://schemas.microsoft.com/office/drawing/2010/main">
+          <mc:Choice Requires="a14">
             <p:sp>
               <p:nvSpPr>
                 <p:cNvPr id="90" name="正方形/長方形 89">
@@ -11766,7 +11535,7 @@
               </p:txBody>
             </p:sp>
           </mc:Choice>
-          <mc:Fallback>
+          <mc:Fallback xmlns="">
             <p:sp>
               <p:nvSpPr>
                 <p:cNvPr id="90" name="正方形/長方形 89">
@@ -11901,8 +11670,8 @@
             </a:fontRef>
           </p:style>
         </p:cxnSp>
-        <mc:AlternateContent xmlns:mc="http://schemas.openxmlformats.org/markup-compatibility/2006">
-          <mc:Choice xmlns:a14="http://schemas.microsoft.com/office/drawing/2010/main" Requires="a14">
+        <mc:AlternateContent xmlns:mc="http://schemas.openxmlformats.org/markup-compatibility/2006" xmlns:a14="http://schemas.microsoft.com/office/drawing/2010/main">
+          <mc:Choice Requires="a14">
             <p:sp>
               <p:nvSpPr>
                 <p:cNvPr id="87" name="正方形/長方形 86">
@@ -11978,7 +11747,7 @@
               </p:txBody>
             </p:sp>
           </mc:Choice>
-          <mc:Fallback>
+          <mc:Fallback xmlns="">
             <p:sp>
               <p:nvSpPr>
                 <p:cNvPr id="87" name="正方形/長方形 86">
@@ -12028,8 +11797,8 @@
             </p:sp>
           </mc:Fallback>
         </mc:AlternateContent>
-        <mc:AlternateContent xmlns:mc="http://schemas.openxmlformats.org/markup-compatibility/2006">
-          <mc:Choice xmlns:a14="http://schemas.microsoft.com/office/drawing/2010/main" Requires="a14">
+        <mc:AlternateContent xmlns:mc="http://schemas.openxmlformats.org/markup-compatibility/2006" xmlns:a14="http://schemas.microsoft.com/office/drawing/2010/main">
+          <mc:Choice Requires="a14">
             <p:sp>
               <p:nvSpPr>
                 <p:cNvPr id="88" name="正方形/長方形 87">
@@ -12105,7 +11874,7 @@
               </p:txBody>
             </p:sp>
           </mc:Choice>
-          <mc:Fallback>
+          <mc:Fallback xmlns="">
             <p:sp>
               <p:nvSpPr>
                 <p:cNvPr id="88" name="正方形/長方形 87">
@@ -12155,8 +11924,8 @@
             </p:sp>
           </mc:Fallback>
         </mc:AlternateContent>
-        <mc:AlternateContent xmlns:mc="http://schemas.openxmlformats.org/markup-compatibility/2006">
-          <mc:Choice xmlns:a14="http://schemas.microsoft.com/office/drawing/2010/main" Requires="a14">
+        <mc:AlternateContent xmlns:mc="http://schemas.openxmlformats.org/markup-compatibility/2006" xmlns:a14="http://schemas.microsoft.com/office/drawing/2010/main">
+          <mc:Choice Requires="a14">
             <p:sp>
               <p:nvSpPr>
                 <p:cNvPr id="89" name="正方形/長方形 88">
@@ -12237,7 +12006,7 @@
               </p:txBody>
             </p:sp>
           </mc:Choice>
-          <mc:Fallback>
+          <mc:Fallback xmlns="">
             <p:sp>
               <p:nvSpPr>
                 <p:cNvPr id="89" name="正方形/長方形 88">
@@ -12288,49 +12057,8 @@
           </mc:Fallback>
         </mc:AlternateContent>
       </p:grpSp>
-      <p:cxnSp>
-        <p:nvCxnSpPr>
-          <p:cNvPr id="96" name="直線コネクタ 95">
-            <a:extLst>
-              <a:ext uri="{FF2B5EF4-FFF2-40B4-BE49-F238E27FC236}">
-                <a16:creationId xmlns:a16="http://schemas.microsoft.com/office/drawing/2014/main" id="{A4664E49-28A5-4F39-D7F3-F62536C77389}"/>
-              </a:ext>
-            </a:extLst>
-          </p:cNvPr>
-          <p:cNvCxnSpPr>
-            <a:cxnSpLocks/>
-          </p:cNvCxnSpPr>
-          <p:nvPr/>
-        </p:nvCxnSpPr>
-        <p:spPr>
-          <a:xfrm flipV="1">
-            <a:off x="3308900" y="1360696"/>
-            <a:ext cx="0" cy="1161488"/>
-          </a:xfrm>
-          <a:prstGeom prst="line">
-            <a:avLst/>
-          </a:prstGeom>
-          <a:ln w="6350">
-            <a:prstDash val="sysDot"/>
-          </a:ln>
-        </p:spPr>
-        <p:style>
-          <a:lnRef idx="2">
-            <a:schemeClr val="accent1"/>
-          </a:lnRef>
-          <a:fillRef idx="0">
-            <a:schemeClr val="accent1"/>
-          </a:fillRef>
-          <a:effectRef idx="1">
-            <a:schemeClr val="accent1"/>
-          </a:effectRef>
-          <a:fontRef idx="minor">
-            <a:schemeClr val="tx1"/>
-          </a:fontRef>
-        </p:style>
-      </p:cxnSp>
-      <mc:AlternateContent xmlns:mc="http://schemas.openxmlformats.org/markup-compatibility/2006">
-        <mc:Choice xmlns:a14="http://schemas.microsoft.com/office/drawing/2010/main" Requires="a14">
+      <mc:AlternateContent xmlns:mc="http://schemas.openxmlformats.org/markup-compatibility/2006" xmlns:a14="http://schemas.microsoft.com/office/drawing/2010/main">
+        <mc:Choice Requires="a14">
           <p:sp>
             <p:nvSpPr>
               <p:cNvPr id="8" name="正方形/長方形 7">
@@ -12435,7 +12163,7 @@
             </p:txBody>
           </p:sp>
         </mc:Choice>
-        <mc:Fallback>
+        <mc:Fallback xmlns="">
           <p:sp>
             <p:nvSpPr>
               <p:cNvPr id="8" name="正方形/長方形 7">
@@ -12573,6 +12301,310 @@
           </a:fontRef>
         </p:style>
       </p:cxnSp>
+      <mc:AlternateContent xmlns:mc="http://schemas.openxmlformats.org/markup-compatibility/2006" xmlns:a14="http://schemas.microsoft.com/office/drawing/2010/main">
+        <mc:Choice Requires="a14">
+          <p:sp>
+            <p:nvSpPr>
+              <p:cNvPr id="4" name="正方形/長方形 3">
+                <a:extLst>
+                  <a:ext uri="{FF2B5EF4-FFF2-40B4-BE49-F238E27FC236}">
+                    <a16:creationId xmlns:a16="http://schemas.microsoft.com/office/drawing/2014/main" id="{4AA5E41D-3AC1-5CB6-73C4-9B8E872420BF}"/>
+                  </a:ext>
+                </a:extLst>
+              </p:cNvPr>
+              <p:cNvSpPr/>
+              <p:nvPr/>
+            </p:nvSpPr>
+            <p:spPr>
+              <a:xfrm>
+                <a:off x="3296857" y="1235847"/>
+                <a:ext cx="3240000" cy="360000"/>
+              </a:xfrm>
+              <a:prstGeom prst="rect">
+                <a:avLst/>
+              </a:prstGeom>
+              <a:noFill/>
+              <a:ln>
+                <a:solidFill>
+                  <a:schemeClr val="tx1"/>
+                </a:solidFill>
+              </a:ln>
+            </p:spPr>
+            <p:style>
+              <a:lnRef idx="2">
+                <a:schemeClr val="accent1">
+                  <a:shade val="15000"/>
+                </a:schemeClr>
+              </a:lnRef>
+              <a:fillRef idx="1">
+                <a:schemeClr val="accent1"/>
+              </a:fillRef>
+              <a:effectRef idx="0">
+                <a:schemeClr val="accent1"/>
+              </a:effectRef>
+              <a:fontRef idx="minor">
+                <a:schemeClr val="lt1"/>
+              </a:fontRef>
+            </p:style>
+            <p:txBody>
+              <a:bodyPr wrap="none" rtlCol="0" anchor="ctr"/>
+              <a:lstStyle/>
+              <a:p>
+                <a:pPr algn="ctr"/>
+                <a14:m>
+                  <m:oMathPara xmlns:m="http://schemas.openxmlformats.org/officeDocument/2006/math">
+                    <m:oMathParaPr>
+                      <m:jc m:val="centerGroup"/>
+                    </m:oMathParaPr>
+                    <m:oMath xmlns:m="http://schemas.openxmlformats.org/officeDocument/2006/math">
+                      <m:sSup>
+                        <m:sSupPr>
+                          <m:ctrlPr>
+                            <a:rPr kumimoji="1" lang="en-US" altLang="ja-JP" i="1" dirty="0" smtClean="0">
+                              <a:solidFill>
+                                <a:schemeClr val="tx1"/>
+                              </a:solidFill>
+                              <a:latin typeface="Cambria Math" panose="02040503050406030204" pitchFamily="18" charset="0"/>
+                            </a:rPr>
+                          </m:ctrlPr>
+                        </m:sSupPr>
+                        <m:e>
+                          <m:r>
+                            <a:rPr kumimoji="1" lang="en-US" altLang="ja-JP" b="0" i="1" dirty="0" smtClean="0">
+                              <a:solidFill>
+                                <a:schemeClr val="tx1"/>
+                              </a:solidFill>
+                              <a:latin typeface="Cambria Math" panose="02040503050406030204" pitchFamily="18" charset="0"/>
+                            </a:rPr>
+                            <m:t>𝑤</m:t>
+                          </m:r>
+                        </m:e>
+                        <m:sup>
+                          <m:r>
+                            <a:rPr kumimoji="1" lang="en-US" altLang="ja-JP" b="0" i="1" dirty="0" smtClean="0">
+                              <a:solidFill>
+                                <a:schemeClr val="tx1"/>
+                              </a:solidFill>
+                              <a:latin typeface="Cambria Math" panose="02040503050406030204" pitchFamily="18" charset="0"/>
+                            </a:rPr>
+                            <m:t>′</m:t>
+                          </m:r>
+                        </m:sup>
+                      </m:sSup>
+                    </m:oMath>
+                  </m:oMathPara>
+                </a14:m>
+                <a:endParaRPr kumimoji="1" lang="ja-JP" altLang="en-US">
+                  <a:solidFill>
+                    <a:schemeClr val="tx1"/>
+                  </a:solidFill>
+                </a:endParaRPr>
+              </a:p>
+            </p:txBody>
+          </p:sp>
+        </mc:Choice>
+        <mc:Fallback xmlns="">
+          <p:sp>
+            <p:nvSpPr>
+              <p:cNvPr id="4" name="正方形/長方形 3">
+                <a:extLst>
+                  <a:ext uri="{FF2B5EF4-FFF2-40B4-BE49-F238E27FC236}">
+                    <a16:creationId xmlns:a16="http://schemas.microsoft.com/office/drawing/2014/main" id="{4AA5E41D-3AC1-5CB6-73C4-9B8E872420BF}"/>
+                  </a:ext>
+                </a:extLst>
+              </p:cNvPr>
+              <p:cNvSpPr>
+                <a:spLocks noRot="1" noChangeAspect="1" noMove="1" noResize="1" noEditPoints="1" noAdjustHandles="1" noChangeArrowheads="1" noChangeShapeType="1" noTextEdit="1"/>
+              </p:cNvSpPr>
+              <p:nvPr/>
+            </p:nvSpPr>
+            <p:spPr>
+              <a:xfrm>
+                <a:off x="3296857" y="1235847"/>
+                <a:ext cx="3240000" cy="360000"/>
+              </a:xfrm>
+              <a:prstGeom prst="rect">
+                <a:avLst/>
+              </a:prstGeom>
+              <a:blipFill>
+                <a:blip r:embed="rId41"/>
+                <a:stretch>
+                  <a:fillRect/>
+                </a:stretch>
+              </a:blipFill>
+              <a:ln>
+                <a:solidFill>
+                  <a:schemeClr val="tx1"/>
+                </a:solidFill>
+              </a:ln>
+            </p:spPr>
+            <p:txBody>
+              <a:bodyPr/>
+              <a:lstStyle/>
+              <a:p>
+                <a:r>
+                  <a:rPr lang="ja-JP" altLang="en-US">
+                    <a:noFill/>
+                  </a:rPr>
+                  <a:t> </a:t>
+                </a:r>
+              </a:p>
+            </p:txBody>
+          </p:sp>
+        </mc:Fallback>
+      </mc:AlternateContent>
+      <mc:AlternateContent xmlns:mc="http://schemas.openxmlformats.org/markup-compatibility/2006" xmlns:a14="http://schemas.microsoft.com/office/drawing/2010/main">
+        <mc:Choice Requires="a14">
+          <p:sp>
+            <p:nvSpPr>
+              <p:cNvPr id="11" name="正方形/長方形 10">
+                <a:extLst>
+                  <a:ext uri="{FF2B5EF4-FFF2-40B4-BE49-F238E27FC236}">
+                    <a16:creationId xmlns:a16="http://schemas.microsoft.com/office/drawing/2014/main" id="{20D88EB6-759D-E37E-DD3F-CECCC080ED0D}"/>
+                  </a:ext>
+                </a:extLst>
+              </p:cNvPr>
+              <p:cNvSpPr/>
+              <p:nvPr/>
+            </p:nvSpPr>
+            <p:spPr>
+              <a:xfrm>
+                <a:off x="5811279" y="1766317"/>
+                <a:ext cx="3240000" cy="360000"/>
+              </a:xfrm>
+              <a:prstGeom prst="rect">
+                <a:avLst/>
+              </a:prstGeom>
+              <a:noFill/>
+              <a:ln>
+                <a:solidFill>
+                  <a:schemeClr val="tx1"/>
+                </a:solidFill>
+              </a:ln>
+            </p:spPr>
+            <p:style>
+              <a:lnRef idx="2">
+                <a:schemeClr val="accent1">
+                  <a:shade val="15000"/>
+                </a:schemeClr>
+              </a:lnRef>
+              <a:fillRef idx="1">
+                <a:schemeClr val="accent1"/>
+              </a:fillRef>
+              <a:effectRef idx="0">
+                <a:schemeClr val="accent1"/>
+              </a:effectRef>
+              <a:fontRef idx="minor">
+                <a:schemeClr val="lt1"/>
+              </a:fontRef>
+            </p:style>
+            <p:txBody>
+              <a:bodyPr wrap="none" rtlCol="0" anchor="ctr"/>
+              <a:lstStyle/>
+              <a:p>
+                <a:pPr algn="ctr"/>
+                <a14:m>
+                  <m:oMathPara xmlns:m="http://schemas.openxmlformats.org/officeDocument/2006/math">
+                    <m:oMathParaPr>
+                      <m:jc m:val="centerGroup"/>
+                    </m:oMathParaPr>
+                    <m:oMath xmlns:m="http://schemas.openxmlformats.org/officeDocument/2006/math">
+                      <m:sSup>
+                        <m:sSupPr>
+                          <m:ctrlPr>
+                            <a:rPr kumimoji="1" lang="en-US" altLang="ja-JP" i="1" dirty="0" smtClean="0">
+                              <a:solidFill>
+                                <a:schemeClr val="tx1"/>
+                              </a:solidFill>
+                              <a:latin typeface="Cambria Math" panose="02040503050406030204" pitchFamily="18" charset="0"/>
+                            </a:rPr>
+                          </m:ctrlPr>
+                        </m:sSupPr>
+                        <m:e>
+                          <m:r>
+                            <a:rPr kumimoji="1" lang="en-US" altLang="ja-JP" b="0" i="1" dirty="0" smtClean="0">
+                              <a:solidFill>
+                                <a:schemeClr val="tx1"/>
+                              </a:solidFill>
+                              <a:latin typeface="Cambria Math" panose="02040503050406030204" pitchFamily="18" charset="0"/>
+                            </a:rPr>
+                            <m:t>𝑤</m:t>
+                          </m:r>
+                        </m:e>
+                        <m:sup>
+                          <m:r>
+                            <a:rPr kumimoji="1" lang="en-US" altLang="ja-JP" b="0" i="1" dirty="0" smtClean="0">
+                              <a:solidFill>
+                                <a:schemeClr val="tx1"/>
+                              </a:solidFill>
+                              <a:latin typeface="Cambria Math" panose="02040503050406030204" pitchFamily="18" charset="0"/>
+                            </a:rPr>
+                            <m:t>′</m:t>
+                          </m:r>
+                        </m:sup>
+                      </m:sSup>
+                    </m:oMath>
+                  </m:oMathPara>
+                </a14:m>
+                <a:endParaRPr kumimoji="1" lang="ja-JP" altLang="en-US" dirty="0">
+                  <a:solidFill>
+                    <a:schemeClr val="tx1"/>
+                  </a:solidFill>
+                </a:endParaRPr>
+              </a:p>
+            </p:txBody>
+          </p:sp>
+        </mc:Choice>
+        <mc:Fallback xmlns="">
+          <p:sp>
+            <p:nvSpPr>
+              <p:cNvPr id="11" name="正方形/長方形 10">
+                <a:extLst>
+                  <a:ext uri="{FF2B5EF4-FFF2-40B4-BE49-F238E27FC236}">
+                    <a16:creationId xmlns:a16="http://schemas.microsoft.com/office/drawing/2014/main" id="{20D88EB6-759D-E37E-DD3F-CECCC080ED0D}"/>
+                  </a:ext>
+                </a:extLst>
+              </p:cNvPr>
+              <p:cNvSpPr>
+                <a:spLocks noRot="1" noChangeAspect="1" noMove="1" noResize="1" noEditPoints="1" noAdjustHandles="1" noChangeArrowheads="1" noChangeShapeType="1" noTextEdit="1"/>
+              </p:cNvSpPr>
+              <p:nvPr/>
+            </p:nvSpPr>
+            <p:spPr>
+              <a:xfrm>
+                <a:off x="5811279" y="1766317"/>
+                <a:ext cx="3240000" cy="360000"/>
+              </a:xfrm>
+              <a:prstGeom prst="rect">
+                <a:avLst/>
+              </a:prstGeom>
+              <a:blipFill>
+                <a:blip r:embed="rId42"/>
+                <a:stretch>
+                  <a:fillRect/>
+                </a:stretch>
+              </a:blipFill>
+              <a:ln>
+                <a:solidFill>
+                  <a:schemeClr val="tx1"/>
+                </a:solidFill>
+              </a:ln>
+            </p:spPr>
+            <p:txBody>
+              <a:bodyPr/>
+              <a:lstStyle/>
+              <a:p>
+                <a:r>
+                  <a:rPr lang="ja-JP" altLang="en-US">
+                    <a:noFill/>
+                  </a:rPr>
+                  <a:t> </a:t>
+                </a:r>
+              </a:p>
+            </p:txBody>
+          </p:sp>
+        </mc:Fallback>
+      </mc:AlternateContent>
     </p:spTree>
     <p:extLst>
       <p:ext uri="{BB962C8B-B14F-4D97-AF65-F5344CB8AC3E}">
@@ -12727,8 +12759,8 @@
           </a:fontRef>
         </p:style>
       </p:cxnSp>
-      <mc:AlternateContent xmlns:mc="http://schemas.openxmlformats.org/markup-compatibility/2006">
-        <mc:Choice xmlns:a14="http://schemas.microsoft.com/office/drawing/2010/main" Requires="a14">
+      <mc:AlternateContent xmlns:mc="http://schemas.openxmlformats.org/markup-compatibility/2006" xmlns:a14="http://schemas.microsoft.com/office/drawing/2010/main">
+        <mc:Choice Requires="a14">
           <p:sp>
             <p:nvSpPr>
               <p:cNvPr id="11" name="正方形/長方形 10">
@@ -12804,7 +12836,7 @@
             </p:txBody>
           </p:sp>
         </mc:Choice>
-        <mc:Fallback>
+        <mc:Fallback xmlns="">
           <p:sp>
             <p:nvSpPr>
               <p:cNvPr id="11" name="正方形/長方形 10">
@@ -12854,8 +12886,8 @@
           </p:sp>
         </mc:Fallback>
       </mc:AlternateContent>
-      <mc:AlternateContent xmlns:mc="http://schemas.openxmlformats.org/markup-compatibility/2006">
-        <mc:Choice xmlns:a14="http://schemas.microsoft.com/office/drawing/2010/main" Requires="a14">
+      <mc:AlternateContent xmlns:mc="http://schemas.openxmlformats.org/markup-compatibility/2006" xmlns:a14="http://schemas.microsoft.com/office/drawing/2010/main">
+        <mc:Choice Requires="a14">
           <p:sp>
             <p:nvSpPr>
               <p:cNvPr id="12" name="正方形/長方形 11">
@@ -12931,7 +12963,7 @@
             </p:txBody>
           </p:sp>
         </mc:Choice>
-        <mc:Fallback>
+        <mc:Fallback xmlns="">
           <p:sp>
             <p:nvSpPr>
               <p:cNvPr id="12" name="正方形/長方形 11">
@@ -12981,8 +13013,8 @@
           </p:sp>
         </mc:Fallback>
       </mc:AlternateContent>
-      <mc:AlternateContent xmlns:mc="http://schemas.openxmlformats.org/markup-compatibility/2006">
-        <mc:Choice xmlns:a14="http://schemas.microsoft.com/office/drawing/2010/main" Requires="a14">
+      <mc:AlternateContent xmlns:mc="http://schemas.openxmlformats.org/markup-compatibility/2006" xmlns:a14="http://schemas.microsoft.com/office/drawing/2010/main">
+        <mc:Choice Requires="a14">
           <p:sp>
             <p:nvSpPr>
               <p:cNvPr id="13" name="正方形/長方形 12">
@@ -13087,7 +13119,7 @@
             </p:txBody>
           </p:sp>
         </mc:Choice>
-        <mc:Fallback>
+        <mc:Fallback xmlns="">
           <p:sp>
             <p:nvSpPr>
               <p:cNvPr id="13" name="正方形/長方形 12">
@@ -13137,8 +13169,8 @@
           </p:sp>
         </mc:Fallback>
       </mc:AlternateContent>
-      <mc:AlternateContent xmlns:mc="http://schemas.openxmlformats.org/markup-compatibility/2006">
-        <mc:Choice xmlns:a14="http://schemas.microsoft.com/office/drawing/2010/main" Requires="a14">
+      <mc:AlternateContent xmlns:mc="http://schemas.openxmlformats.org/markup-compatibility/2006" xmlns:a14="http://schemas.microsoft.com/office/drawing/2010/main">
+        <mc:Choice Requires="a14">
           <p:sp>
             <p:nvSpPr>
               <p:cNvPr id="14" name="正方形/長方形 13">
@@ -13243,7 +13275,7 @@
             </p:txBody>
           </p:sp>
         </mc:Choice>
-        <mc:Fallback>
+        <mc:Fallback xmlns="">
           <p:sp>
             <p:nvSpPr>
               <p:cNvPr id="14" name="正方形/長方形 13">
@@ -13293,8 +13325,8 @@
           </p:sp>
         </mc:Fallback>
       </mc:AlternateContent>
-      <mc:AlternateContent xmlns:mc="http://schemas.openxmlformats.org/markup-compatibility/2006">
-        <mc:Choice xmlns:a14="http://schemas.microsoft.com/office/drawing/2010/main" Requires="a14">
+      <mc:AlternateContent xmlns:mc="http://schemas.openxmlformats.org/markup-compatibility/2006" xmlns:a14="http://schemas.microsoft.com/office/drawing/2010/main">
+        <mc:Choice Requires="a14">
           <p:sp>
             <p:nvSpPr>
               <p:cNvPr id="15" name="正方形/長方形 14">
@@ -13370,7 +13402,7 @@
             </p:txBody>
           </p:sp>
         </mc:Choice>
-        <mc:Fallback>
+        <mc:Fallback xmlns="">
           <p:sp>
             <p:nvSpPr>
               <p:cNvPr id="15" name="正方形/長方形 14">
@@ -13420,8 +13452,8 @@
           </p:sp>
         </mc:Fallback>
       </mc:AlternateContent>
-      <mc:AlternateContent xmlns:mc="http://schemas.openxmlformats.org/markup-compatibility/2006">
-        <mc:Choice xmlns:a14="http://schemas.microsoft.com/office/drawing/2010/main" Requires="a14">
+      <mc:AlternateContent xmlns:mc="http://schemas.openxmlformats.org/markup-compatibility/2006" xmlns:a14="http://schemas.microsoft.com/office/drawing/2010/main">
+        <mc:Choice Requires="a14">
           <p:sp>
             <p:nvSpPr>
               <p:cNvPr id="16" name="正方形/長方形 15">
@@ -13497,7 +13529,7 @@
             </p:txBody>
           </p:sp>
         </mc:Choice>
-        <mc:Fallback>
+        <mc:Fallback xmlns="">
           <p:sp>
             <p:nvSpPr>
               <p:cNvPr id="16" name="正方形/長方形 15">
@@ -13547,8 +13579,8 @@
           </p:sp>
         </mc:Fallback>
       </mc:AlternateContent>
-      <mc:AlternateContent xmlns:mc="http://schemas.openxmlformats.org/markup-compatibility/2006">
-        <mc:Choice xmlns:a14="http://schemas.microsoft.com/office/drawing/2010/main" Requires="a14">
+      <mc:AlternateContent xmlns:mc="http://schemas.openxmlformats.org/markup-compatibility/2006" xmlns:a14="http://schemas.microsoft.com/office/drawing/2010/main">
+        <mc:Choice Requires="a14">
           <p:sp>
             <p:nvSpPr>
               <p:cNvPr id="19" name="正方形/長方形 18">
@@ -13653,7 +13685,7 @@
             </p:txBody>
           </p:sp>
         </mc:Choice>
-        <mc:Fallback>
+        <mc:Fallback xmlns="">
           <p:sp>
             <p:nvSpPr>
               <p:cNvPr id="19" name="正方形/長方形 18">
@@ -13703,8 +13735,8 @@
           </p:sp>
         </mc:Fallback>
       </mc:AlternateContent>
-      <mc:AlternateContent xmlns:mc="http://schemas.openxmlformats.org/markup-compatibility/2006">
-        <mc:Choice xmlns:a14="http://schemas.microsoft.com/office/drawing/2010/main" Requires="a14">
+      <mc:AlternateContent xmlns:mc="http://schemas.openxmlformats.org/markup-compatibility/2006" xmlns:a14="http://schemas.microsoft.com/office/drawing/2010/main">
+        <mc:Choice Requires="a14">
           <p:sp>
             <p:nvSpPr>
               <p:cNvPr id="20" name="正方形/長方形 19">
@@ -13809,7 +13841,7 @@
             </p:txBody>
           </p:sp>
         </mc:Choice>
-        <mc:Fallback>
+        <mc:Fallback xmlns="">
           <p:sp>
             <p:nvSpPr>
               <p:cNvPr id="20" name="正方形/長方形 19">
@@ -13859,8 +13891,8 @@
           </p:sp>
         </mc:Fallback>
       </mc:AlternateContent>
-      <mc:AlternateContent xmlns:mc="http://schemas.openxmlformats.org/markup-compatibility/2006">
-        <mc:Choice xmlns:a14="http://schemas.microsoft.com/office/drawing/2010/main" Requires="a14">
+      <mc:AlternateContent xmlns:mc="http://schemas.openxmlformats.org/markup-compatibility/2006" xmlns:a14="http://schemas.microsoft.com/office/drawing/2010/main">
+        <mc:Choice Requires="a14">
           <p:sp>
             <p:nvSpPr>
               <p:cNvPr id="21" name="正方形/長方形 20">
@@ -13936,7 +13968,7 @@
             </p:txBody>
           </p:sp>
         </mc:Choice>
-        <mc:Fallback>
+        <mc:Fallback xmlns="">
           <p:sp>
             <p:nvSpPr>
               <p:cNvPr id="21" name="正方形/長方形 20">
@@ -13986,8 +14018,8 @@
           </p:sp>
         </mc:Fallback>
       </mc:AlternateContent>
-      <mc:AlternateContent xmlns:mc="http://schemas.openxmlformats.org/markup-compatibility/2006">
-        <mc:Choice xmlns:a14="http://schemas.microsoft.com/office/drawing/2010/main" Requires="a14">
+      <mc:AlternateContent xmlns:mc="http://schemas.openxmlformats.org/markup-compatibility/2006" xmlns:a14="http://schemas.microsoft.com/office/drawing/2010/main">
+        <mc:Choice Requires="a14">
           <p:sp>
             <p:nvSpPr>
               <p:cNvPr id="22" name="正方形/長方形 21">
@@ -14063,7 +14095,7 @@
             </p:txBody>
           </p:sp>
         </mc:Choice>
-        <mc:Fallback>
+        <mc:Fallback xmlns="">
           <p:sp>
             <p:nvSpPr>
               <p:cNvPr id="22" name="正方形/長方形 21">
@@ -14113,8 +14145,8 @@
           </p:sp>
         </mc:Fallback>
       </mc:AlternateContent>
-      <mc:AlternateContent xmlns:mc="http://schemas.openxmlformats.org/markup-compatibility/2006">
-        <mc:Choice xmlns:a14="http://schemas.microsoft.com/office/drawing/2010/main" Requires="a14">
+      <mc:AlternateContent xmlns:mc="http://schemas.openxmlformats.org/markup-compatibility/2006" xmlns:a14="http://schemas.microsoft.com/office/drawing/2010/main">
+        <mc:Choice Requires="a14">
           <p:sp>
             <p:nvSpPr>
               <p:cNvPr id="23" name="正方形/長方形 22">
@@ -14190,7 +14222,7 @@
             </p:txBody>
           </p:sp>
         </mc:Choice>
-        <mc:Fallback>
+        <mc:Fallback xmlns="">
           <p:sp>
             <p:nvSpPr>
               <p:cNvPr id="23" name="正方形/長方形 22">
@@ -14240,8 +14272,8 @@
           </p:sp>
         </mc:Fallback>
       </mc:AlternateContent>
-      <mc:AlternateContent xmlns:mc="http://schemas.openxmlformats.org/markup-compatibility/2006">
-        <mc:Choice xmlns:a14="http://schemas.microsoft.com/office/drawing/2010/main" Requires="a14">
+      <mc:AlternateContent xmlns:mc="http://schemas.openxmlformats.org/markup-compatibility/2006" xmlns:a14="http://schemas.microsoft.com/office/drawing/2010/main">
+        <mc:Choice Requires="a14">
           <p:sp>
             <p:nvSpPr>
               <p:cNvPr id="24" name="正方形/長方形 23">
@@ -14317,7 +14349,7 @@
             </p:txBody>
           </p:sp>
         </mc:Choice>
-        <mc:Fallback>
+        <mc:Fallback xmlns="">
           <p:sp>
             <p:nvSpPr>
               <p:cNvPr id="24" name="正方形/長方形 23">
@@ -14614,8 +14646,8 @@
           </a:fontRef>
         </p:style>
       </p:cxnSp>
-      <mc:AlternateContent xmlns:mc="http://schemas.openxmlformats.org/markup-compatibility/2006">
-        <mc:Choice xmlns:a14="http://schemas.microsoft.com/office/drawing/2010/main" Requires="a14">
+      <mc:AlternateContent xmlns:mc="http://schemas.openxmlformats.org/markup-compatibility/2006" xmlns:a14="http://schemas.microsoft.com/office/drawing/2010/main">
+        <mc:Choice Requires="a14">
           <p:sp>
             <p:nvSpPr>
               <p:cNvPr id="37" name="正方形/長方形 36">
@@ -14691,7 +14723,7 @@
             </p:txBody>
           </p:sp>
         </mc:Choice>
-        <mc:Fallback>
+        <mc:Fallback xmlns="">
           <p:sp>
             <p:nvSpPr>
               <p:cNvPr id="37" name="正方形/長方形 36">
@@ -14741,8 +14773,8 @@
           </p:sp>
         </mc:Fallback>
       </mc:AlternateContent>
-      <mc:AlternateContent xmlns:mc="http://schemas.openxmlformats.org/markup-compatibility/2006">
-        <mc:Choice xmlns:a14="http://schemas.microsoft.com/office/drawing/2010/main" Requires="a14">
+      <mc:AlternateContent xmlns:mc="http://schemas.openxmlformats.org/markup-compatibility/2006" xmlns:a14="http://schemas.microsoft.com/office/drawing/2010/main">
+        <mc:Choice Requires="a14">
           <p:sp>
             <p:nvSpPr>
               <p:cNvPr id="38" name="正方形/長方形 37">
@@ -14818,7 +14850,7 @@
             </p:txBody>
           </p:sp>
         </mc:Choice>
-        <mc:Fallback>
+        <mc:Fallback xmlns="">
           <p:sp>
             <p:nvSpPr>
               <p:cNvPr id="38" name="正方形/長方形 37">
@@ -14868,8 +14900,8 @@
           </p:sp>
         </mc:Fallback>
       </mc:AlternateContent>
-      <mc:AlternateContent xmlns:mc="http://schemas.openxmlformats.org/markup-compatibility/2006">
-        <mc:Choice xmlns:a14="http://schemas.microsoft.com/office/drawing/2010/main" Requires="a14">
+      <mc:AlternateContent xmlns:mc="http://schemas.openxmlformats.org/markup-compatibility/2006" xmlns:a14="http://schemas.microsoft.com/office/drawing/2010/main">
+        <mc:Choice Requires="a14">
           <p:sp>
             <p:nvSpPr>
               <p:cNvPr id="39" name="正方形/長方形 38">
@@ -14974,7 +15006,7 @@
             </p:txBody>
           </p:sp>
         </mc:Choice>
-        <mc:Fallback>
+        <mc:Fallback xmlns="">
           <p:sp>
             <p:nvSpPr>
               <p:cNvPr id="39" name="正方形/長方形 38">
@@ -15024,8 +15056,8 @@
           </p:sp>
         </mc:Fallback>
       </mc:AlternateContent>
-      <mc:AlternateContent xmlns:mc="http://schemas.openxmlformats.org/markup-compatibility/2006">
-        <mc:Choice xmlns:a14="http://schemas.microsoft.com/office/drawing/2010/main" Requires="a14">
+      <mc:AlternateContent xmlns:mc="http://schemas.openxmlformats.org/markup-compatibility/2006" xmlns:a14="http://schemas.microsoft.com/office/drawing/2010/main">
+        <mc:Choice Requires="a14">
           <p:sp>
             <p:nvSpPr>
               <p:cNvPr id="40" name="正方形/長方形 39">
@@ -15130,7 +15162,7 @@
             </p:txBody>
           </p:sp>
         </mc:Choice>
-        <mc:Fallback>
+        <mc:Fallback xmlns="">
           <p:sp>
             <p:nvSpPr>
               <p:cNvPr id="40" name="正方形/長方形 39">
@@ -15180,8 +15212,8 @@
           </p:sp>
         </mc:Fallback>
       </mc:AlternateContent>
-      <mc:AlternateContent xmlns:mc="http://schemas.openxmlformats.org/markup-compatibility/2006">
-        <mc:Choice xmlns:a14="http://schemas.microsoft.com/office/drawing/2010/main" Requires="a14">
+      <mc:AlternateContent xmlns:mc="http://schemas.openxmlformats.org/markup-compatibility/2006" xmlns:a14="http://schemas.microsoft.com/office/drawing/2010/main">
+        <mc:Choice Requires="a14">
           <p:sp>
             <p:nvSpPr>
               <p:cNvPr id="41" name="正方形/長方形 40">
@@ -15257,7 +15289,7 @@
             </p:txBody>
           </p:sp>
         </mc:Choice>
-        <mc:Fallback>
+        <mc:Fallback xmlns="">
           <p:sp>
             <p:nvSpPr>
               <p:cNvPr id="41" name="正方形/長方形 40">
@@ -15307,8 +15339,8 @@
           </p:sp>
         </mc:Fallback>
       </mc:AlternateContent>
-      <mc:AlternateContent xmlns:mc="http://schemas.openxmlformats.org/markup-compatibility/2006">
-        <mc:Choice xmlns:a14="http://schemas.microsoft.com/office/drawing/2010/main" Requires="a14">
+      <mc:AlternateContent xmlns:mc="http://schemas.openxmlformats.org/markup-compatibility/2006" xmlns:a14="http://schemas.microsoft.com/office/drawing/2010/main">
+        <mc:Choice Requires="a14">
           <p:sp>
             <p:nvSpPr>
               <p:cNvPr id="42" name="正方形/長方形 41">
@@ -15384,7 +15416,7 @@
             </p:txBody>
           </p:sp>
         </mc:Choice>
-        <mc:Fallback>
+        <mc:Fallback xmlns="">
           <p:sp>
             <p:nvSpPr>
               <p:cNvPr id="42" name="正方形/長方形 41">
@@ -15434,8 +15466,8 @@
           </p:sp>
         </mc:Fallback>
       </mc:AlternateContent>
-      <mc:AlternateContent xmlns:mc="http://schemas.openxmlformats.org/markup-compatibility/2006">
-        <mc:Choice xmlns:a14="http://schemas.microsoft.com/office/drawing/2010/main" Requires="a14">
+      <mc:AlternateContent xmlns:mc="http://schemas.openxmlformats.org/markup-compatibility/2006" xmlns:a14="http://schemas.microsoft.com/office/drawing/2010/main">
+        <mc:Choice Requires="a14">
           <p:sp>
             <p:nvSpPr>
               <p:cNvPr id="45" name="正方形/長方形 44">
@@ -15540,7 +15572,7 @@
             </p:txBody>
           </p:sp>
         </mc:Choice>
-        <mc:Fallback>
+        <mc:Fallback xmlns="">
           <p:sp>
             <p:nvSpPr>
               <p:cNvPr id="45" name="正方形/長方形 44">
@@ -15590,8 +15622,8 @@
           </p:sp>
         </mc:Fallback>
       </mc:AlternateContent>
-      <mc:AlternateContent xmlns:mc="http://schemas.openxmlformats.org/markup-compatibility/2006">
-        <mc:Choice xmlns:a14="http://schemas.microsoft.com/office/drawing/2010/main" Requires="a14">
+      <mc:AlternateContent xmlns:mc="http://schemas.openxmlformats.org/markup-compatibility/2006" xmlns:a14="http://schemas.microsoft.com/office/drawing/2010/main">
+        <mc:Choice Requires="a14">
           <p:sp>
             <p:nvSpPr>
               <p:cNvPr id="46" name="正方形/長方形 45">
@@ -15696,7 +15728,7 @@
             </p:txBody>
           </p:sp>
         </mc:Choice>
-        <mc:Fallback>
+        <mc:Fallback xmlns="">
           <p:sp>
             <p:nvSpPr>
               <p:cNvPr id="46" name="正方形/長方形 45">
@@ -15746,8 +15778,8 @@
           </p:sp>
         </mc:Fallback>
       </mc:AlternateContent>
-      <mc:AlternateContent xmlns:mc="http://schemas.openxmlformats.org/markup-compatibility/2006">
-        <mc:Choice xmlns:a14="http://schemas.microsoft.com/office/drawing/2010/main" Requires="a14">
+      <mc:AlternateContent xmlns:mc="http://schemas.openxmlformats.org/markup-compatibility/2006" xmlns:a14="http://schemas.microsoft.com/office/drawing/2010/main">
+        <mc:Choice Requires="a14">
           <p:sp>
             <p:nvSpPr>
               <p:cNvPr id="47" name="正方形/長方形 46">
@@ -15823,7 +15855,7 @@
             </p:txBody>
           </p:sp>
         </mc:Choice>
-        <mc:Fallback>
+        <mc:Fallback xmlns="">
           <p:sp>
             <p:nvSpPr>
               <p:cNvPr id="47" name="正方形/長方形 46">
@@ -15873,8 +15905,8 @@
           </p:sp>
         </mc:Fallback>
       </mc:AlternateContent>
-      <mc:AlternateContent xmlns:mc="http://schemas.openxmlformats.org/markup-compatibility/2006">
-        <mc:Choice xmlns:a14="http://schemas.microsoft.com/office/drawing/2010/main" Requires="a14">
+      <mc:AlternateContent xmlns:mc="http://schemas.openxmlformats.org/markup-compatibility/2006" xmlns:a14="http://schemas.microsoft.com/office/drawing/2010/main">
+        <mc:Choice Requires="a14">
           <p:sp>
             <p:nvSpPr>
               <p:cNvPr id="48" name="正方形/長方形 47">
@@ -15950,7 +15982,7 @@
             </p:txBody>
           </p:sp>
         </mc:Choice>
-        <mc:Fallback>
+        <mc:Fallback xmlns="">
           <p:sp>
             <p:nvSpPr>
               <p:cNvPr id="48" name="正方形/長方形 47">
@@ -16000,8 +16032,8 @@
           </p:sp>
         </mc:Fallback>
       </mc:AlternateContent>
-      <mc:AlternateContent xmlns:mc="http://schemas.openxmlformats.org/markup-compatibility/2006">
-        <mc:Choice xmlns:a14="http://schemas.microsoft.com/office/drawing/2010/main" Requires="a14">
+      <mc:AlternateContent xmlns:mc="http://schemas.openxmlformats.org/markup-compatibility/2006" xmlns:a14="http://schemas.microsoft.com/office/drawing/2010/main">
+        <mc:Choice Requires="a14">
           <p:sp>
             <p:nvSpPr>
               <p:cNvPr id="49" name="正方形/長方形 48">
@@ -16077,7 +16109,7 @@
             </p:txBody>
           </p:sp>
         </mc:Choice>
-        <mc:Fallback>
+        <mc:Fallback xmlns="">
           <p:sp>
             <p:nvSpPr>
               <p:cNvPr id="49" name="正方形/長方形 48">
@@ -16127,8 +16159,8 @@
           </p:sp>
         </mc:Fallback>
       </mc:AlternateContent>
-      <mc:AlternateContent xmlns:mc="http://schemas.openxmlformats.org/markup-compatibility/2006">
-        <mc:Choice xmlns:a14="http://schemas.microsoft.com/office/drawing/2010/main" Requires="a14">
+      <mc:AlternateContent xmlns:mc="http://schemas.openxmlformats.org/markup-compatibility/2006" xmlns:a14="http://schemas.microsoft.com/office/drawing/2010/main">
+        <mc:Choice Requires="a14">
           <p:sp>
             <p:nvSpPr>
               <p:cNvPr id="50" name="正方形/長方形 49">
@@ -16204,7 +16236,7 @@
             </p:txBody>
           </p:sp>
         </mc:Choice>
-        <mc:Fallback>
+        <mc:Fallback xmlns="">
           <p:sp>
             <p:nvSpPr>
               <p:cNvPr id="50" name="正方形/長方形 49">
@@ -16295,8 +16327,8 @@
           </a:fontRef>
         </p:style>
       </p:cxnSp>
-      <mc:AlternateContent xmlns:mc="http://schemas.openxmlformats.org/markup-compatibility/2006">
-        <mc:Choice xmlns:a14="http://schemas.microsoft.com/office/drawing/2010/main" Requires="a14">
+      <mc:AlternateContent xmlns:mc="http://schemas.openxmlformats.org/markup-compatibility/2006" xmlns:a14="http://schemas.microsoft.com/office/drawing/2010/main">
+        <mc:Choice Requires="a14">
           <p:sp>
             <p:nvSpPr>
               <p:cNvPr id="36" name="正方形/長方形 35">
@@ -16399,7 +16431,7 @@
             </p:txBody>
           </p:sp>
         </mc:Choice>
-        <mc:Fallback>
+        <mc:Fallback xmlns="">
           <p:sp>
             <p:nvSpPr>
               <p:cNvPr id="36" name="正方形/長方形 35">
@@ -16449,8 +16481,8 @@
           </p:sp>
         </mc:Fallback>
       </mc:AlternateContent>
-      <mc:AlternateContent xmlns:mc="http://schemas.openxmlformats.org/markup-compatibility/2006">
-        <mc:Choice xmlns:a14="http://schemas.microsoft.com/office/drawing/2010/main" Requires="a14">
+      <mc:AlternateContent xmlns:mc="http://schemas.openxmlformats.org/markup-compatibility/2006" xmlns:a14="http://schemas.microsoft.com/office/drawing/2010/main">
+        <mc:Choice Requires="a14">
           <p:sp>
             <p:nvSpPr>
               <p:cNvPr id="43" name="正方形/長方形 42">
@@ -16553,7 +16585,7 @@
             </p:txBody>
           </p:sp>
         </mc:Choice>
-        <mc:Fallback>
+        <mc:Fallback xmlns="">
           <p:sp>
             <p:nvSpPr>
               <p:cNvPr id="43" name="正方形/長方形 42">
@@ -16603,8 +16635,8 @@
           </p:sp>
         </mc:Fallback>
       </mc:AlternateContent>
-      <mc:AlternateContent xmlns:mc="http://schemas.openxmlformats.org/markup-compatibility/2006">
-        <mc:Choice xmlns:a14="http://schemas.microsoft.com/office/drawing/2010/main" Requires="a14">
+      <mc:AlternateContent xmlns:mc="http://schemas.openxmlformats.org/markup-compatibility/2006" xmlns:a14="http://schemas.microsoft.com/office/drawing/2010/main">
+        <mc:Choice Requires="a14">
           <p:sp>
             <p:nvSpPr>
               <p:cNvPr id="17" name="正方形/長方形 16">
@@ -16707,7 +16739,7 @@
             </p:txBody>
           </p:sp>
         </mc:Choice>
-        <mc:Fallback>
+        <mc:Fallback xmlns="">
           <p:sp>
             <p:nvSpPr>
               <p:cNvPr id="17" name="正方形/長方形 16">
@@ -16757,8 +16789,8 @@
           </p:sp>
         </mc:Fallback>
       </mc:AlternateContent>
-      <mc:AlternateContent xmlns:mc="http://schemas.openxmlformats.org/markup-compatibility/2006">
-        <mc:Choice xmlns:a14="http://schemas.microsoft.com/office/drawing/2010/main" Requires="a14">
+      <mc:AlternateContent xmlns:mc="http://schemas.openxmlformats.org/markup-compatibility/2006" xmlns:a14="http://schemas.microsoft.com/office/drawing/2010/main">
+        <mc:Choice Requires="a14">
           <p:sp>
             <p:nvSpPr>
               <p:cNvPr id="10" name="正方形/長方形 9">
@@ -16861,7 +16893,7 @@
             </p:txBody>
           </p:sp>
         </mc:Choice>
-        <mc:Fallback>
+        <mc:Fallback xmlns="">
           <p:sp>
             <p:nvSpPr>
               <p:cNvPr id="10" name="正方形/長方形 9">
@@ -17065,8 +17097,8 @@
           </a:fontRef>
         </p:style>
       </p:cxnSp>
-      <mc:AlternateContent xmlns:mc="http://schemas.openxmlformats.org/markup-compatibility/2006">
-        <mc:Choice xmlns:a14="http://schemas.microsoft.com/office/drawing/2010/main" Requires="a14">
+      <mc:AlternateContent xmlns:mc="http://schemas.openxmlformats.org/markup-compatibility/2006" xmlns:a14="http://schemas.microsoft.com/office/drawing/2010/main">
+        <mc:Choice Requires="a14">
           <p:sp>
             <p:nvSpPr>
               <p:cNvPr id="10" name="正方形/長方形 9">
@@ -17142,7 +17174,7 @@
             </p:txBody>
           </p:sp>
         </mc:Choice>
-        <mc:Fallback>
+        <mc:Fallback xmlns="">
           <p:sp>
             <p:nvSpPr>
               <p:cNvPr id="10" name="正方形/長方形 9">
@@ -17192,8 +17224,8 @@
           </p:sp>
         </mc:Fallback>
       </mc:AlternateContent>
-      <mc:AlternateContent xmlns:mc="http://schemas.openxmlformats.org/markup-compatibility/2006">
-        <mc:Choice xmlns:a14="http://schemas.microsoft.com/office/drawing/2010/main" Requires="a14">
+      <mc:AlternateContent xmlns:mc="http://schemas.openxmlformats.org/markup-compatibility/2006" xmlns:a14="http://schemas.microsoft.com/office/drawing/2010/main">
+        <mc:Choice Requires="a14">
           <p:sp>
             <p:nvSpPr>
               <p:cNvPr id="11" name="正方形/長方形 10">
@@ -17269,7 +17301,7 @@
             </p:txBody>
           </p:sp>
         </mc:Choice>
-        <mc:Fallback>
+        <mc:Fallback xmlns="">
           <p:sp>
             <p:nvSpPr>
               <p:cNvPr id="11" name="正方形/長方形 10">
@@ -17319,8 +17351,8 @@
           </p:sp>
         </mc:Fallback>
       </mc:AlternateContent>
-      <mc:AlternateContent xmlns:mc="http://schemas.openxmlformats.org/markup-compatibility/2006">
-        <mc:Choice xmlns:a14="http://schemas.microsoft.com/office/drawing/2010/main" Requires="a14">
+      <mc:AlternateContent xmlns:mc="http://schemas.openxmlformats.org/markup-compatibility/2006" xmlns:a14="http://schemas.microsoft.com/office/drawing/2010/main">
+        <mc:Choice Requires="a14">
           <p:sp>
             <p:nvSpPr>
               <p:cNvPr id="12" name="正方形/長方形 11">
@@ -17425,7 +17457,7 @@
             </p:txBody>
           </p:sp>
         </mc:Choice>
-        <mc:Fallback>
+        <mc:Fallback xmlns="">
           <p:sp>
             <p:nvSpPr>
               <p:cNvPr id="12" name="正方形/長方形 11">
@@ -17475,8 +17507,8 @@
           </p:sp>
         </mc:Fallback>
       </mc:AlternateContent>
-      <mc:AlternateContent xmlns:mc="http://schemas.openxmlformats.org/markup-compatibility/2006">
-        <mc:Choice xmlns:a14="http://schemas.microsoft.com/office/drawing/2010/main" Requires="a14">
+      <mc:AlternateContent xmlns:mc="http://schemas.openxmlformats.org/markup-compatibility/2006" xmlns:a14="http://schemas.microsoft.com/office/drawing/2010/main">
+        <mc:Choice Requires="a14">
           <p:sp>
             <p:nvSpPr>
               <p:cNvPr id="13" name="正方形/長方形 12">
@@ -17581,7 +17613,7 @@
             </p:txBody>
           </p:sp>
         </mc:Choice>
-        <mc:Fallback>
+        <mc:Fallback xmlns="">
           <p:sp>
             <p:nvSpPr>
               <p:cNvPr id="13" name="正方形/長方形 12">
@@ -17631,8 +17663,8 @@
           </p:sp>
         </mc:Fallback>
       </mc:AlternateContent>
-      <mc:AlternateContent xmlns:mc="http://schemas.openxmlformats.org/markup-compatibility/2006">
-        <mc:Choice xmlns:a14="http://schemas.microsoft.com/office/drawing/2010/main" Requires="a14">
+      <mc:AlternateContent xmlns:mc="http://schemas.openxmlformats.org/markup-compatibility/2006" xmlns:a14="http://schemas.microsoft.com/office/drawing/2010/main">
+        <mc:Choice Requires="a14">
           <p:sp>
             <p:nvSpPr>
               <p:cNvPr id="14" name="正方形/長方形 13">
@@ -17708,7 +17740,7 @@
             </p:txBody>
           </p:sp>
         </mc:Choice>
-        <mc:Fallback>
+        <mc:Fallback xmlns="">
           <p:sp>
             <p:nvSpPr>
               <p:cNvPr id="14" name="正方形/長方形 13">
@@ -17758,8 +17790,8 @@
           </p:sp>
         </mc:Fallback>
       </mc:AlternateContent>
-      <mc:AlternateContent xmlns:mc="http://schemas.openxmlformats.org/markup-compatibility/2006">
-        <mc:Choice xmlns:a14="http://schemas.microsoft.com/office/drawing/2010/main" Requires="a14">
+      <mc:AlternateContent xmlns:mc="http://schemas.openxmlformats.org/markup-compatibility/2006" xmlns:a14="http://schemas.microsoft.com/office/drawing/2010/main">
+        <mc:Choice Requires="a14">
           <p:sp>
             <p:nvSpPr>
               <p:cNvPr id="15" name="正方形/長方形 14">
@@ -17835,7 +17867,7 @@
             </p:txBody>
           </p:sp>
         </mc:Choice>
-        <mc:Fallback>
+        <mc:Fallback xmlns="">
           <p:sp>
             <p:nvSpPr>
               <p:cNvPr id="15" name="正方形/長方形 14">
@@ -17885,8 +17917,8 @@
           </p:sp>
         </mc:Fallback>
       </mc:AlternateContent>
-      <mc:AlternateContent xmlns:mc="http://schemas.openxmlformats.org/markup-compatibility/2006">
-        <mc:Choice xmlns:a14="http://schemas.microsoft.com/office/drawing/2010/main" Requires="a14">
+      <mc:AlternateContent xmlns:mc="http://schemas.openxmlformats.org/markup-compatibility/2006" xmlns:a14="http://schemas.microsoft.com/office/drawing/2010/main">
+        <mc:Choice Requires="a14">
           <p:sp>
             <p:nvSpPr>
               <p:cNvPr id="18" name="正方形/長方形 17">
@@ -17991,7 +18023,7 @@
             </p:txBody>
           </p:sp>
         </mc:Choice>
-        <mc:Fallback>
+        <mc:Fallback xmlns="">
           <p:sp>
             <p:nvSpPr>
               <p:cNvPr id="18" name="正方形/長方形 17">
@@ -18041,8 +18073,8 @@
           </p:sp>
         </mc:Fallback>
       </mc:AlternateContent>
-      <mc:AlternateContent xmlns:mc="http://schemas.openxmlformats.org/markup-compatibility/2006">
-        <mc:Choice xmlns:a14="http://schemas.microsoft.com/office/drawing/2010/main" Requires="a14">
+      <mc:AlternateContent xmlns:mc="http://schemas.openxmlformats.org/markup-compatibility/2006" xmlns:a14="http://schemas.microsoft.com/office/drawing/2010/main">
+        <mc:Choice Requires="a14">
           <p:sp>
             <p:nvSpPr>
               <p:cNvPr id="19" name="正方形/長方形 18">
@@ -18147,7 +18179,7 @@
             </p:txBody>
           </p:sp>
         </mc:Choice>
-        <mc:Fallback>
+        <mc:Fallback xmlns="">
           <p:sp>
             <p:nvSpPr>
               <p:cNvPr id="19" name="正方形/長方形 18">
@@ -18197,8 +18229,8 @@
           </p:sp>
         </mc:Fallback>
       </mc:AlternateContent>
-      <mc:AlternateContent xmlns:mc="http://schemas.openxmlformats.org/markup-compatibility/2006">
-        <mc:Choice xmlns:a14="http://schemas.microsoft.com/office/drawing/2010/main" Requires="a14">
+      <mc:AlternateContent xmlns:mc="http://schemas.openxmlformats.org/markup-compatibility/2006" xmlns:a14="http://schemas.microsoft.com/office/drawing/2010/main">
+        <mc:Choice Requires="a14">
           <p:sp>
             <p:nvSpPr>
               <p:cNvPr id="20" name="正方形/長方形 19">
@@ -18274,7 +18306,7 @@
             </p:txBody>
           </p:sp>
         </mc:Choice>
-        <mc:Fallback>
+        <mc:Fallback xmlns="">
           <p:sp>
             <p:nvSpPr>
               <p:cNvPr id="20" name="正方形/長方形 19">
@@ -18324,8 +18356,8 @@
           </p:sp>
         </mc:Fallback>
       </mc:AlternateContent>
-      <mc:AlternateContent xmlns:mc="http://schemas.openxmlformats.org/markup-compatibility/2006">
-        <mc:Choice xmlns:a14="http://schemas.microsoft.com/office/drawing/2010/main" Requires="a14">
+      <mc:AlternateContent xmlns:mc="http://schemas.openxmlformats.org/markup-compatibility/2006" xmlns:a14="http://schemas.microsoft.com/office/drawing/2010/main">
+        <mc:Choice Requires="a14">
           <p:sp>
             <p:nvSpPr>
               <p:cNvPr id="21" name="正方形/長方形 20">
@@ -18401,7 +18433,7 @@
             </p:txBody>
           </p:sp>
         </mc:Choice>
-        <mc:Fallback>
+        <mc:Fallback xmlns="">
           <p:sp>
             <p:nvSpPr>
               <p:cNvPr id="21" name="正方形/長方形 20">
@@ -18451,8 +18483,8 @@
           </p:sp>
         </mc:Fallback>
       </mc:AlternateContent>
-      <mc:AlternateContent xmlns:mc="http://schemas.openxmlformats.org/markup-compatibility/2006">
-        <mc:Choice xmlns:a14="http://schemas.microsoft.com/office/drawing/2010/main" Requires="a14">
+      <mc:AlternateContent xmlns:mc="http://schemas.openxmlformats.org/markup-compatibility/2006" xmlns:a14="http://schemas.microsoft.com/office/drawing/2010/main">
+        <mc:Choice Requires="a14">
           <p:sp>
             <p:nvSpPr>
               <p:cNvPr id="22" name="正方形/長方形 21">
@@ -18528,7 +18560,7 @@
             </p:txBody>
           </p:sp>
         </mc:Choice>
-        <mc:Fallback>
+        <mc:Fallback xmlns="">
           <p:sp>
             <p:nvSpPr>
               <p:cNvPr id="22" name="正方形/長方形 21">
@@ -18578,8 +18610,8 @@
           </p:sp>
         </mc:Fallback>
       </mc:AlternateContent>
-      <mc:AlternateContent xmlns:mc="http://schemas.openxmlformats.org/markup-compatibility/2006">
-        <mc:Choice xmlns:a14="http://schemas.microsoft.com/office/drawing/2010/main" Requires="a14">
+      <mc:AlternateContent xmlns:mc="http://schemas.openxmlformats.org/markup-compatibility/2006" xmlns:a14="http://schemas.microsoft.com/office/drawing/2010/main">
+        <mc:Choice Requires="a14">
           <p:sp>
             <p:nvSpPr>
               <p:cNvPr id="23" name="正方形/長方形 22">
@@ -18655,7 +18687,7 @@
             </p:txBody>
           </p:sp>
         </mc:Choice>
-        <mc:Fallback>
+        <mc:Fallback xmlns="">
           <p:sp>
             <p:nvSpPr>
               <p:cNvPr id="23" name="正方形/長方形 22">
@@ -18910,8 +18942,8 @@
           </a:fontRef>
         </p:style>
       </p:cxnSp>
-      <mc:AlternateContent xmlns:mc="http://schemas.openxmlformats.org/markup-compatibility/2006">
-        <mc:Choice xmlns:a14="http://schemas.microsoft.com/office/drawing/2010/main" Requires="a14">
+      <mc:AlternateContent xmlns:mc="http://schemas.openxmlformats.org/markup-compatibility/2006" xmlns:a14="http://schemas.microsoft.com/office/drawing/2010/main">
+        <mc:Choice Requires="a14">
           <p:sp>
             <p:nvSpPr>
               <p:cNvPr id="37" name="正方形/長方形 36">
@@ -18987,7 +19019,7 @@
             </p:txBody>
           </p:sp>
         </mc:Choice>
-        <mc:Fallback>
+        <mc:Fallback xmlns="">
           <p:sp>
             <p:nvSpPr>
               <p:cNvPr id="37" name="正方形/長方形 36">
@@ -19037,8 +19069,8 @@
           </p:sp>
         </mc:Fallback>
       </mc:AlternateContent>
-      <mc:AlternateContent xmlns:mc="http://schemas.openxmlformats.org/markup-compatibility/2006">
-        <mc:Choice xmlns:a14="http://schemas.microsoft.com/office/drawing/2010/main" Requires="a14">
+      <mc:AlternateContent xmlns:mc="http://schemas.openxmlformats.org/markup-compatibility/2006" xmlns:a14="http://schemas.microsoft.com/office/drawing/2010/main">
+        <mc:Choice Requires="a14">
           <p:sp>
             <p:nvSpPr>
               <p:cNvPr id="38" name="正方形/長方形 37">
@@ -19114,7 +19146,7 @@
             </p:txBody>
           </p:sp>
         </mc:Choice>
-        <mc:Fallback>
+        <mc:Fallback xmlns="">
           <p:sp>
             <p:nvSpPr>
               <p:cNvPr id="38" name="正方形/長方形 37">
@@ -19164,8 +19196,8 @@
           </p:sp>
         </mc:Fallback>
       </mc:AlternateContent>
-      <mc:AlternateContent xmlns:mc="http://schemas.openxmlformats.org/markup-compatibility/2006">
-        <mc:Choice xmlns:a14="http://schemas.microsoft.com/office/drawing/2010/main" Requires="a14">
+      <mc:AlternateContent xmlns:mc="http://schemas.openxmlformats.org/markup-compatibility/2006" xmlns:a14="http://schemas.microsoft.com/office/drawing/2010/main">
+        <mc:Choice Requires="a14">
           <p:sp>
             <p:nvSpPr>
               <p:cNvPr id="39" name="正方形/長方形 38">
@@ -19270,7 +19302,7 @@
             </p:txBody>
           </p:sp>
         </mc:Choice>
-        <mc:Fallback>
+        <mc:Fallback xmlns="">
           <p:sp>
             <p:nvSpPr>
               <p:cNvPr id="39" name="正方形/長方形 38">
@@ -19320,8 +19352,8 @@
           </p:sp>
         </mc:Fallback>
       </mc:AlternateContent>
-      <mc:AlternateContent xmlns:mc="http://schemas.openxmlformats.org/markup-compatibility/2006">
-        <mc:Choice xmlns:a14="http://schemas.microsoft.com/office/drawing/2010/main" Requires="a14">
+      <mc:AlternateContent xmlns:mc="http://schemas.openxmlformats.org/markup-compatibility/2006" xmlns:a14="http://schemas.microsoft.com/office/drawing/2010/main">
+        <mc:Choice Requires="a14">
           <p:sp>
             <p:nvSpPr>
               <p:cNvPr id="40" name="正方形/長方形 39">
@@ -19426,7 +19458,7 @@
             </p:txBody>
           </p:sp>
         </mc:Choice>
-        <mc:Fallback>
+        <mc:Fallback xmlns="">
           <p:sp>
             <p:nvSpPr>
               <p:cNvPr id="40" name="正方形/長方形 39">
@@ -19476,8 +19508,8 @@
           </p:sp>
         </mc:Fallback>
       </mc:AlternateContent>
-      <mc:AlternateContent xmlns:mc="http://schemas.openxmlformats.org/markup-compatibility/2006">
-        <mc:Choice xmlns:a14="http://schemas.microsoft.com/office/drawing/2010/main" Requires="a14">
+      <mc:AlternateContent xmlns:mc="http://schemas.openxmlformats.org/markup-compatibility/2006" xmlns:a14="http://schemas.microsoft.com/office/drawing/2010/main">
+        <mc:Choice Requires="a14">
           <p:sp>
             <p:nvSpPr>
               <p:cNvPr id="41" name="正方形/長方形 40">
@@ -19553,7 +19585,7 @@
             </p:txBody>
           </p:sp>
         </mc:Choice>
-        <mc:Fallback>
+        <mc:Fallback xmlns="">
           <p:sp>
             <p:nvSpPr>
               <p:cNvPr id="41" name="正方形/長方形 40">
@@ -19603,8 +19635,8 @@
           </p:sp>
         </mc:Fallback>
       </mc:AlternateContent>
-      <mc:AlternateContent xmlns:mc="http://schemas.openxmlformats.org/markup-compatibility/2006">
-        <mc:Choice xmlns:a14="http://schemas.microsoft.com/office/drawing/2010/main" Requires="a14">
+      <mc:AlternateContent xmlns:mc="http://schemas.openxmlformats.org/markup-compatibility/2006" xmlns:a14="http://schemas.microsoft.com/office/drawing/2010/main">
+        <mc:Choice Requires="a14">
           <p:sp>
             <p:nvSpPr>
               <p:cNvPr id="42" name="正方形/長方形 41">
@@ -19680,7 +19712,7 @@
             </p:txBody>
           </p:sp>
         </mc:Choice>
-        <mc:Fallback>
+        <mc:Fallback xmlns="">
           <p:sp>
             <p:nvSpPr>
               <p:cNvPr id="42" name="正方形/長方形 41">
@@ -19730,49 +19762,8 @@
           </p:sp>
         </mc:Fallback>
       </mc:AlternateContent>
-      <p:cxnSp>
-        <p:nvCxnSpPr>
-          <p:cNvPr id="44" name="直線コネクタ 43">
-            <a:extLst>
-              <a:ext uri="{FF2B5EF4-FFF2-40B4-BE49-F238E27FC236}">
-                <a16:creationId xmlns:a16="http://schemas.microsoft.com/office/drawing/2014/main" id="{DCB2D31D-EC20-C6E8-C848-3D9672752144}"/>
-              </a:ext>
-            </a:extLst>
-          </p:cNvPr>
-          <p:cNvCxnSpPr>
-            <a:cxnSpLocks/>
-          </p:cNvCxnSpPr>
-          <p:nvPr/>
-        </p:nvCxnSpPr>
-        <p:spPr>
-          <a:xfrm flipV="1">
-            <a:off x="2598450" y="4170678"/>
-            <a:ext cx="7048" cy="880940"/>
-          </a:xfrm>
-          <a:prstGeom prst="line">
-            <a:avLst/>
-          </a:prstGeom>
-          <a:ln w="6350">
-            <a:prstDash val="sysDot"/>
-          </a:ln>
-        </p:spPr>
-        <p:style>
-          <a:lnRef idx="2">
-            <a:schemeClr val="accent1"/>
-          </a:lnRef>
-          <a:fillRef idx="0">
-            <a:schemeClr val="accent1"/>
-          </a:fillRef>
-          <a:effectRef idx="1">
-            <a:schemeClr val="accent1"/>
-          </a:effectRef>
-          <a:fontRef idx="minor">
-            <a:schemeClr val="tx1"/>
-          </a:fontRef>
-        </p:style>
-      </p:cxnSp>
-      <mc:AlternateContent xmlns:mc="http://schemas.openxmlformats.org/markup-compatibility/2006">
-        <mc:Choice xmlns:a14="http://schemas.microsoft.com/office/drawing/2010/main" Requires="a14">
+      <mc:AlternateContent xmlns:mc="http://schemas.openxmlformats.org/markup-compatibility/2006" xmlns:a14="http://schemas.microsoft.com/office/drawing/2010/main">
+        <mc:Choice Requires="a14">
           <p:sp>
             <p:nvSpPr>
               <p:cNvPr id="45" name="正方形/長方形 44">
@@ -19877,7 +19868,7 @@
             </p:txBody>
           </p:sp>
         </mc:Choice>
-        <mc:Fallback>
+        <mc:Fallback xmlns="">
           <p:sp>
             <p:nvSpPr>
               <p:cNvPr id="45" name="正方形/長方形 44">
@@ -19927,8 +19918,8 @@
           </p:sp>
         </mc:Fallback>
       </mc:AlternateContent>
-      <mc:AlternateContent xmlns:mc="http://schemas.openxmlformats.org/markup-compatibility/2006">
-        <mc:Choice xmlns:a14="http://schemas.microsoft.com/office/drawing/2010/main" Requires="a14">
+      <mc:AlternateContent xmlns:mc="http://schemas.openxmlformats.org/markup-compatibility/2006" xmlns:a14="http://schemas.microsoft.com/office/drawing/2010/main">
+        <mc:Choice Requires="a14">
           <p:sp>
             <p:nvSpPr>
               <p:cNvPr id="46" name="正方形/長方形 45">
@@ -20033,7 +20024,7 @@
             </p:txBody>
           </p:sp>
         </mc:Choice>
-        <mc:Fallback>
+        <mc:Fallback xmlns="">
           <p:sp>
             <p:nvSpPr>
               <p:cNvPr id="46" name="正方形/長方形 45">
@@ -20083,8 +20074,8 @@
           </p:sp>
         </mc:Fallback>
       </mc:AlternateContent>
-      <mc:AlternateContent xmlns:mc="http://schemas.openxmlformats.org/markup-compatibility/2006">
-        <mc:Choice xmlns:a14="http://schemas.microsoft.com/office/drawing/2010/main" Requires="a14">
+      <mc:AlternateContent xmlns:mc="http://schemas.openxmlformats.org/markup-compatibility/2006" xmlns:a14="http://schemas.microsoft.com/office/drawing/2010/main">
+        <mc:Choice Requires="a14">
           <p:sp>
             <p:nvSpPr>
               <p:cNvPr id="47" name="正方形/長方形 46">
@@ -20160,7 +20151,7 @@
             </p:txBody>
           </p:sp>
         </mc:Choice>
-        <mc:Fallback>
+        <mc:Fallback xmlns="">
           <p:sp>
             <p:nvSpPr>
               <p:cNvPr id="47" name="正方形/長方形 46">
@@ -20210,8 +20201,8 @@
           </p:sp>
         </mc:Fallback>
       </mc:AlternateContent>
-      <mc:AlternateContent xmlns:mc="http://schemas.openxmlformats.org/markup-compatibility/2006">
-        <mc:Choice xmlns:a14="http://schemas.microsoft.com/office/drawing/2010/main" Requires="a14">
+      <mc:AlternateContent xmlns:mc="http://schemas.openxmlformats.org/markup-compatibility/2006" xmlns:a14="http://schemas.microsoft.com/office/drawing/2010/main">
+        <mc:Choice Requires="a14">
           <p:sp>
             <p:nvSpPr>
               <p:cNvPr id="48" name="正方形/長方形 47">
@@ -20287,7 +20278,7 @@
             </p:txBody>
           </p:sp>
         </mc:Choice>
-        <mc:Fallback>
+        <mc:Fallback xmlns="">
           <p:sp>
             <p:nvSpPr>
               <p:cNvPr id="48" name="正方形/長方形 47">
@@ -20337,8 +20328,8 @@
           </p:sp>
         </mc:Fallback>
       </mc:AlternateContent>
-      <mc:AlternateContent xmlns:mc="http://schemas.openxmlformats.org/markup-compatibility/2006">
-        <mc:Choice xmlns:a14="http://schemas.microsoft.com/office/drawing/2010/main" Requires="a14">
+      <mc:AlternateContent xmlns:mc="http://schemas.openxmlformats.org/markup-compatibility/2006" xmlns:a14="http://schemas.microsoft.com/office/drawing/2010/main">
+        <mc:Choice Requires="a14">
           <p:sp>
             <p:nvSpPr>
               <p:cNvPr id="49" name="正方形/長方形 48">
@@ -20414,7 +20405,7 @@
             </p:txBody>
           </p:sp>
         </mc:Choice>
-        <mc:Fallback>
+        <mc:Fallback xmlns="">
           <p:sp>
             <p:nvSpPr>
               <p:cNvPr id="49" name="正方形/長方形 48">
@@ -20464,8 +20455,8 @@
           </p:sp>
         </mc:Fallback>
       </mc:AlternateContent>
-      <mc:AlternateContent xmlns:mc="http://schemas.openxmlformats.org/markup-compatibility/2006">
-        <mc:Choice xmlns:a14="http://schemas.microsoft.com/office/drawing/2010/main" Requires="a14">
+      <mc:AlternateContent xmlns:mc="http://schemas.openxmlformats.org/markup-compatibility/2006" xmlns:a14="http://schemas.microsoft.com/office/drawing/2010/main">
+        <mc:Choice Requires="a14">
           <p:sp>
             <p:nvSpPr>
               <p:cNvPr id="50" name="正方形/長方形 49">
@@ -20541,7 +20532,7 @@
             </p:txBody>
           </p:sp>
         </mc:Choice>
-        <mc:Fallback>
+        <mc:Fallback xmlns="">
           <p:sp>
             <p:nvSpPr>
               <p:cNvPr id="50" name="正方形/長方形 49">
@@ -20673,8 +20664,8 @@
           </a:fontRef>
         </p:style>
       </p:cxnSp>
-      <mc:AlternateContent xmlns:mc="http://schemas.openxmlformats.org/markup-compatibility/2006">
-        <mc:Choice xmlns:a14="http://schemas.microsoft.com/office/drawing/2010/main" Requires="a14">
+      <mc:AlternateContent xmlns:mc="http://schemas.openxmlformats.org/markup-compatibility/2006" xmlns:a14="http://schemas.microsoft.com/office/drawing/2010/main">
+        <mc:Choice Requires="a14">
           <p:sp>
             <p:nvSpPr>
               <p:cNvPr id="54" name="正方形/長方形 53">
@@ -20755,7 +20746,7 @@
             </p:txBody>
           </p:sp>
         </mc:Choice>
-        <mc:Fallback>
+        <mc:Fallback xmlns="">
           <p:sp>
             <p:nvSpPr>
               <p:cNvPr id="54" name="正方形/長方形 53">
@@ -20805,8 +20796,8 @@
           </p:sp>
         </mc:Fallback>
       </mc:AlternateContent>
-      <mc:AlternateContent xmlns:mc="http://schemas.openxmlformats.org/markup-compatibility/2006">
-        <mc:Choice xmlns:a14="http://schemas.microsoft.com/office/drawing/2010/main" Requires="a14">
+      <mc:AlternateContent xmlns:mc="http://schemas.openxmlformats.org/markup-compatibility/2006" xmlns:a14="http://schemas.microsoft.com/office/drawing/2010/main">
+        <mc:Choice Requires="a14">
           <p:sp>
             <p:nvSpPr>
               <p:cNvPr id="55" name="正方形/長方形 54">
@@ -20887,7 +20878,7 @@
             </p:txBody>
           </p:sp>
         </mc:Choice>
-        <mc:Fallback>
+        <mc:Fallback xmlns="">
           <p:sp>
             <p:nvSpPr>
               <p:cNvPr id="55" name="正方形/長方形 54">
@@ -20937,8 +20928,8 @@
           </p:sp>
         </mc:Fallback>
       </mc:AlternateContent>
-      <mc:AlternateContent xmlns:mc="http://schemas.openxmlformats.org/markup-compatibility/2006">
-        <mc:Choice xmlns:a14="http://schemas.microsoft.com/office/drawing/2010/main" Requires="a14">
+      <mc:AlternateContent xmlns:mc="http://schemas.openxmlformats.org/markup-compatibility/2006" xmlns:a14="http://schemas.microsoft.com/office/drawing/2010/main">
+        <mc:Choice Requires="a14">
           <p:sp>
             <p:nvSpPr>
               <p:cNvPr id="9" name="正方形/長方形 8">
@@ -21041,7 +21032,7 @@
             </p:txBody>
           </p:sp>
         </mc:Choice>
-        <mc:Fallback>
+        <mc:Fallback xmlns="">
           <p:sp>
             <p:nvSpPr>
               <p:cNvPr id="9" name="正方形/長方形 8">
@@ -21091,8 +21082,8 @@
           </p:sp>
         </mc:Fallback>
       </mc:AlternateContent>
-      <mc:AlternateContent xmlns:mc="http://schemas.openxmlformats.org/markup-compatibility/2006">
-        <mc:Choice xmlns:a14="http://schemas.microsoft.com/office/drawing/2010/main" Requires="a14">
+      <mc:AlternateContent xmlns:mc="http://schemas.openxmlformats.org/markup-compatibility/2006" xmlns:a14="http://schemas.microsoft.com/office/drawing/2010/main">
+        <mc:Choice Requires="a14">
           <p:sp>
             <p:nvSpPr>
               <p:cNvPr id="16" name="正方形/長方形 15">
@@ -21195,7 +21186,7 @@
             </p:txBody>
           </p:sp>
         </mc:Choice>
-        <mc:Fallback>
+        <mc:Fallback xmlns="">
           <p:sp>
             <p:nvSpPr>
               <p:cNvPr id="16" name="正方形/長方形 15">
@@ -21245,8 +21236,8 @@
           </p:sp>
         </mc:Fallback>
       </mc:AlternateContent>
-      <mc:AlternateContent xmlns:mc="http://schemas.openxmlformats.org/markup-compatibility/2006">
-        <mc:Choice xmlns:a14="http://schemas.microsoft.com/office/drawing/2010/main" Requires="a14">
+      <mc:AlternateContent xmlns:mc="http://schemas.openxmlformats.org/markup-compatibility/2006" xmlns:a14="http://schemas.microsoft.com/office/drawing/2010/main">
+        <mc:Choice Requires="a14">
           <p:sp>
             <p:nvSpPr>
               <p:cNvPr id="36" name="正方形/長方形 35">
@@ -21349,7 +21340,7 @@
             </p:txBody>
           </p:sp>
         </mc:Choice>
-        <mc:Fallback>
+        <mc:Fallback xmlns="">
           <p:sp>
             <p:nvSpPr>
               <p:cNvPr id="36" name="正方形/長方形 35">
@@ -21399,8 +21390,8 @@
           </p:sp>
         </mc:Fallback>
       </mc:AlternateContent>
-      <mc:AlternateContent xmlns:mc="http://schemas.openxmlformats.org/markup-compatibility/2006">
-        <mc:Choice xmlns:a14="http://schemas.microsoft.com/office/drawing/2010/main" Requires="a14">
+      <mc:AlternateContent xmlns:mc="http://schemas.openxmlformats.org/markup-compatibility/2006" xmlns:a14="http://schemas.microsoft.com/office/drawing/2010/main">
+        <mc:Choice Requires="a14">
           <p:sp>
             <p:nvSpPr>
               <p:cNvPr id="43" name="正方形/長方形 42">
@@ -21503,7 +21494,7 @@
             </p:txBody>
           </p:sp>
         </mc:Choice>
-        <mc:Fallback>
+        <mc:Fallback xmlns="">
           <p:sp>
             <p:nvSpPr>
               <p:cNvPr id="43" name="正方形/長方形 42">

--- a/IEICE/figs/Lem6_Fig.pptx
+++ b/IEICE/figs/Lem6_Fig.pptx
@@ -201,7 +201,7 @@
           <a:p>
             <a:fld id="{287BE2DD-2093-8646-9473-C4E9DB273A7A}" type="datetimeFigureOut">
               <a:rPr kumimoji="1" lang="ja-JP" altLang="en-US" smtClean="0"/>
-              <a:t>2024/5/18</a:t>
+              <a:t>2024/6/4</a:t>
             </a:fld>
             <a:endParaRPr kumimoji="1" lang="ja-JP" altLang="en-US"/>
           </a:p>
@@ -815,7 +815,7 @@
           <a:p>
             <a:fld id="{09B6F084-8820-CA46-963F-B6FECD3CC15D}" type="datetimeFigureOut">
               <a:rPr kumimoji="1" lang="ja-JP" altLang="en-US" smtClean="0"/>
-              <a:t>2024/5/18</a:t>
+              <a:t>2024/6/4</a:t>
             </a:fld>
             <a:endParaRPr kumimoji="1" lang="ja-JP" altLang="en-US"/>
           </a:p>
@@ -1045,7 +1045,7 @@
           <a:p>
             <a:fld id="{09B6F084-8820-CA46-963F-B6FECD3CC15D}" type="datetimeFigureOut">
               <a:rPr kumimoji="1" lang="ja-JP" altLang="en-US" smtClean="0"/>
-              <a:t>2024/5/18</a:t>
+              <a:t>2024/6/4</a:t>
             </a:fld>
             <a:endParaRPr kumimoji="1" lang="ja-JP" altLang="en-US"/>
           </a:p>
@@ -1285,7 +1285,7 @@
           <a:p>
             <a:fld id="{09B6F084-8820-CA46-963F-B6FECD3CC15D}" type="datetimeFigureOut">
               <a:rPr kumimoji="1" lang="ja-JP" altLang="en-US" smtClean="0"/>
-              <a:t>2024/5/18</a:t>
+              <a:t>2024/6/4</a:t>
             </a:fld>
             <a:endParaRPr kumimoji="1" lang="ja-JP" altLang="en-US"/>
           </a:p>
@@ -1515,7 +1515,7 @@
           <a:p>
             <a:fld id="{09B6F084-8820-CA46-963F-B6FECD3CC15D}" type="datetimeFigureOut">
               <a:rPr kumimoji="1" lang="ja-JP" altLang="en-US" smtClean="0"/>
-              <a:t>2024/5/18</a:t>
+              <a:t>2024/6/4</a:t>
             </a:fld>
             <a:endParaRPr kumimoji="1" lang="ja-JP" altLang="en-US"/>
           </a:p>
@@ -1790,7 +1790,7 @@
           <a:p>
             <a:fld id="{09B6F084-8820-CA46-963F-B6FECD3CC15D}" type="datetimeFigureOut">
               <a:rPr kumimoji="1" lang="ja-JP" altLang="en-US" smtClean="0"/>
-              <a:t>2024/5/18</a:t>
+              <a:t>2024/6/4</a:t>
             </a:fld>
             <a:endParaRPr kumimoji="1" lang="ja-JP" altLang="en-US"/>
           </a:p>
@@ -2119,7 +2119,7 @@
           <a:p>
             <a:fld id="{09B6F084-8820-CA46-963F-B6FECD3CC15D}" type="datetimeFigureOut">
               <a:rPr kumimoji="1" lang="ja-JP" altLang="en-US" smtClean="0"/>
-              <a:t>2024/5/18</a:t>
+              <a:t>2024/6/4</a:t>
             </a:fld>
             <a:endParaRPr kumimoji="1" lang="ja-JP" altLang="en-US"/>
           </a:p>
@@ -2595,7 +2595,7 @@
           <a:p>
             <a:fld id="{09B6F084-8820-CA46-963F-B6FECD3CC15D}" type="datetimeFigureOut">
               <a:rPr kumimoji="1" lang="ja-JP" altLang="en-US" smtClean="0"/>
-              <a:t>2024/5/18</a:t>
+              <a:t>2024/6/4</a:t>
             </a:fld>
             <a:endParaRPr kumimoji="1" lang="ja-JP" altLang="en-US"/>
           </a:p>
@@ -2736,7 +2736,7 @@
           <a:p>
             <a:fld id="{09B6F084-8820-CA46-963F-B6FECD3CC15D}" type="datetimeFigureOut">
               <a:rPr kumimoji="1" lang="ja-JP" altLang="en-US" smtClean="0"/>
-              <a:t>2024/5/18</a:t>
+              <a:t>2024/6/4</a:t>
             </a:fld>
             <a:endParaRPr kumimoji="1" lang="ja-JP" altLang="en-US"/>
           </a:p>
@@ -2849,7 +2849,7 @@
           <a:p>
             <a:fld id="{09B6F084-8820-CA46-963F-B6FECD3CC15D}" type="datetimeFigureOut">
               <a:rPr kumimoji="1" lang="ja-JP" altLang="en-US" smtClean="0"/>
-              <a:t>2024/5/18</a:t>
+              <a:t>2024/6/4</a:t>
             </a:fld>
             <a:endParaRPr kumimoji="1" lang="ja-JP" altLang="en-US"/>
           </a:p>
@@ -3192,7 +3192,7 @@
           <a:p>
             <a:fld id="{09B6F084-8820-CA46-963F-B6FECD3CC15D}" type="datetimeFigureOut">
               <a:rPr kumimoji="1" lang="ja-JP" altLang="en-US" smtClean="0"/>
-              <a:t>2024/5/18</a:t>
+              <a:t>2024/6/4</a:t>
             </a:fld>
             <a:endParaRPr kumimoji="1" lang="ja-JP" altLang="en-US"/>
           </a:p>
@@ -3480,7 +3480,7 @@
           <a:p>
             <a:fld id="{09B6F084-8820-CA46-963F-B6FECD3CC15D}" type="datetimeFigureOut">
               <a:rPr kumimoji="1" lang="ja-JP" altLang="en-US" smtClean="0"/>
-              <a:t>2024/5/18</a:t>
+              <a:t>2024/6/4</a:t>
             </a:fld>
             <a:endParaRPr kumimoji="1" lang="ja-JP" altLang="en-US"/>
           </a:p>
@@ -3753,7 +3753,7 @@
           <a:p>
             <a:fld id="{09B6F084-8820-CA46-963F-B6FECD3CC15D}" type="datetimeFigureOut">
               <a:rPr kumimoji="1" lang="ja-JP" altLang="en-US" smtClean="0"/>
-              <a:t>2024/5/18</a:t>
+              <a:t>2024/6/4</a:t>
             </a:fld>
             <a:endParaRPr kumimoji="1" lang="ja-JP" altLang="en-US"/>
           </a:p>
@@ -21789,8 +21789,8 @@
             </a:p>
           </p:txBody>
         </p:sp>
-        <mc:AlternateContent xmlns:mc="http://schemas.openxmlformats.org/markup-compatibility/2006">
-          <mc:Choice xmlns:a14="http://schemas.microsoft.com/office/drawing/2010/main" Requires="a14">
+        <mc:AlternateContent xmlns:mc="http://schemas.openxmlformats.org/markup-compatibility/2006" xmlns:a14="http://schemas.microsoft.com/office/drawing/2010/main">
+          <mc:Choice Requires="a14">
             <p:sp>
               <p:nvSpPr>
                 <p:cNvPr id="732" name="テキスト ボックス 731">
@@ -21844,7 +21844,7 @@
               </p:txBody>
             </p:sp>
           </mc:Choice>
-          <mc:Fallback>
+          <mc:Fallback xmlns="">
             <p:sp>
               <p:nvSpPr>
                 <p:cNvPr id="732" name="テキスト ボックス 731">
@@ -21889,8 +21889,8 @@
             </p:sp>
           </mc:Fallback>
         </mc:AlternateContent>
-        <mc:AlternateContent xmlns:mc="http://schemas.openxmlformats.org/markup-compatibility/2006">
-          <mc:Choice xmlns:a14="http://schemas.microsoft.com/office/drawing/2010/main" Requires="a14">
+        <mc:AlternateContent xmlns:mc="http://schemas.openxmlformats.org/markup-compatibility/2006" xmlns:a14="http://schemas.microsoft.com/office/drawing/2010/main">
+          <mc:Choice Requires="a14">
             <p:sp>
               <p:nvSpPr>
                 <p:cNvPr id="733" name="テキスト ボックス 732">
@@ -21944,7 +21944,7 @@
               </p:txBody>
             </p:sp>
           </mc:Choice>
-          <mc:Fallback>
+          <mc:Fallback xmlns="">
             <p:sp>
               <p:nvSpPr>
                 <p:cNvPr id="733" name="テキスト ボックス 732">
@@ -22099,8 +22099,8 @@
             </a:p>
           </p:txBody>
         </p:sp>
-        <mc:AlternateContent xmlns:mc="http://schemas.openxmlformats.org/markup-compatibility/2006">
-          <mc:Choice xmlns:a14="http://schemas.microsoft.com/office/drawing/2010/main" Requires="a14">
+        <mc:AlternateContent xmlns:mc="http://schemas.openxmlformats.org/markup-compatibility/2006" xmlns:a14="http://schemas.microsoft.com/office/drawing/2010/main">
+          <mc:Choice Requires="a14">
             <p:sp>
               <p:nvSpPr>
                 <p:cNvPr id="728" name="テキスト ボックス 727">
@@ -22154,7 +22154,7 @@
               </p:txBody>
             </p:sp>
           </mc:Choice>
-          <mc:Fallback>
+          <mc:Fallback xmlns="">
             <p:sp>
               <p:nvSpPr>
                 <p:cNvPr id="728" name="テキスト ボックス 727">
@@ -22199,8 +22199,8 @@
             </p:sp>
           </mc:Fallback>
         </mc:AlternateContent>
-        <mc:AlternateContent xmlns:mc="http://schemas.openxmlformats.org/markup-compatibility/2006">
-          <mc:Choice xmlns:a14="http://schemas.microsoft.com/office/drawing/2010/main" Requires="a14">
+        <mc:AlternateContent xmlns:mc="http://schemas.openxmlformats.org/markup-compatibility/2006" xmlns:a14="http://schemas.microsoft.com/office/drawing/2010/main">
+          <mc:Choice Requires="a14">
             <p:sp>
               <p:nvSpPr>
                 <p:cNvPr id="729" name="テキスト ボックス 728">
@@ -22254,7 +22254,7 @@
               </p:txBody>
             </p:sp>
           </mc:Choice>
-          <mc:Fallback>
+          <mc:Fallback xmlns="">
             <p:sp>
               <p:nvSpPr>
                 <p:cNvPr id="729" name="テキスト ボックス 728">
@@ -22409,8 +22409,8 @@
             </a:p>
           </p:txBody>
         </p:sp>
-        <mc:AlternateContent xmlns:mc="http://schemas.openxmlformats.org/markup-compatibility/2006">
-          <mc:Choice xmlns:a14="http://schemas.microsoft.com/office/drawing/2010/main" Requires="a14">
+        <mc:AlternateContent xmlns:mc="http://schemas.openxmlformats.org/markup-compatibility/2006" xmlns:a14="http://schemas.microsoft.com/office/drawing/2010/main">
+          <mc:Choice Requires="a14">
             <p:sp>
               <p:nvSpPr>
                 <p:cNvPr id="724" name="テキスト ボックス 723">
@@ -22464,7 +22464,7 @@
               </p:txBody>
             </p:sp>
           </mc:Choice>
-          <mc:Fallback>
+          <mc:Fallback xmlns="">
             <p:sp>
               <p:nvSpPr>
                 <p:cNvPr id="724" name="テキスト ボックス 723">
@@ -22509,8 +22509,8 @@
             </p:sp>
           </mc:Fallback>
         </mc:AlternateContent>
-        <mc:AlternateContent xmlns:mc="http://schemas.openxmlformats.org/markup-compatibility/2006">
-          <mc:Choice xmlns:a14="http://schemas.microsoft.com/office/drawing/2010/main" Requires="a14">
+        <mc:AlternateContent xmlns:mc="http://schemas.openxmlformats.org/markup-compatibility/2006" xmlns:a14="http://schemas.microsoft.com/office/drawing/2010/main">
+          <mc:Choice Requires="a14">
             <p:sp>
               <p:nvSpPr>
                 <p:cNvPr id="725" name="テキスト ボックス 724">
@@ -22564,7 +22564,7 @@
               </p:txBody>
             </p:sp>
           </mc:Choice>
-          <mc:Fallback>
+          <mc:Fallback xmlns="">
             <p:sp>
               <p:nvSpPr>
                 <p:cNvPr id="725" name="テキスト ボックス 724">
@@ -22719,8 +22719,8 @@
             </a:p>
           </p:txBody>
         </p:sp>
-        <mc:AlternateContent xmlns:mc="http://schemas.openxmlformats.org/markup-compatibility/2006">
-          <mc:Choice xmlns:a14="http://schemas.microsoft.com/office/drawing/2010/main" Requires="a14">
+        <mc:AlternateContent xmlns:mc="http://schemas.openxmlformats.org/markup-compatibility/2006" xmlns:a14="http://schemas.microsoft.com/office/drawing/2010/main">
+          <mc:Choice Requires="a14">
             <p:sp>
               <p:nvSpPr>
                 <p:cNvPr id="720" name="テキスト ボックス 719">
@@ -22774,7 +22774,7 @@
               </p:txBody>
             </p:sp>
           </mc:Choice>
-          <mc:Fallback>
+          <mc:Fallback xmlns="">
             <p:sp>
               <p:nvSpPr>
                 <p:cNvPr id="720" name="テキスト ボックス 719">
@@ -22819,8 +22819,8 @@
             </p:sp>
           </mc:Fallback>
         </mc:AlternateContent>
-        <mc:AlternateContent xmlns:mc="http://schemas.openxmlformats.org/markup-compatibility/2006">
-          <mc:Choice xmlns:a14="http://schemas.microsoft.com/office/drawing/2010/main" Requires="a14">
+        <mc:AlternateContent xmlns:mc="http://schemas.openxmlformats.org/markup-compatibility/2006" xmlns:a14="http://schemas.microsoft.com/office/drawing/2010/main">
+          <mc:Choice Requires="a14">
             <p:sp>
               <p:nvSpPr>
                 <p:cNvPr id="721" name="テキスト ボックス 720">
@@ -22874,7 +22874,7 @@
               </p:txBody>
             </p:sp>
           </mc:Choice>
-          <mc:Fallback>
+          <mc:Fallback xmlns="">
             <p:sp>
               <p:nvSpPr>
                 <p:cNvPr id="721" name="テキスト ボックス 720">
@@ -23095,7 +23095,7 @@
                                 <a:latin typeface="Cambria Math" panose="02040503050406030204" pitchFamily="18" charset="0"/>
                                 <a:ea typeface="Cambria Math" panose="02040503050406030204" pitchFamily="18" charset="0"/>
                               </a:rPr>
-                              <m:t>𝛿</m:t>
+                              <m:t>𝜎</m:t>
                             </m:r>
                           </m:e>
                           <m:sub>
@@ -23177,7 +23177,7 @@
                 <a:blipFill>
                   <a:blip r:embed="rId11"/>
                   <a:stretch>
-                    <a:fillRect l="-6061" b="-4255"/>
+                    <a:fillRect l="-2041" b="-8696"/>
                   </a:stretch>
                 </a:blipFill>
                 <a:ln>
@@ -23265,7 +23265,7 @@
                                 <a:latin typeface="Cambria Math" panose="02040503050406030204" pitchFamily="18" charset="0"/>
                                 <a:ea typeface="Cambria Math" panose="02040503050406030204" pitchFamily="18" charset="0"/>
                               </a:rPr>
-                              <m:t>𝛿</m:t>
+                              <m:t>𝜎</m:t>
                             </m:r>
                           </m:e>
                           <m:sub>
@@ -23347,7 +23347,7 @@
                 <a:blipFill>
                   <a:blip r:embed="rId12"/>
                   <a:stretch>
-                    <a:fillRect b="-6383"/>
+                    <a:fillRect b="-4167"/>
                   </a:stretch>
                 </a:blipFill>
                 <a:ln>
@@ -23369,8 +23369,8 @@
             </p:sp>
           </mc:Fallback>
         </mc:AlternateContent>
-        <mc:AlternateContent xmlns:mc="http://schemas.openxmlformats.org/markup-compatibility/2006">
-          <mc:Choice xmlns:a14="http://schemas.microsoft.com/office/drawing/2010/main" Requires="a14">
+        <mc:AlternateContent xmlns:mc="http://schemas.openxmlformats.org/markup-compatibility/2006" xmlns:a14="http://schemas.microsoft.com/office/drawing/2010/main">
+          <mc:Choice Requires="a14">
             <p:sp>
               <p:nvSpPr>
                 <p:cNvPr id="3" name="円/楕円 2">
@@ -23443,7 +23443,7 @@
               </p:txBody>
             </p:sp>
           </mc:Choice>
-          <mc:Fallback>
+          <mc:Fallback xmlns="">
             <p:sp>
               <p:nvSpPr>
                 <p:cNvPr id="3" name="円/楕円 2">
@@ -23488,8 +23488,8 @@
             </p:sp>
           </mc:Fallback>
         </mc:AlternateContent>
-        <mc:AlternateContent xmlns:mc="http://schemas.openxmlformats.org/markup-compatibility/2006">
-          <mc:Choice xmlns:a14="http://schemas.microsoft.com/office/drawing/2010/main" Requires="a14">
+        <mc:AlternateContent xmlns:mc="http://schemas.openxmlformats.org/markup-compatibility/2006" xmlns:a14="http://schemas.microsoft.com/office/drawing/2010/main">
+          <mc:Choice Requires="a14">
             <p:sp>
               <p:nvSpPr>
                 <p:cNvPr id="4" name="円/楕円 3">
@@ -23562,7 +23562,7 @@
               </p:txBody>
             </p:sp>
           </mc:Choice>
-          <mc:Fallback>
+          <mc:Fallback xmlns="">
             <p:sp>
               <p:nvSpPr>
                 <p:cNvPr id="4" name="円/楕円 3">
@@ -23607,8 +23607,8 @@
             </p:sp>
           </mc:Fallback>
         </mc:AlternateContent>
-        <mc:AlternateContent xmlns:mc="http://schemas.openxmlformats.org/markup-compatibility/2006">
-          <mc:Choice xmlns:a14="http://schemas.microsoft.com/office/drawing/2010/main" Requires="a14">
+        <mc:AlternateContent xmlns:mc="http://schemas.openxmlformats.org/markup-compatibility/2006" xmlns:a14="http://schemas.microsoft.com/office/drawing/2010/main">
+          <mc:Choice Requires="a14">
             <p:sp>
               <p:nvSpPr>
                 <p:cNvPr id="5" name="円/楕円 4">
@@ -23671,7 +23671,7 @@
               </p:txBody>
             </p:sp>
           </mc:Choice>
-          <mc:Fallback>
+          <mc:Fallback xmlns="">
             <p:sp>
               <p:nvSpPr>
                 <p:cNvPr id="5" name="円/楕円 4">
@@ -23716,8 +23716,8 @@
             </p:sp>
           </mc:Fallback>
         </mc:AlternateContent>
-        <mc:AlternateContent xmlns:mc="http://schemas.openxmlformats.org/markup-compatibility/2006">
-          <mc:Choice xmlns:a14="http://schemas.microsoft.com/office/drawing/2010/main" Requires="a14">
+        <mc:AlternateContent xmlns:mc="http://schemas.openxmlformats.org/markup-compatibility/2006" xmlns:a14="http://schemas.microsoft.com/office/drawing/2010/main">
+          <mc:Choice Requires="a14">
             <p:sp>
               <p:nvSpPr>
                 <p:cNvPr id="6" name="円/楕円 5">
@@ -23780,7 +23780,7 @@
               </p:txBody>
             </p:sp>
           </mc:Choice>
-          <mc:Fallback>
+          <mc:Fallback xmlns="">
             <p:sp>
               <p:nvSpPr>
                 <p:cNvPr id="6" name="円/楕円 5">
@@ -23825,8 +23825,8 @@
             </p:sp>
           </mc:Fallback>
         </mc:AlternateContent>
-        <mc:AlternateContent xmlns:mc="http://schemas.openxmlformats.org/markup-compatibility/2006">
-          <mc:Choice xmlns:a14="http://schemas.microsoft.com/office/drawing/2010/main" Requires="a14">
+        <mc:AlternateContent xmlns:mc="http://schemas.openxmlformats.org/markup-compatibility/2006" xmlns:a14="http://schemas.microsoft.com/office/drawing/2010/main">
+          <mc:Choice Requires="a14">
             <p:sp>
               <p:nvSpPr>
                 <p:cNvPr id="7" name="円/楕円 6">
@@ -23889,7 +23889,7 @@
               </p:txBody>
             </p:sp>
           </mc:Choice>
-          <mc:Fallback>
+          <mc:Fallback xmlns="">
             <p:sp>
               <p:nvSpPr>
                 <p:cNvPr id="7" name="円/楕円 6">
@@ -23934,8 +23934,8 @@
             </p:sp>
           </mc:Fallback>
         </mc:AlternateContent>
-        <mc:AlternateContent xmlns:mc="http://schemas.openxmlformats.org/markup-compatibility/2006">
-          <mc:Choice xmlns:a14="http://schemas.microsoft.com/office/drawing/2010/main" Requires="a14">
+        <mc:AlternateContent xmlns:mc="http://schemas.openxmlformats.org/markup-compatibility/2006" xmlns:a14="http://schemas.microsoft.com/office/drawing/2010/main">
+          <mc:Choice Requires="a14">
             <p:sp>
               <p:nvSpPr>
                 <p:cNvPr id="8" name="円/楕円 7">
@@ -23998,7 +23998,7 @@
               </p:txBody>
             </p:sp>
           </mc:Choice>
-          <mc:Fallback>
+          <mc:Fallback xmlns="">
             <p:sp>
               <p:nvSpPr>
                 <p:cNvPr id="8" name="円/楕円 7">
@@ -24043,8 +24043,8 @@
             </p:sp>
           </mc:Fallback>
         </mc:AlternateContent>
-        <mc:AlternateContent xmlns:mc="http://schemas.openxmlformats.org/markup-compatibility/2006">
-          <mc:Choice xmlns:a14="http://schemas.microsoft.com/office/drawing/2010/main" Requires="a14">
+        <mc:AlternateContent xmlns:mc="http://schemas.openxmlformats.org/markup-compatibility/2006" xmlns:a14="http://schemas.microsoft.com/office/drawing/2010/main">
+          <mc:Choice Requires="a14">
             <p:sp>
               <p:nvSpPr>
                 <p:cNvPr id="9" name="円/楕円 8">
@@ -24107,7 +24107,7 @@
               </p:txBody>
             </p:sp>
           </mc:Choice>
-          <mc:Fallback>
+          <mc:Fallback xmlns="">
             <p:sp>
               <p:nvSpPr>
                 <p:cNvPr id="9" name="円/楕円 8">
@@ -24152,8 +24152,8 @@
             </p:sp>
           </mc:Fallback>
         </mc:AlternateContent>
-        <mc:AlternateContent xmlns:mc="http://schemas.openxmlformats.org/markup-compatibility/2006">
-          <mc:Choice xmlns:a14="http://schemas.microsoft.com/office/drawing/2010/main" Requires="a14">
+        <mc:AlternateContent xmlns:mc="http://schemas.openxmlformats.org/markup-compatibility/2006" xmlns:a14="http://schemas.microsoft.com/office/drawing/2010/main">
+          <mc:Choice Requires="a14">
             <p:sp>
               <p:nvSpPr>
                 <p:cNvPr id="10" name="円/楕円 9">
@@ -24216,7 +24216,7 @@
               </p:txBody>
             </p:sp>
           </mc:Choice>
-          <mc:Fallback>
+          <mc:Fallback xmlns="">
             <p:sp>
               <p:nvSpPr>
                 <p:cNvPr id="10" name="円/楕円 9">
@@ -24261,8 +24261,8 @@
             </p:sp>
           </mc:Fallback>
         </mc:AlternateContent>
-        <mc:AlternateContent xmlns:mc="http://schemas.openxmlformats.org/markup-compatibility/2006">
-          <mc:Choice xmlns:a14="http://schemas.microsoft.com/office/drawing/2010/main" Requires="a14">
+        <mc:AlternateContent xmlns:mc="http://schemas.openxmlformats.org/markup-compatibility/2006" xmlns:a14="http://schemas.microsoft.com/office/drawing/2010/main">
+          <mc:Choice Requires="a14">
             <p:sp>
               <p:nvSpPr>
                 <p:cNvPr id="11" name="円/楕円 10">
@@ -24325,7 +24325,7 @@
               </p:txBody>
             </p:sp>
           </mc:Choice>
-          <mc:Fallback>
+          <mc:Fallback xmlns="">
             <p:sp>
               <p:nvSpPr>
                 <p:cNvPr id="11" name="円/楕円 10">
@@ -24370,8 +24370,8 @@
             </p:sp>
           </mc:Fallback>
         </mc:AlternateContent>
-        <mc:AlternateContent xmlns:mc="http://schemas.openxmlformats.org/markup-compatibility/2006">
-          <mc:Choice xmlns:a14="http://schemas.microsoft.com/office/drawing/2010/main" Requires="a14">
+        <mc:AlternateContent xmlns:mc="http://schemas.openxmlformats.org/markup-compatibility/2006" xmlns:a14="http://schemas.microsoft.com/office/drawing/2010/main">
+          <mc:Choice Requires="a14">
             <p:sp>
               <p:nvSpPr>
                 <p:cNvPr id="12" name="円/楕円 11">
@@ -24434,7 +24434,7 @@
               </p:txBody>
             </p:sp>
           </mc:Choice>
-          <mc:Fallback>
+          <mc:Fallback xmlns="">
             <p:sp>
               <p:nvSpPr>
                 <p:cNvPr id="12" name="円/楕円 11">
@@ -24479,8 +24479,8 @@
             </p:sp>
           </mc:Fallback>
         </mc:AlternateContent>
-        <mc:AlternateContent xmlns:mc="http://schemas.openxmlformats.org/markup-compatibility/2006">
-          <mc:Choice xmlns:a14="http://schemas.microsoft.com/office/drawing/2010/main" Requires="a14">
+        <mc:AlternateContent xmlns:mc="http://schemas.openxmlformats.org/markup-compatibility/2006" xmlns:a14="http://schemas.microsoft.com/office/drawing/2010/main">
+          <mc:Choice Requires="a14">
             <p:sp>
               <p:nvSpPr>
                 <p:cNvPr id="13" name="円/楕円 12">
@@ -24543,7 +24543,7 @@
               </p:txBody>
             </p:sp>
           </mc:Choice>
-          <mc:Fallback>
+          <mc:Fallback xmlns="">
             <p:sp>
               <p:nvSpPr>
                 <p:cNvPr id="13" name="円/楕円 12">
@@ -24588,8 +24588,8 @@
             </p:sp>
           </mc:Fallback>
         </mc:AlternateContent>
-        <mc:AlternateContent xmlns:mc="http://schemas.openxmlformats.org/markup-compatibility/2006">
-          <mc:Choice xmlns:a14="http://schemas.microsoft.com/office/drawing/2010/main" Requires="a14">
+        <mc:AlternateContent xmlns:mc="http://schemas.openxmlformats.org/markup-compatibility/2006" xmlns:a14="http://schemas.microsoft.com/office/drawing/2010/main">
+          <mc:Choice Requires="a14">
             <p:sp>
               <p:nvSpPr>
                 <p:cNvPr id="14" name="円/楕円 13">
@@ -24652,7 +24652,7 @@
               </p:txBody>
             </p:sp>
           </mc:Choice>
-          <mc:Fallback>
+          <mc:Fallback xmlns="">
             <p:sp>
               <p:nvSpPr>
                 <p:cNvPr id="14" name="円/楕円 13">
@@ -24697,8 +24697,8 @@
             </p:sp>
           </mc:Fallback>
         </mc:AlternateContent>
-        <mc:AlternateContent xmlns:mc="http://schemas.openxmlformats.org/markup-compatibility/2006">
-          <mc:Choice xmlns:a14="http://schemas.microsoft.com/office/drawing/2010/main" Requires="a14">
+        <mc:AlternateContent xmlns:mc="http://schemas.openxmlformats.org/markup-compatibility/2006" xmlns:a14="http://schemas.microsoft.com/office/drawing/2010/main">
+          <mc:Choice Requires="a14">
             <p:sp>
               <p:nvSpPr>
                 <p:cNvPr id="15" name="円/楕円 14">
@@ -24761,7 +24761,7 @@
               </p:txBody>
             </p:sp>
           </mc:Choice>
-          <mc:Fallback>
+          <mc:Fallback xmlns="">
             <p:sp>
               <p:nvSpPr>
                 <p:cNvPr id="15" name="円/楕円 14">
@@ -24806,8 +24806,8 @@
             </p:sp>
           </mc:Fallback>
         </mc:AlternateContent>
-        <mc:AlternateContent xmlns:mc="http://schemas.openxmlformats.org/markup-compatibility/2006">
-          <mc:Choice xmlns:a14="http://schemas.microsoft.com/office/drawing/2010/main" Requires="a14">
+        <mc:AlternateContent xmlns:mc="http://schemas.openxmlformats.org/markup-compatibility/2006" xmlns:a14="http://schemas.microsoft.com/office/drawing/2010/main">
+          <mc:Choice Requires="a14">
             <p:sp>
               <p:nvSpPr>
                 <p:cNvPr id="16" name="円/楕円 15">
@@ -24870,7 +24870,7 @@
               </p:txBody>
             </p:sp>
           </mc:Choice>
-          <mc:Fallback>
+          <mc:Fallback xmlns="">
             <p:sp>
               <p:nvSpPr>
                 <p:cNvPr id="16" name="円/楕円 15">
@@ -24915,8 +24915,8 @@
             </p:sp>
           </mc:Fallback>
         </mc:AlternateContent>
-        <mc:AlternateContent xmlns:mc="http://schemas.openxmlformats.org/markup-compatibility/2006">
-          <mc:Choice xmlns:a14="http://schemas.microsoft.com/office/drawing/2010/main" Requires="a14">
+        <mc:AlternateContent xmlns:mc="http://schemas.openxmlformats.org/markup-compatibility/2006" xmlns:a14="http://schemas.microsoft.com/office/drawing/2010/main">
+          <mc:Choice Requires="a14">
             <p:sp>
               <p:nvSpPr>
                 <p:cNvPr id="53" name="正方形/長方形 52">
@@ -25000,7 +25000,7 @@
               </p:txBody>
             </p:sp>
           </mc:Choice>
-          <mc:Fallback>
+          <mc:Fallback xmlns="">
             <p:sp>
               <p:nvSpPr>
                 <p:cNvPr id="53" name="正方形/長方形 52">
@@ -25646,7 +25646,7 @@
                                 <a:latin typeface="Cambria Math" panose="02040503050406030204" pitchFamily="18" charset="0"/>
                                 <a:ea typeface="Cambria Math" panose="02040503050406030204" pitchFamily="18" charset="0"/>
                               </a:rPr>
-                              <m:t>𝛿</m:t>
+                              <m:t>𝜎</m:t>
                             </m:r>
                           </m:e>
                           <m:sub>
@@ -25728,7 +25728,7 @@
                 <a:blipFill>
                   <a:blip r:embed="rId22"/>
                   <a:stretch>
-                    <a:fillRect l="-6000" b="-6383"/>
+                    <a:fillRect l="-4082" b="-8696"/>
                   </a:stretch>
                 </a:blipFill>
                 <a:ln>
@@ -25816,7 +25816,7 @@
                                 <a:latin typeface="Cambria Math" panose="02040503050406030204" pitchFamily="18" charset="0"/>
                                 <a:ea typeface="Cambria Math" panose="02040503050406030204" pitchFamily="18" charset="0"/>
                               </a:rPr>
-                              <m:t>𝛿</m:t>
+                              <m:t>𝜎</m:t>
                             </m:r>
                           </m:e>
                           <m:sub>
@@ -25898,7 +25898,7 @@
                 <a:blipFill>
                   <a:blip r:embed="rId23"/>
                   <a:stretch>
-                    <a:fillRect l="-1852" b="-4167"/>
+                    <a:fillRect b="-4167"/>
                   </a:stretch>
                 </a:blipFill>
                 <a:ln>
@@ -25920,8 +25920,8 @@
             </p:sp>
           </mc:Fallback>
         </mc:AlternateContent>
-        <mc:AlternateContent xmlns:mc="http://schemas.openxmlformats.org/markup-compatibility/2006">
-          <mc:Choice xmlns:a14="http://schemas.microsoft.com/office/drawing/2010/main" Requires="a14">
+        <mc:AlternateContent xmlns:mc="http://schemas.openxmlformats.org/markup-compatibility/2006" xmlns:a14="http://schemas.microsoft.com/office/drawing/2010/main">
+          <mc:Choice Requires="a14">
             <p:sp>
               <p:nvSpPr>
                 <p:cNvPr id="133" name="円/楕円 132">
@@ -25994,7 +25994,7 @@
               </p:txBody>
             </p:sp>
           </mc:Choice>
-          <mc:Fallback>
+          <mc:Fallback xmlns="">
             <p:sp>
               <p:nvSpPr>
                 <p:cNvPr id="133" name="円/楕円 132">
@@ -26039,8 +26039,8 @@
             </p:sp>
           </mc:Fallback>
         </mc:AlternateContent>
-        <mc:AlternateContent xmlns:mc="http://schemas.openxmlformats.org/markup-compatibility/2006">
-          <mc:Choice xmlns:a14="http://schemas.microsoft.com/office/drawing/2010/main" Requires="a14">
+        <mc:AlternateContent xmlns:mc="http://schemas.openxmlformats.org/markup-compatibility/2006" xmlns:a14="http://schemas.microsoft.com/office/drawing/2010/main">
+          <mc:Choice Requires="a14">
             <p:sp>
               <p:nvSpPr>
                 <p:cNvPr id="134" name="円/楕円 133">
@@ -26113,7 +26113,7 @@
               </p:txBody>
             </p:sp>
           </mc:Choice>
-          <mc:Fallback>
+          <mc:Fallback xmlns="">
             <p:sp>
               <p:nvSpPr>
                 <p:cNvPr id="134" name="円/楕円 133">
@@ -26158,8 +26158,8 @@
             </p:sp>
           </mc:Fallback>
         </mc:AlternateContent>
-        <mc:AlternateContent xmlns:mc="http://schemas.openxmlformats.org/markup-compatibility/2006">
-          <mc:Choice xmlns:a14="http://schemas.microsoft.com/office/drawing/2010/main" Requires="a14">
+        <mc:AlternateContent xmlns:mc="http://schemas.openxmlformats.org/markup-compatibility/2006" xmlns:a14="http://schemas.microsoft.com/office/drawing/2010/main">
+          <mc:Choice Requires="a14">
             <p:sp>
               <p:nvSpPr>
                 <p:cNvPr id="135" name="円/楕円 134">
@@ -26232,7 +26232,7 @@
               </p:txBody>
             </p:sp>
           </mc:Choice>
-          <mc:Fallback>
+          <mc:Fallback xmlns="">
             <p:sp>
               <p:nvSpPr>
                 <p:cNvPr id="135" name="円/楕円 134">
@@ -26277,8 +26277,8 @@
             </p:sp>
           </mc:Fallback>
         </mc:AlternateContent>
-        <mc:AlternateContent xmlns:mc="http://schemas.openxmlformats.org/markup-compatibility/2006">
-          <mc:Choice xmlns:a14="http://schemas.microsoft.com/office/drawing/2010/main" Requires="a14">
+        <mc:AlternateContent xmlns:mc="http://schemas.openxmlformats.org/markup-compatibility/2006" xmlns:a14="http://schemas.microsoft.com/office/drawing/2010/main">
+          <mc:Choice Requires="a14">
             <p:sp>
               <p:nvSpPr>
                 <p:cNvPr id="136" name="円/楕円 135">
@@ -26341,7 +26341,7 @@
               </p:txBody>
             </p:sp>
           </mc:Choice>
-          <mc:Fallback>
+          <mc:Fallback xmlns="">
             <p:sp>
               <p:nvSpPr>
                 <p:cNvPr id="136" name="円/楕円 135">
@@ -26386,8 +26386,8 @@
             </p:sp>
           </mc:Fallback>
         </mc:AlternateContent>
-        <mc:AlternateContent xmlns:mc="http://schemas.openxmlformats.org/markup-compatibility/2006">
-          <mc:Choice xmlns:a14="http://schemas.microsoft.com/office/drawing/2010/main" Requires="a14">
+        <mc:AlternateContent xmlns:mc="http://schemas.openxmlformats.org/markup-compatibility/2006" xmlns:a14="http://schemas.microsoft.com/office/drawing/2010/main">
+          <mc:Choice Requires="a14">
             <p:sp>
               <p:nvSpPr>
                 <p:cNvPr id="137" name="円/楕円 136">
@@ -26450,7 +26450,7 @@
               </p:txBody>
             </p:sp>
           </mc:Choice>
-          <mc:Fallback>
+          <mc:Fallback xmlns="">
             <p:sp>
               <p:nvSpPr>
                 <p:cNvPr id="137" name="円/楕円 136">
@@ -26495,8 +26495,8 @@
             </p:sp>
           </mc:Fallback>
         </mc:AlternateContent>
-        <mc:AlternateContent xmlns:mc="http://schemas.openxmlformats.org/markup-compatibility/2006">
-          <mc:Choice xmlns:a14="http://schemas.microsoft.com/office/drawing/2010/main" Requires="a14">
+        <mc:AlternateContent xmlns:mc="http://schemas.openxmlformats.org/markup-compatibility/2006" xmlns:a14="http://schemas.microsoft.com/office/drawing/2010/main">
+          <mc:Choice Requires="a14">
             <p:sp>
               <p:nvSpPr>
                 <p:cNvPr id="138" name="円/楕円 137">
@@ -26559,7 +26559,7 @@
               </p:txBody>
             </p:sp>
           </mc:Choice>
-          <mc:Fallback>
+          <mc:Fallback xmlns="">
             <p:sp>
               <p:nvSpPr>
                 <p:cNvPr id="138" name="円/楕円 137">
@@ -26604,8 +26604,8 @@
             </p:sp>
           </mc:Fallback>
         </mc:AlternateContent>
-        <mc:AlternateContent xmlns:mc="http://schemas.openxmlformats.org/markup-compatibility/2006">
-          <mc:Choice xmlns:a14="http://schemas.microsoft.com/office/drawing/2010/main" Requires="a14">
+        <mc:AlternateContent xmlns:mc="http://schemas.openxmlformats.org/markup-compatibility/2006" xmlns:a14="http://schemas.microsoft.com/office/drawing/2010/main">
+          <mc:Choice Requires="a14">
             <p:sp>
               <p:nvSpPr>
                 <p:cNvPr id="139" name="円/楕円 138">
@@ -26668,7 +26668,7 @@
               </p:txBody>
             </p:sp>
           </mc:Choice>
-          <mc:Fallback>
+          <mc:Fallback xmlns="">
             <p:sp>
               <p:nvSpPr>
                 <p:cNvPr id="139" name="円/楕円 138">
@@ -26713,8 +26713,8 @@
             </p:sp>
           </mc:Fallback>
         </mc:AlternateContent>
-        <mc:AlternateContent xmlns:mc="http://schemas.openxmlformats.org/markup-compatibility/2006">
-          <mc:Choice xmlns:a14="http://schemas.microsoft.com/office/drawing/2010/main" Requires="a14">
+        <mc:AlternateContent xmlns:mc="http://schemas.openxmlformats.org/markup-compatibility/2006" xmlns:a14="http://schemas.microsoft.com/office/drawing/2010/main">
+          <mc:Choice Requires="a14">
             <p:sp>
               <p:nvSpPr>
                 <p:cNvPr id="140" name="円/楕円 139">
@@ -26777,7 +26777,7 @@
               </p:txBody>
             </p:sp>
           </mc:Choice>
-          <mc:Fallback>
+          <mc:Fallback xmlns="">
             <p:sp>
               <p:nvSpPr>
                 <p:cNvPr id="140" name="円/楕円 139">
@@ -26822,8 +26822,8 @@
             </p:sp>
           </mc:Fallback>
         </mc:AlternateContent>
-        <mc:AlternateContent xmlns:mc="http://schemas.openxmlformats.org/markup-compatibility/2006">
-          <mc:Choice xmlns:a14="http://schemas.microsoft.com/office/drawing/2010/main" Requires="a14">
+        <mc:AlternateContent xmlns:mc="http://schemas.openxmlformats.org/markup-compatibility/2006" xmlns:a14="http://schemas.microsoft.com/office/drawing/2010/main">
+          <mc:Choice Requires="a14">
             <p:sp>
               <p:nvSpPr>
                 <p:cNvPr id="141" name="円/楕円 140">
@@ -26886,7 +26886,7 @@
               </p:txBody>
             </p:sp>
           </mc:Choice>
-          <mc:Fallback>
+          <mc:Fallback xmlns="">
             <p:sp>
               <p:nvSpPr>
                 <p:cNvPr id="141" name="円/楕円 140">
@@ -26931,8 +26931,8 @@
             </p:sp>
           </mc:Fallback>
         </mc:AlternateContent>
-        <mc:AlternateContent xmlns:mc="http://schemas.openxmlformats.org/markup-compatibility/2006">
-          <mc:Choice xmlns:a14="http://schemas.microsoft.com/office/drawing/2010/main" Requires="a14">
+        <mc:AlternateContent xmlns:mc="http://schemas.openxmlformats.org/markup-compatibility/2006" xmlns:a14="http://schemas.microsoft.com/office/drawing/2010/main">
+          <mc:Choice Requires="a14">
             <p:sp>
               <p:nvSpPr>
                 <p:cNvPr id="142" name="円/楕円 141">
@@ -26995,7 +26995,7 @@
               </p:txBody>
             </p:sp>
           </mc:Choice>
-          <mc:Fallback>
+          <mc:Fallback xmlns="">
             <p:sp>
               <p:nvSpPr>
                 <p:cNvPr id="142" name="円/楕円 141">
@@ -27040,8 +27040,8 @@
             </p:sp>
           </mc:Fallback>
         </mc:AlternateContent>
-        <mc:AlternateContent xmlns:mc="http://schemas.openxmlformats.org/markup-compatibility/2006">
-          <mc:Choice xmlns:a14="http://schemas.microsoft.com/office/drawing/2010/main" Requires="a14">
+        <mc:AlternateContent xmlns:mc="http://schemas.openxmlformats.org/markup-compatibility/2006" xmlns:a14="http://schemas.microsoft.com/office/drawing/2010/main">
+          <mc:Choice Requires="a14">
             <p:sp>
               <p:nvSpPr>
                 <p:cNvPr id="143" name="円/楕円 142">
@@ -27104,7 +27104,7 @@
               </p:txBody>
             </p:sp>
           </mc:Choice>
-          <mc:Fallback>
+          <mc:Fallback xmlns="">
             <p:sp>
               <p:nvSpPr>
                 <p:cNvPr id="143" name="円/楕円 142">
@@ -27149,8 +27149,8 @@
             </p:sp>
           </mc:Fallback>
         </mc:AlternateContent>
-        <mc:AlternateContent xmlns:mc="http://schemas.openxmlformats.org/markup-compatibility/2006">
-          <mc:Choice xmlns:a14="http://schemas.microsoft.com/office/drawing/2010/main" Requires="a14">
+        <mc:AlternateContent xmlns:mc="http://schemas.openxmlformats.org/markup-compatibility/2006" xmlns:a14="http://schemas.microsoft.com/office/drawing/2010/main">
+          <mc:Choice Requires="a14">
             <p:sp>
               <p:nvSpPr>
                 <p:cNvPr id="144" name="円/楕円 143">
@@ -27213,7 +27213,7 @@
               </p:txBody>
             </p:sp>
           </mc:Choice>
-          <mc:Fallback>
+          <mc:Fallback xmlns="">
             <p:sp>
               <p:nvSpPr>
                 <p:cNvPr id="144" name="円/楕円 143">
@@ -27258,8 +27258,8 @@
             </p:sp>
           </mc:Fallback>
         </mc:AlternateContent>
-        <mc:AlternateContent xmlns:mc="http://schemas.openxmlformats.org/markup-compatibility/2006">
-          <mc:Choice xmlns:a14="http://schemas.microsoft.com/office/drawing/2010/main" Requires="a14">
+        <mc:AlternateContent xmlns:mc="http://schemas.openxmlformats.org/markup-compatibility/2006" xmlns:a14="http://schemas.microsoft.com/office/drawing/2010/main">
+          <mc:Choice Requires="a14">
             <p:sp>
               <p:nvSpPr>
                 <p:cNvPr id="145" name="円/楕円 144">
@@ -27322,7 +27322,7 @@
               </p:txBody>
             </p:sp>
           </mc:Choice>
-          <mc:Fallback>
+          <mc:Fallback xmlns="">
             <p:sp>
               <p:nvSpPr>
                 <p:cNvPr id="145" name="円/楕円 144">
@@ -27367,8 +27367,8 @@
             </p:sp>
           </mc:Fallback>
         </mc:AlternateContent>
-        <mc:AlternateContent xmlns:mc="http://schemas.openxmlformats.org/markup-compatibility/2006">
-          <mc:Choice xmlns:a14="http://schemas.microsoft.com/office/drawing/2010/main" Requires="a14">
+        <mc:AlternateContent xmlns:mc="http://schemas.openxmlformats.org/markup-compatibility/2006" xmlns:a14="http://schemas.microsoft.com/office/drawing/2010/main">
+          <mc:Choice Requires="a14">
             <p:sp>
               <p:nvSpPr>
                 <p:cNvPr id="146" name="円/楕円 145">
@@ -27431,7 +27431,7 @@
               </p:txBody>
             </p:sp>
           </mc:Choice>
-          <mc:Fallback>
+          <mc:Fallback xmlns="">
             <p:sp>
               <p:nvSpPr>
                 <p:cNvPr id="146" name="円/楕円 145">
@@ -27476,8 +27476,8 @@
             </p:sp>
           </mc:Fallback>
         </mc:AlternateContent>
-        <mc:AlternateContent xmlns:mc="http://schemas.openxmlformats.org/markup-compatibility/2006">
-          <mc:Choice xmlns:a14="http://schemas.microsoft.com/office/drawing/2010/main" Requires="a14">
+        <mc:AlternateContent xmlns:mc="http://schemas.openxmlformats.org/markup-compatibility/2006" xmlns:a14="http://schemas.microsoft.com/office/drawing/2010/main">
+          <mc:Choice Requires="a14">
             <p:sp>
               <p:nvSpPr>
                 <p:cNvPr id="157" name="正方形/長方形 156">
@@ -27561,7 +27561,7 @@
               </p:txBody>
             </p:sp>
           </mc:Choice>
-          <mc:Fallback>
+          <mc:Fallback xmlns="">
             <p:sp>
               <p:nvSpPr>
                 <p:cNvPr id="157" name="正方形/長方形 156">
@@ -28207,7 +28207,7 @@
                                 <a:latin typeface="Cambria Math" panose="02040503050406030204" pitchFamily="18" charset="0"/>
                                 <a:ea typeface="Cambria Math" panose="02040503050406030204" pitchFamily="18" charset="0"/>
                               </a:rPr>
-                              <m:t>𝛿</m:t>
+                              <m:t>𝜎</m:t>
                             </m:r>
                           </m:e>
                           <m:sub>
@@ -28289,7 +28289,7 @@
                 <a:blipFill>
                   <a:blip r:embed="rId31"/>
                   <a:stretch>
-                    <a:fillRect l="-5000" b="-4167"/>
+                    <a:fillRect l="-2041" b="-8333"/>
                   </a:stretch>
                 </a:blipFill>
                 <a:ln>
@@ -28377,7 +28377,7 @@
                                 <a:latin typeface="Cambria Math" panose="02040503050406030204" pitchFamily="18" charset="0"/>
                                 <a:ea typeface="Cambria Math" panose="02040503050406030204" pitchFamily="18" charset="0"/>
                               </a:rPr>
-                              <m:t>𝛿</m:t>
+                              <m:t>𝜎</m:t>
                             </m:r>
                           </m:e>
                           <m:sub>
@@ -28472,7 +28472,7 @@
                 <a:blipFill>
                   <a:blip r:embed="rId32"/>
                   <a:stretch>
-                    <a:fillRect b="-6383"/>
+                    <a:fillRect b="-4167"/>
                   </a:stretch>
                 </a:blipFill>
                 <a:ln>
@@ -28494,8 +28494,8 @@
             </p:sp>
           </mc:Fallback>
         </mc:AlternateContent>
-        <mc:AlternateContent xmlns:mc="http://schemas.openxmlformats.org/markup-compatibility/2006">
-          <mc:Choice xmlns:a14="http://schemas.microsoft.com/office/drawing/2010/main" Requires="a14">
+        <mc:AlternateContent xmlns:mc="http://schemas.openxmlformats.org/markup-compatibility/2006" xmlns:a14="http://schemas.microsoft.com/office/drawing/2010/main">
+          <mc:Choice Requires="a14">
             <p:sp>
               <p:nvSpPr>
                 <p:cNvPr id="461" name="円/楕円 460">
@@ -28558,7 +28558,7 @@
               </p:txBody>
             </p:sp>
           </mc:Choice>
-          <mc:Fallback>
+          <mc:Fallback xmlns="">
             <p:sp>
               <p:nvSpPr>
                 <p:cNvPr id="461" name="円/楕円 460">
@@ -28603,8 +28603,8 @@
             </p:sp>
           </mc:Fallback>
         </mc:AlternateContent>
-        <mc:AlternateContent xmlns:mc="http://schemas.openxmlformats.org/markup-compatibility/2006">
-          <mc:Choice xmlns:a14="http://schemas.microsoft.com/office/drawing/2010/main" Requires="a14">
+        <mc:AlternateContent xmlns:mc="http://schemas.openxmlformats.org/markup-compatibility/2006" xmlns:a14="http://schemas.microsoft.com/office/drawing/2010/main">
+          <mc:Choice Requires="a14">
             <p:sp>
               <p:nvSpPr>
                 <p:cNvPr id="462" name="円/楕円 461">
@@ -28667,7 +28667,7 @@
               </p:txBody>
             </p:sp>
           </mc:Choice>
-          <mc:Fallback>
+          <mc:Fallback xmlns="">
             <p:sp>
               <p:nvSpPr>
                 <p:cNvPr id="462" name="円/楕円 461">
@@ -28712,8 +28712,8 @@
             </p:sp>
           </mc:Fallback>
         </mc:AlternateContent>
-        <mc:AlternateContent xmlns:mc="http://schemas.openxmlformats.org/markup-compatibility/2006">
-          <mc:Choice xmlns:a14="http://schemas.microsoft.com/office/drawing/2010/main" Requires="a14">
+        <mc:AlternateContent xmlns:mc="http://schemas.openxmlformats.org/markup-compatibility/2006" xmlns:a14="http://schemas.microsoft.com/office/drawing/2010/main">
+          <mc:Choice Requires="a14">
             <p:sp>
               <p:nvSpPr>
                 <p:cNvPr id="463" name="円/楕円 462">
@@ -28786,7 +28786,7 @@
               </p:txBody>
             </p:sp>
           </mc:Choice>
-          <mc:Fallback>
+          <mc:Fallback xmlns="">
             <p:sp>
               <p:nvSpPr>
                 <p:cNvPr id="463" name="円/楕円 462">
@@ -28831,8 +28831,8 @@
             </p:sp>
           </mc:Fallback>
         </mc:AlternateContent>
-        <mc:AlternateContent xmlns:mc="http://schemas.openxmlformats.org/markup-compatibility/2006">
-          <mc:Choice xmlns:a14="http://schemas.microsoft.com/office/drawing/2010/main" Requires="a14">
+        <mc:AlternateContent xmlns:mc="http://schemas.openxmlformats.org/markup-compatibility/2006" xmlns:a14="http://schemas.microsoft.com/office/drawing/2010/main">
+          <mc:Choice Requires="a14">
             <p:sp>
               <p:nvSpPr>
                 <p:cNvPr id="464" name="円/楕円 463">
@@ -28895,7 +28895,7 @@
               </p:txBody>
             </p:sp>
           </mc:Choice>
-          <mc:Fallback>
+          <mc:Fallback xmlns="">
             <p:sp>
               <p:nvSpPr>
                 <p:cNvPr id="464" name="円/楕円 463">
@@ -28940,8 +28940,8 @@
             </p:sp>
           </mc:Fallback>
         </mc:AlternateContent>
-        <mc:AlternateContent xmlns:mc="http://schemas.openxmlformats.org/markup-compatibility/2006">
-          <mc:Choice xmlns:a14="http://schemas.microsoft.com/office/drawing/2010/main" Requires="a14">
+        <mc:AlternateContent xmlns:mc="http://schemas.openxmlformats.org/markup-compatibility/2006" xmlns:a14="http://schemas.microsoft.com/office/drawing/2010/main">
+          <mc:Choice Requires="a14">
             <p:sp>
               <p:nvSpPr>
                 <p:cNvPr id="465" name="円/楕円 464">
@@ -29004,7 +29004,7 @@
               </p:txBody>
             </p:sp>
           </mc:Choice>
-          <mc:Fallback>
+          <mc:Fallback xmlns="">
             <p:sp>
               <p:nvSpPr>
                 <p:cNvPr id="465" name="円/楕円 464">
@@ -29049,8 +29049,8 @@
             </p:sp>
           </mc:Fallback>
         </mc:AlternateContent>
-        <mc:AlternateContent xmlns:mc="http://schemas.openxmlformats.org/markup-compatibility/2006">
-          <mc:Choice xmlns:a14="http://schemas.microsoft.com/office/drawing/2010/main" Requires="a14">
+        <mc:AlternateContent xmlns:mc="http://schemas.openxmlformats.org/markup-compatibility/2006" xmlns:a14="http://schemas.microsoft.com/office/drawing/2010/main">
+          <mc:Choice Requires="a14">
             <p:sp>
               <p:nvSpPr>
                 <p:cNvPr id="466" name="円/楕円 465">
@@ -29113,7 +29113,7 @@
               </p:txBody>
             </p:sp>
           </mc:Choice>
-          <mc:Fallback>
+          <mc:Fallback xmlns="">
             <p:sp>
               <p:nvSpPr>
                 <p:cNvPr id="466" name="円/楕円 465">
@@ -29158,8 +29158,8 @@
             </p:sp>
           </mc:Fallback>
         </mc:AlternateContent>
-        <mc:AlternateContent xmlns:mc="http://schemas.openxmlformats.org/markup-compatibility/2006">
-          <mc:Choice xmlns:a14="http://schemas.microsoft.com/office/drawing/2010/main" Requires="a14">
+        <mc:AlternateContent xmlns:mc="http://schemas.openxmlformats.org/markup-compatibility/2006" xmlns:a14="http://schemas.microsoft.com/office/drawing/2010/main">
+          <mc:Choice Requires="a14">
             <p:sp>
               <p:nvSpPr>
                 <p:cNvPr id="467" name="円/楕円 466">
@@ -29222,7 +29222,7 @@
               </p:txBody>
             </p:sp>
           </mc:Choice>
-          <mc:Fallback>
+          <mc:Fallback xmlns="">
             <p:sp>
               <p:nvSpPr>
                 <p:cNvPr id="467" name="円/楕円 466">
@@ -29267,8 +29267,8 @@
             </p:sp>
           </mc:Fallback>
         </mc:AlternateContent>
-        <mc:AlternateContent xmlns:mc="http://schemas.openxmlformats.org/markup-compatibility/2006">
-          <mc:Choice xmlns:a14="http://schemas.microsoft.com/office/drawing/2010/main" Requires="a14">
+        <mc:AlternateContent xmlns:mc="http://schemas.openxmlformats.org/markup-compatibility/2006" xmlns:a14="http://schemas.microsoft.com/office/drawing/2010/main">
+          <mc:Choice Requires="a14">
             <p:sp>
               <p:nvSpPr>
                 <p:cNvPr id="468" name="円/楕円 467">
@@ -29331,7 +29331,7 @@
               </p:txBody>
             </p:sp>
           </mc:Choice>
-          <mc:Fallback>
+          <mc:Fallback xmlns="">
             <p:sp>
               <p:nvSpPr>
                 <p:cNvPr id="468" name="円/楕円 467">
@@ -29376,8 +29376,8 @@
             </p:sp>
           </mc:Fallback>
         </mc:AlternateContent>
-        <mc:AlternateContent xmlns:mc="http://schemas.openxmlformats.org/markup-compatibility/2006">
-          <mc:Choice xmlns:a14="http://schemas.microsoft.com/office/drawing/2010/main" Requires="a14">
+        <mc:AlternateContent xmlns:mc="http://schemas.openxmlformats.org/markup-compatibility/2006" xmlns:a14="http://schemas.microsoft.com/office/drawing/2010/main">
+          <mc:Choice Requires="a14">
             <p:sp>
               <p:nvSpPr>
                 <p:cNvPr id="469" name="円/楕円 468">
@@ -29440,7 +29440,7 @@
               </p:txBody>
             </p:sp>
           </mc:Choice>
-          <mc:Fallback>
+          <mc:Fallback xmlns="">
             <p:sp>
               <p:nvSpPr>
                 <p:cNvPr id="469" name="円/楕円 468">
@@ -29485,8 +29485,8 @@
             </p:sp>
           </mc:Fallback>
         </mc:AlternateContent>
-        <mc:AlternateContent xmlns:mc="http://schemas.openxmlformats.org/markup-compatibility/2006">
-          <mc:Choice xmlns:a14="http://schemas.microsoft.com/office/drawing/2010/main" Requires="a14">
+        <mc:AlternateContent xmlns:mc="http://schemas.openxmlformats.org/markup-compatibility/2006" xmlns:a14="http://schemas.microsoft.com/office/drawing/2010/main">
+          <mc:Choice Requires="a14">
             <p:sp>
               <p:nvSpPr>
                 <p:cNvPr id="470" name="円/楕円 469">
@@ -29549,7 +29549,7 @@
               </p:txBody>
             </p:sp>
           </mc:Choice>
-          <mc:Fallback>
+          <mc:Fallback xmlns="">
             <p:sp>
               <p:nvSpPr>
                 <p:cNvPr id="470" name="円/楕円 469">
@@ -29594,8 +29594,8 @@
             </p:sp>
           </mc:Fallback>
         </mc:AlternateContent>
-        <mc:AlternateContent xmlns:mc="http://schemas.openxmlformats.org/markup-compatibility/2006">
-          <mc:Choice xmlns:a14="http://schemas.microsoft.com/office/drawing/2010/main" Requires="a14">
+        <mc:AlternateContent xmlns:mc="http://schemas.openxmlformats.org/markup-compatibility/2006" xmlns:a14="http://schemas.microsoft.com/office/drawing/2010/main">
+          <mc:Choice Requires="a14">
             <p:sp>
               <p:nvSpPr>
                 <p:cNvPr id="471" name="円/楕円 470">
@@ -29658,7 +29658,7 @@
               </p:txBody>
             </p:sp>
           </mc:Choice>
-          <mc:Fallback>
+          <mc:Fallback xmlns="">
             <p:sp>
               <p:nvSpPr>
                 <p:cNvPr id="471" name="円/楕円 470">
@@ -29703,8 +29703,8 @@
             </p:sp>
           </mc:Fallback>
         </mc:AlternateContent>
-        <mc:AlternateContent xmlns:mc="http://schemas.openxmlformats.org/markup-compatibility/2006">
-          <mc:Choice xmlns:a14="http://schemas.microsoft.com/office/drawing/2010/main" Requires="a14">
+        <mc:AlternateContent xmlns:mc="http://schemas.openxmlformats.org/markup-compatibility/2006" xmlns:a14="http://schemas.microsoft.com/office/drawing/2010/main">
+          <mc:Choice Requires="a14">
             <p:sp>
               <p:nvSpPr>
                 <p:cNvPr id="472" name="円/楕円 471">
@@ -29767,7 +29767,7 @@
               </p:txBody>
             </p:sp>
           </mc:Choice>
-          <mc:Fallback>
+          <mc:Fallback xmlns="">
             <p:sp>
               <p:nvSpPr>
                 <p:cNvPr id="472" name="円/楕円 471">
@@ -29812,8 +29812,8 @@
             </p:sp>
           </mc:Fallback>
         </mc:AlternateContent>
-        <mc:AlternateContent xmlns:mc="http://schemas.openxmlformats.org/markup-compatibility/2006">
-          <mc:Choice xmlns:a14="http://schemas.microsoft.com/office/drawing/2010/main" Requires="a14">
+        <mc:AlternateContent xmlns:mc="http://schemas.openxmlformats.org/markup-compatibility/2006" xmlns:a14="http://schemas.microsoft.com/office/drawing/2010/main">
+          <mc:Choice Requires="a14">
             <p:sp>
               <p:nvSpPr>
                 <p:cNvPr id="473" name="円/楕円 472">
@@ -29876,7 +29876,7 @@
               </p:txBody>
             </p:sp>
           </mc:Choice>
-          <mc:Fallback>
+          <mc:Fallback xmlns="">
             <p:sp>
               <p:nvSpPr>
                 <p:cNvPr id="473" name="円/楕円 472">
@@ -29921,8 +29921,8 @@
             </p:sp>
           </mc:Fallback>
         </mc:AlternateContent>
-        <mc:AlternateContent xmlns:mc="http://schemas.openxmlformats.org/markup-compatibility/2006">
-          <mc:Choice xmlns:a14="http://schemas.microsoft.com/office/drawing/2010/main" Requires="a14">
+        <mc:AlternateContent xmlns:mc="http://schemas.openxmlformats.org/markup-compatibility/2006" xmlns:a14="http://schemas.microsoft.com/office/drawing/2010/main">
+          <mc:Choice Requires="a14">
             <p:sp>
               <p:nvSpPr>
                 <p:cNvPr id="474" name="円/楕円 473">
@@ -29985,7 +29985,7 @@
               </p:txBody>
             </p:sp>
           </mc:Choice>
-          <mc:Fallback>
+          <mc:Fallback xmlns="">
             <p:sp>
               <p:nvSpPr>
                 <p:cNvPr id="474" name="円/楕円 473">
@@ -30030,8 +30030,8 @@
             </p:sp>
           </mc:Fallback>
         </mc:AlternateContent>
-        <mc:AlternateContent xmlns:mc="http://schemas.openxmlformats.org/markup-compatibility/2006">
-          <mc:Choice xmlns:a14="http://schemas.microsoft.com/office/drawing/2010/main" Requires="a14">
+        <mc:AlternateContent xmlns:mc="http://schemas.openxmlformats.org/markup-compatibility/2006" xmlns:a14="http://schemas.microsoft.com/office/drawing/2010/main">
+          <mc:Choice Requires="a14">
             <p:sp>
               <p:nvSpPr>
                 <p:cNvPr id="485" name="正方形/長方形 484">
@@ -30115,7 +30115,7 @@
               </p:txBody>
             </p:sp>
           </mc:Choice>
-          <mc:Fallback>
+          <mc:Fallback xmlns="">
             <p:sp>
               <p:nvSpPr>
                 <p:cNvPr id="485" name="正方形/長方形 484">
@@ -30516,7 +30516,7 @@
                                 <a:latin typeface="Cambria Math" panose="02040503050406030204" pitchFamily="18" charset="0"/>
                                 <a:ea typeface="Cambria Math" panose="02040503050406030204" pitchFamily="18" charset="0"/>
                               </a:rPr>
-                              <m:t>𝛿</m:t>
+                              <m:t>𝜎</m:t>
                             </m:r>
                           </m:e>
                           <m:sub>
@@ -30598,7 +30598,7 @@
                 <a:blipFill>
                   <a:blip r:embed="rId39"/>
                   <a:stretch>
-                    <a:fillRect l="-1852" b="-4167"/>
+                    <a:fillRect b="-8333"/>
                   </a:stretch>
                 </a:blipFill>
                 <a:ln>
@@ -30620,8 +30620,8 @@
             </p:sp>
           </mc:Fallback>
         </mc:AlternateContent>
-        <mc:AlternateContent xmlns:mc="http://schemas.openxmlformats.org/markup-compatibility/2006">
-          <mc:Choice xmlns:a14="http://schemas.microsoft.com/office/drawing/2010/main" Requires="a14">
+        <mc:AlternateContent xmlns:mc="http://schemas.openxmlformats.org/markup-compatibility/2006" xmlns:a14="http://schemas.microsoft.com/office/drawing/2010/main">
+          <mc:Choice Requires="a14">
             <p:sp>
               <p:nvSpPr>
                 <p:cNvPr id="513" name="円/楕円 512">
@@ -30684,7 +30684,7 @@
               </p:txBody>
             </p:sp>
           </mc:Choice>
-          <mc:Fallback>
+          <mc:Fallback xmlns="">
             <p:sp>
               <p:nvSpPr>
                 <p:cNvPr id="513" name="円/楕円 512">
@@ -30729,8 +30729,8 @@
             </p:sp>
           </mc:Fallback>
         </mc:AlternateContent>
-        <mc:AlternateContent xmlns:mc="http://schemas.openxmlformats.org/markup-compatibility/2006">
-          <mc:Choice xmlns:a14="http://schemas.microsoft.com/office/drawing/2010/main" Requires="a14">
+        <mc:AlternateContent xmlns:mc="http://schemas.openxmlformats.org/markup-compatibility/2006" xmlns:a14="http://schemas.microsoft.com/office/drawing/2010/main">
+          <mc:Choice Requires="a14">
             <p:sp>
               <p:nvSpPr>
                 <p:cNvPr id="514" name="円/楕円 513">
@@ -30793,7 +30793,7 @@
               </p:txBody>
             </p:sp>
           </mc:Choice>
-          <mc:Fallback>
+          <mc:Fallback xmlns="">
             <p:sp>
               <p:nvSpPr>
                 <p:cNvPr id="514" name="円/楕円 513">
@@ -30838,8 +30838,8 @@
             </p:sp>
           </mc:Fallback>
         </mc:AlternateContent>
-        <mc:AlternateContent xmlns:mc="http://schemas.openxmlformats.org/markup-compatibility/2006">
-          <mc:Choice xmlns:a14="http://schemas.microsoft.com/office/drawing/2010/main" Requires="a14">
+        <mc:AlternateContent xmlns:mc="http://schemas.openxmlformats.org/markup-compatibility/2006" xmlns:a14="http://schemas.microsoft.com/office/drawing/2010/main">
+          <mc:Choice Requires="a14">
             <p:sp>
               <p:nvSpPr>
                 <p:cNvPr id="515" name="円/楕円 514">
@@ -30902,7 +30902,7 @@
               </p:txBody>
             </p:sp>
           </mc:Choice>
-          <mc:Fallback>
+          <mc:Fallback xmlns="">
             <p:sp>
               <p:nvSpPr>
                 <p:cNvPr id="515" name="円/楕円 514">
@@ -30947,8 +30947,8 @@
             </p:sp>
           </mc:Fallback>
         </mc:AlternateContent>
-        <mc:AlternateContent xmlns:mc="http://schemas.openxmlformats.org/markup-compatibility/2006">
-          <mc:Choice xmlns:a14="http://schemas.microsoft.com/office/drawing/2010/main" Requires="a14">
+        <mc:AlternateContent xmlns:mc="http://schemas.openxmlformats.org/markup-compatibility/2006" xmlns:a14="http://schemas.microsoft.com/office/drawing/2010/main">
+          <mc:Choice Requires="a14">
             <p:sp>
               <p:nvSpPr>
                 <p:cNvPr id="516" name="円/楕円 515">
@@ -31011,7 +31011,7 @@
               </p:txBody>
             </p:sp>
           </mc:Choice>
-          <mc:Fallback>
+          <mc:Fallback xmlns="">
             <p:sp>
               <p:nvSpPr>
                 <p:cNvPr id="516" name="円/楕円 515">
@@ -31056,8 +31056,8 @@
             </p:sp>
           </mc:Fallback>
         </mc:AlternateContent>
-        <mc:AlternateContent xmlns:mc="http://schemas.openxmlformats.org/markup-compatibility/2006">
-          <mc:Choice xmlns:a14="http://schemas.microsoft.com/office/drawing/2010/main" Requires="a14">
+        <mc:AlternateContent xmlns:mc="http://schemas.openxmlformats.org/markup-compatibility/2006" xmlns:a14="http://schemas.microsoft.com/office/drawing/2010/main">
+          <mc:Choice Requires="a14">
             <p:sp>
               <p:nvSpPr>
                 <p:cNvPr id="517" name="円/楕円 516">
@@ -31120,7 +31120,7 @@
               </p:txBody>
             </p:sp>
           </mc:Choice>
-          <mc:Fallback>
+          <mc:Fallback xmlns="">
             <p:sp>
               <p:nvSpPr>
                 <p:cNvPr id="517" name="円/楕円 516">
@@ -31165,8 +31165,8 @@
             </p:sp>
           </mc:Fallback>
         </mc:AlternateContent>
-        <mc:AlternateContent xmlns:mc="http://schemas.openxmlformats.org/markup-compatibility/2006">
-          <mc:Choice xmlns:a14="http://schemas.microsoft.com/office/drawing/2010/main" Requires="a14">
+        <mc:AlternateContent xmlns:mc="http://schemas.openxmlformats.org/markup-compatibility/2006" xmlns:a14="http://schemas.microsoft.com/office/drawing/2010/main">
+          <mc:Choice Requires="a14">
             <p:sp>
               <p:nvSpPr>
                 <p:cNvPr id="518" name="円/楕円 517">
@@ -31239,7 +31239,7 @@
               </p:txBody>
             </p:sp>
           </mc:Choice>
-          <mc:Fallback>
+          <mc:Fallback xmlns="">
             <p:sp>
               <p:nvSpPr>
                 <p:cNvPr id="518" name="円/楕円 517">
@@ -31284,8 +31284,8 @@
             </p:sp>
           </mc:Fallback>
         </mc:AlternateContent>
-        <mc:AlternateContent xmlns:mc="http://schemas.openxmlformats.org/markup-compatibility/2006">
-          <mc:Choice xmlns:a14="http://schemas.microsoft.com/office/drawing/2010/main" Requires="a14">
+        <mc:AlternateContent xmlns:mc="http://schemas.openxmlformats.org/markup-compatibility/2006" xmlns:a14="http://schemas.microsoft.com/office/drawing/2010/main">
+          <mc:Choice Requires="a14">
             <p:sp>
               <p:nvSpPr>
                 <p:cNvPr id="519" name="円/楕円 518">
@@ -31348,7 +31348,7 @@
               </p:txBody>
             </p:sp>
           </mc:Choice>
-          <mc:Fallback>
+          <mc:Fallback xmlns="">
             <p:sp>
               <p:nvSpPr>
                 <p:cNvPr id="519" name="円/楕円 518">
@@ -31393,8 +31393,8 @@
             </p:sp>
           </mc:Fallback>
         </mc:AlternateContent>
-        <mc:AlternateContent xmlns:mc="http://schemas.openxmlformats.org/markup-compatibility/2006">
-          <mc:Choice xmlns:a14="http://schemas.microsoft.com/office/drawing/2010/main" Requires="a14">
+        <mc:AlternateContent xmlns:mc="http://schemas.openxmlformats.org/markup-compatibility/2006" xmlns:a14="http://schemas.microsoft.com/office/drawing/2010/main">
+          <mc:Choice Requires="a14">
             <p:sp>
               <p:nvSpPr>
                 <p:cNvPr id="520" name="円/楕円 519">
@@ -31457,7 +31457,7 @@
               </p:txBody>
             </p:sp>
           </mc:Choice>
-          <mc:Fallback>
+          <mc:Fallback xmlns="">
             <p:sp>
               <p:nvSpPr>
                 <p:cNvPr id="520" name="円/楕円 519">
@@ -31502,8 +31502,8 @@
             </p:sp>
           </mc:Fallback>
         </mc:AlternateContent>
-        <mc:AlternateContent xmlns:mc="http://schemas.openxmlformats.org/markup-compatibility/2006">
-          <mc:Choice xmlns:a14="http://schemas.microsoft.com/office/drawing/2010/main" Requires="a14">
+        <mc:AlternateContent xmlns:mc="http://schemas.openxmlformats.org/markup-compatibility/2006" xmlns:a14="http://schemas.microsoft.com/office/drawing/2010/main">
+          <mc:Choice Requires="a14">
             <p:sp>
               <p:nvSpPr>
                 <p:cNvPr id="521" name="円/楕円 520">
@@ -31566,7 +31566,7 @@
               </p:txBody>
             </p:sp>
           </mc:Choice>
-          <mc:Fallback>
+          <mc:Fallback xmlns="">
             <p:sp>
               <p:nvSpPr>
                 <p:cNvPr id="521" name="円/楕円 520">
@@ -31611,8 +31611,8 @@
             </p:sp>
           </mc:Fallback>
         </mc:AlternateContent>
-        <mc:AlternateContent xmlns:mc="http://schemas.openxmlformats.org/markup-compatibility/2006">
-          <mc:Choice xmlns:a14="http://schemas.microsoft.com/office/drawing/2010/main" Requires="a14">
+        <mc:AlternateContent xmlns:mc="http://schemas.openxmlformats.org/markup-compatibility/2006" xmlns:a14="http://schemas.microsoft.com/office/drawing/2010/main">
+          <mc:Choice Requires="a14">
             <p:sp>
               <p:nvSpPr>
                 <p:cNvPr id="522" name="円/楕円 521">
@@ -31675,7 +31675,7 @@
               </p:txBody>
             </p:sp>
           </mc:Choice>
-          <mc:Fallback>
+          <mc:Fallback xmlns="">
             <p:sp>
               <p:nvSpPr>
                 <p:cNvPr id="522" name="円/楕円 521">
@@ -31720,8 +31720,8 @@
             </p:sp>
           </mc:Fallback>
         </mc:AlternateContent>
-        <mc:AlternateContent xmlns:mc="http://schemas.openxmlformats.org/markup-compatibility/2006">
-          <mc:Choice xmlns:a14="http://schemas.microsoft.com/office/drawing/2010/main" Requires="a14">
+        <mc:AlternateContent xmlns:mc="http://schemas.openxmlformats.org/markup-compatibility/2006" xmlns:a14="http://schemas.microsoft.com/office/drawing/2010/main">
+          <mc:Choice Requires="a14">
             <p:sp>
               <p:nvSpPr>
                 <p:cNvPr id="523" name="円/楕円 522">
@@ -31784,7 +31784,7 @@
               </p:txBody>
             </p:sp>
           </mc:Choice>
-          <mc:Fallback>
+          <mc:Fallback xmlns="">
             <p:sp>
               <p:nvSpPr>
                 <p:cNvPr id="523" name="円/楕円 522">
@@ -31829,8 +31829,8 @@
             </p:sp>
           </mc:Fallback>
         </mc:AlternateContent>
-        <mc:AlternateContent xmlns:mc="http://schemas.openxmlformats.org/markup-compatibility/2006">
-          <mc:Choice xmlns:a14="http://schemas.microsoft.com/office/drawing/2010/main" Requires="a14">
+        <mc:AlternateContent xmlns:mc="http://schemas.openxmlformats.org/markup-compatibility/2006" xmlns:a14="http://schemas.microsoft.com/office/drawing/2010/main">
+          <mc:Choice Requires="a14">
             <p:sp>
               <p:nvSpPr>
                 <p:cNvPr id="524" name="円/楕円 523">
@@ -31893,7 +31893,7 @@
               </p:txBody>
             </p:sp>
           </mc:Choice>
-          <mc:Fallback>
+          <mc:Fallback xmlns="">
             <p:sp>
               <p:nvSpPr>
                 <p:cNvPr id="524" name="円/楕円 523">
@@ -31938,8 +31938,8 @@
             </p:sp>
           </mc:Fallback>
         </mc:AlternateContent>
-        <mc:AlternateContent xmlns:mc="http://schemas.openxmlformats.org/markup-compatibility/2006">
-          <mc:Choice xmlns:a14="http://schemas.microsoft.com/office/drawing/2010/main" Requires="a14">
+        <mc:AlternateContent xmlns:mc="http://schemas.openxmlformats.org/markup-compatibility/2006" xmlns:a14="http://schemas.microsoft.com/office/drawing/2010/main">
+          <mc:Choice Requires="a14">
             <p:sp>
               <p:nvSpPr>
                 <p:cNvPr id="525" name="円/楕円 524">
@@ -32002,7 +32002,7 @@
               </p:txBody>
             </p:sp>
           </mc:Choice>
-          <mc:Fallback>
+          <mc:Fallback xmlns="">
             <p:sp>
               <p:nvSpPr>
                 <p:cNvPr id="525" name="円/楕円 524">
@@ -32047,8 +32047,8 @@
             </p:sp>
           </mc:Fallback>
         </mc:AlternateContent>
-        <mc:AlternateContent xmlns:mc="http://schemas.openxmlformats.org/markup-compatibility/2006">
-          <mc:Choice xmlns:a14="http://schemas.microsoft.com/office/drawing/2010/main" Requires="a14">
+        <mc:AlternateContent xmlns:mc="http://schemas.openxmlformats.org/markup-compatibility/2006" xmlns:a14="http://schemas.microsoft.com/office/drawing/2010/main">
+          <mc:Choice Requires="a14">
             <p:sp>
               <p:nvSpPr>
                 <p:cNvPr id="526" name="円/楕円 525">
@@ -32111,7 +32111,7 @@
               </p:txBody>
             </p:sp>
           </mc:Choice>
-          <mc:Fallback>
+          <mc:Fallback xmlns="">
             <p:sp>
               <p:nvSpPr>
                 <p:cNvPr id="526" name="円/楕円 525">
@@ -32156,8 +32156,8 @@
             </p:sp>
           </mc:Fallback>
         </mc:AlternateContent>
-        <mc:AlternateContent xmlns:mc="http://schemas.openxmlformats.org/markup-compatibility/2006">
-          <mc:Choice xmlns:a14="http://schemas.microsoft.com/office/drawing/2010/main" Requires="a14">
+        <mc:AlternateContent xmlns:mc="http://schemas.openxmlformats.org/markup-compatibility/2006" xmlns:a14="http://schemas.microsoft.com/office/drawing/2010/main">
+          <mc:Choice Requires="a14">
             <p:sp>
               <p:nvSpPr>
                 <p:cNvPr id="537" name="正方形/長方形 536">
@@ -32241,7 +32241,7 @@
               </p:txBody>
             </p:sp>
           </mc:Choice>
-          <mc:Fallback>
+          <mc:Fallback xmlns="">
             <p:sp>
               <p:nvSpPr>
                 <p:cNvPr id="537" name="正方形/長方形 536">
@@ -32642,7 +32642,7 @@
                                 <a:latin typeface="Cambria Math" panose="02040503050406030204" pitchFamily="18" charset="0"/>
                                 <a:ea typeface="Cambria Math" panose="02040503050406030204" pitchFamily="18" charset="0"/>
                               </a:rPr>
-                              <m:t>𝛿</m:t>
+                              <m:t>𝜎</m:t>
                             </m:r>
                           </m:e>
                           <m:sub>
@@ -32650,7 +32650,7 @@
                               <a:rPr kumimoji="1" lang="en-US" altLang="ja-JP" sz="1400" b="0" i="1" smtClean="0">
                                 <a:latin typeface="Cambria Math" panose="02040503050406030204" pitchFamily="18" charset="0"/>
                               </a:rPr>
-                              <m:t>𝐵</m:t>
+                              <m:t>𝐴</m:t>
                             </m:r>
                           </m:sub>
                         </m:sSub>
@@ -32737,7 +32737,7 @@
                 <a:blipFill>
                   <a:blip r:embed="rId42"/>
                   <a:stretch>
-                    <a:fillRect b="-6383"/>
+                    <a:fillRect b="-4167"/>
                   </a:stretch>
                 </a:blipFill>
                 <a:ln>
@@ -32759,8 +32759,8 @@
             </p:sp>
           </mc:Fallback>
         </mc:AlternateContent>
-        <mc:AlternateContent xmlns:mc="http://schemas.openxmlformats.org/markup-compatibility/2006">
-          <mc:Choice xmlns:a14="http://schemas.microsoft.com/office/drawing/2010/main" Requires="a14">
+        <mc:AlternateContent xmlns:mc="http://schemas.openxmlformats.org/markup-compatibility/2006" xmlns:a14="http://schemas.microsoft.com/office/drawing/2010/main">
+          <mc:Choice Requires="a14">
             <p:sp>
               <p:nvSpPr>
                 <p:cNvPr id="569" name="円/楕円 568">
@@ -32823,7 +32823,7 @@
               </p:txBody>
             </p:sp>
           </mc:Choice>
-          <mc:Fallback>
+          <mc:Fallback xmlns="">
             <p:sp>
               <p:nvSpPr>
                 <p:cNvPr id="569" name="円/楕円 568">
@@ -32868,8 +32868,8 @@
             </p:sp>
           </mc:Fallback>
         </mc:AlternateContent>
-        <mc:AlternateContent xmlns:mc="http://schemas.openxmlformats.org/markup-compatibility/2006">
-          <mc:Choice xmlns:a14="http://schemas.microsoft.com/office/drawing/2010/main" Requires="a14">
+        <mc:AlternateContent xmlns:mc="http://schemas.openxmlformats.org/markup-compatibility/2006" xmlns:a14="http://schemas.microsoft.com/office/drawing/2010/main">
+          <mc:Choice Requires="a14">
             <p:sp>
               <p:nvSpPr>
                 <p:cNvPr id="570" name="円/楕円 569">
@@ -32932,7 +32932,7 @@
               </p:txBody>
             </p:sp>
           </mc:Choice>
-          <mc:Fallback>
+          <mc:Fallback xmlns="">
             <p:sp>
               <p:nvSpPr>
                 <p:cNvPr id="570" name="円/楕円 569">
@@ -32977,8 +32977,8 @@
             </p:sp>
           </mc:Fallback>
         </mc:AlternateContent>
-        <mc:AlternateContent xmlns:mc="http://schemas.openxmlformats.org/markup-compatibility/2006">
-          <mc:Choice xmlns:a14="http://schemas.microsoft.com/office/drawing/2010/main" Requires="a14">
+        <mc:AlternateContent xmlns:mc="http://schemas.openxmlformats.org/markup-compatibility/2006" xmlns:a14="http://schemas.microsoft.com/office/drawing/2010/main">
+          <mc:Choice Requires="a14">
             <p:sp>
               <p:nvSpPr>
                 <p:cNvPr id="571" name="円/楕円 570">
@@ -33041,7 +33041,7 @@
               </p:txBody>
             </p:sp>
           </mc:Choice>
-          <mc:Fallback>
+          <mc:Fallback xmlns="">
             <p:sp>
               <p:nvSpPr>
                 <p:cNvPr id="571" name="円/楕円 570">
@@ -33086,8 +33086,8 @@
             </p:sp>
           </mc:Fallback>
         </mc:AlternateContent>
-        <mc:AlternateContent xmlns:mc="http://schemas.openxmlformats.org/markup-compatibility/2006">
-          <mc:Choice xmlns:a14="http://schemas.microsoft.com/office/drawing/2010/main" Requires="a14">
+        <mc:AlternateContent xmlns:mc="http://schemas.openxmlformats.org/markup-compatibility/2006" xmlns:a14="http://schemas.microsoft.com/office/drawing/2010/main">
+          <mc:Choice Requires="a14">
             <p:sp>
               <p:nvSpPr>
                 <p:cNvPr id="572" name="円/楕円 571">
@@ -33150,7 +33150,7 @@
               </p:txBody>
             </p:sp>
           </mc:Choice>
-          <mc:Fallback>
+          <mc:Fallback xmlns="">
             <p:sp>
               <p:nvSpPr>
                 <p:cNvPr id="572" name="円/楕円 571">
@@ -33195,8 +33195,8 @@
             </p:sp>
           </mc:Fallback>
         </mc:AlternateContent>
-        <mc:AlternateContent xmlns:mc="http://schemas.openxmlformats.org/markup-compatibility/2006">
-          <mc:Choice xmlns:a14="http://schemas.microsoft.com/office/drawing/2010/main" Requires="a14">
+        <mc:AlternateContent xmlns:mc="http://schemas.openxmlformats.org/markup-compatibility/2006" xmlns:a14="http://schemas.microsoft.com/office/drawing/2010/main">
+          <mc:Choice Requires="a14">
             <p:sp>
               <p:nvSpPr>
                 <p:cNvPr id="573" name="円/楕円 572">
@@ -33259,7 +33259,7 @@
               </p:txBody>
             </p:sp>
           </mc:Choice>
-          <mc:Fallback>
+          <mc:Fallback xmlns="">
             <p:sp>
               <p:nvSpPr>
                 <p:cNvPr id="573" name="円/楕円 572">
@@ -33304,8 +33304,8 @@
             </p:sp>
           </mc:Fallback>
         </mc:AlternateContent>
-        <mc:AlternateContent xmlns:mc="http://schemas.openxmlformats.org/markup-compatibility/2006">
-          <mc:Choice xmlns:a14="http://schemas.microsoft.com/office/drawing/2010/main" Requires="a14">
+        <mc:AlternateContent xmlns:mc="http://schemas.openxmlformats.org/markup-compatibility/2006" xmlns:a14="http://schemas.microsoft.com/office/drawing/2010/main">
+          <mc:Choice Requires="a14">
             <p:sp>
               <p:nvSpPr>
                 <p:cNvPr id="574" name="円/楕円 573">
@@ -33368,7 +33368,7 @@
               </p:txBody>
             </p:sp>
           </mc:Choice>
-          <mc:Fallback>
+          <mc:Fallback xmlns="">
             <p:sp>
               <p:nvSpPr>
                 <p:cNvPr id="574" name="円/楕円 573">
@@ -33413,8 +33413,8 @@
             </p:sp>
           </mc:Fallback>
         </mc:AlternateContent>
-        <mc:AlternateContent xmlns:mc="http://schemas.openxmlformats.org/markup-compatibility/2006">
-          <mc:Choice xmlns:a14="http://schemas.microsoft.com/office/drawing/2010/main" Requires="a14">
+        <mc:AlternateContent xmlns:mc="http://schemas.openxmlformats.org/markup-compatibility/2006" xmlns:a14="http://schemas.microsoft.com/office/drawing/2010/main">
+          <mc:Choice Requires="a14">
             <p:sp>
               <p:nvSpPr>
                 <p:cNvPr id="575" name="円/楕円 574">
@@ -33477,7 +33477,7 @@
               </p:txBody>
             </p:sp>
           </mc:Choice>
-          <mc:Fallback>
+          <mc:Fallback xmlns="">
             <p:sp>
               <p:nvSpPr>
                 <p:cNvPr id="575" name="円/楕円 574">
@@ -33522,8 +33522,8 @@
             </p:sp>
           </mc:Fallback>
         </mc:AlternateContent>
-        <mc:AlternateContent xmlns:mc="http://schemas.openxmlformats.org/markup-compatibility/2006">
-          <mc:Choice xmlns:a14="http://schemas.microsoft.com/office/drawing/2010/main" Requires="a14">
+        <mc:AlternateContent xmlns:mc="http://schemas.openxmlformats.org/markup-compatibility/2006" xmlns:a14="http://schemas.microsoft.com/office/drawing/2010/main">
+          <mc:Choice Requires="a14">
             <p:sp>
               <p:nvSpPr>
                 <p:cNvPr id="576" name="円/楕円 575">
@@ -33586,7 +33586,7 @@
               </p:txBody>
             </p:sp>
           </mc:Choice>
-          <mc:Fallback>
+          <mc:Fallback xmlns="">
             <p:sp>
               <p:nvSpPr>
                 <p:cNvPr id="576" name="円/楕円 575">
@@ -33631,8 +33631,8 @@
             </p:sp>
           </mc:Fallback>
         </mc:AlternateContent>
-        <mc:AlternateContent xmlns:mc="http://schemas.openxmlformats.org/markup-compatibility/2006">
-          <mc:Choice xmlns:a14="http://schemas.microsoft.com/office/drawing/2010/main" Requires="a14">
+        <mc:AlternateContent xmlns:mc="http://schemas.openxmlformats.org/markup-compatibility/2006" xmlns:a14="http://schemas.microsoft.com/office/drawing/2010/main">
+          <mc:Choice Requires="a14">
             <p:sp>
               <p:nvSpPr>
                 <p:cNvPr id="577" name="円/楕円 576">
@@ -33695,7 +33695,7 @@
               </p:txBody>
             </p:sp>
           </mc:Choice>
-          <mc:Fallback>
+          <mc:Fallback xmlns="">
             <p:sp>
               <p:nvSpPr>
                 <p:cNvPr id="577" name="円/楕円 576">
@@ -33740,8 +33740,8 @@
             </p:sp>
           </mc:Fallback>
         </mc:AlternateContent>
-        <mc:AlternateContent xmlns:mc="http://schemas.openxmlformats.org/markup-compatibility/2006">
-          <mc:Choice xmlns:a14="http://schemas.microsoft.com/office/drawing/2010/main" Requires="a14">
+        <mc:AlternateContent xmlns:mc="http://schemas.openxmlformats.org/markup-compatibility/2006" xmlns:a14="http://schemas.microsoft.com/office/drawing/2010/main">
+          <mc:Choice Requires="a14">
             <p:sp>
               <p:nvSpPr>
                 <p:cNvPr id="578" name="円/楕円 577">
@@ -33804,7 +33804,7 @@
               </p:txBody>
             </p:sp>
           </mc:Choice>
-          <mc:Fallback>
+          <mc:Fallback xmlns="">
             <p:sp>
               <p:nvSpPr>
                 <p:cNvPr id="578" name="円/楕円 577">
@@ -33849,8 +33849,8 @@
             </p:sp>
           </mc:Fallback>
         </mc:AlternateContent>
-        <mc:AlternateContent xmlns:mc="http://schemas.openxmlformats.org/markup-compatibility/2006">
-          <mc:Choice xmlns:a14="http://schemas.microsoft.com/office/drawing/2010/main" Requires="a14">
+        <mc:AlternateContent xmlns:mc="http://schemas.openxmlformats.org/markup-compatibility/2006" xmlns:a14="http://schemas.microsoft.com/office/drawing/2010/main">
+          <mc:Choice Requires="a14">
             <p:sp>
               <p:nvSpPr>
                 <p:cNvPr id="579" name="円/楕円 578">
@@ -33913,7 +33913,7 @@
               </p:txBody>
             </p:sp>
           </mc:Choice>
-          <mc:Fallback>
+          <mc:Fallback xmlns="">
             <p:sp>
               <p:nvSpPr>
                 <p:cNvPr id="579" name="円/楕円 578">
@@ -33958,8 +33958,8 @@
             </p:sp>
           </mc:Fallback>
         </mc:AlternateContent>
-        <mc:AlternateContent xmlns:mc="http://schemas.openxmlformats.org/markup-compatibility/2006">
-          <mc:Choice xmlns:a14="http://schemas.microsoft.com/office/drawing/2010/main" Requires="a14">
+        <mc:AlternateContent xmlns:mc="http://schemas.openxmlformats.org/markup-compatibility/2006" xmlns:a14="http://schemas.microsoft.com/office/drawing/2010/main">
+          <mc:Choice Requires="a14">
             <p:sp>
               <p:nvSpPr>
                 <p:cNvPr id="580" name="円/楕円 579">
@@ -34022,7 +34022,7 @@
               </p:txBody>
             </p:sp>
           </mc:Choice>
-          <mc:Fallback>
+          <mc:Fallback xmlns="">
             <p:sp>
               <p:nvSpPr>
                 <p:cNvPr id="580" name="円/楕円 579">
@@ -34067,8 +34067,8 @@
             </p:sp>
           </mc:Fallback>
         </mc:AlternateContent>
-        <mc:AlternateContent xmlns:mc="http://schemas.openxmlformats.org/markup-compatibility/2006">
-          <mc:Choice xmlns:a14="http://schemas.microsoft.com/office/drawing/2010/main" Requires="a14">
+        <mc:AlternateContent xmlns:mc="http://schemas.openxmlformats.org/markup-compatibility/2006" xmlns:a14="http://schemas.microsoft.com/office/drawing/2010/main">
+          <mc:Choice Requires="a14">
             <p:sp>
               <p:nvSpPr>
                 <p:cNvPr id="581" name="円/楕円 580">
@@ -34131,7 +34131,7 @@
               </p:txBody>
             </p:sp>
           </mc:Choice>
-          <mc:Fallback>
+          <mc:Fallback xmlns="">
             <p:sp>
               <p:nvSpPr>
                 <p:cNvPr id="581" name="円/楕円 580">
@@ -34176,8 +34176,8 @@
             </p:sp>
           </mc:Fallback>
         </mc:AlternateContent>
-        <mc:AlternateContent xmlns:mc="http://schemas.openxmlformats.org/markup-compatibility/2006">
-          <mc:Choice xmlns:a14="http://schemas.microsoft.com/office/drawing/2010/main" Requires="a14">
+        <mc:AlternateContent xmlns:mc="http://schemas.openxmlformats.org/markup-compatibility/2006" xmlns:a14="http://schemas.microsoft.com/office/drawing/2010/main">
+          <mc:Choice Requires="a14">
             <p:sp>
               <p:nvSpPr>
                 <p:cNvPr id="582" name="円/楕円 581">
@@ -34240,7 +34240,7 @@
               </p:txBody>
             </p:sp>
           </mc:Choice>
-          <mc:Fallback>
+          <mc:Fallback xmlns="">
             <p:sp>
               <p:nvSpPr>
                 <p:cNvPr id="582" name="円/楕円 581">
@@ -34285,8 +34285,8 @@
             </p:sp>
           </mc:Fallback>
         </mc:AlternateContent>
-        <mc:AlternateContent xmlns:mc="http://schemas.openxmlformats.org/markup-compatibility/2006">
-          <mc:Choice xmlns:a14="http://schemas.microsoft.com/office/drawing/2010/main" Requires="a14">
+        <mc:AlternateContent xmlns:mc="http://schemas.openxmlformats.org/markup-compatibility/2006" xmlns:a14="http://schemas.microsoft.com/office/drawing/2010/main">
+          <mc:Choice Requires="a14">
             <p:sp>
               <p:nvSpPr>
                 <p:cNvPr id="583" name="正方形/長方形 582">
@@ -34370,7 +34370,7 @@
               </p:txBody>
             </p:sp>
           </mc:Choice>
-          <mc:Fallback>
+          <mc:Fallback xmlns="">
             <p:sp>
               <p:nvSpPr>
                 <p:cNvPr id="583" name="正方形/長方形 582">
@@ -34484,7 +34484,7 @@
                                 <a:latin typeface="Cambria Math" panose="02040503050406030204" pitchFamily="18" charset="0"/>
                                 <a:ea typeface="Cambria Math" panose="02040503050406030204" pitchFamily="18" charset="0"/>
                               </a:rPr>
-                              <m:t>𝛿</m:t>
+                              <m:t>𝜎</m:t>
                             </m:r>
                           </m:e>
                           <m:sub>
@@ -34492,7 +34492,7 @@
                               <a:rPr kumimoji="1" lang="en-US" altLang="ja-JP" sz="1400" b="0" i="1" smtClean="0">
                                 <a:latin typeface="Cambria Math" panose="02040503050406030204" pitchFamily="18" charset="0"/>
                               </a:rPr>
-                              <m:t>𝐵</m:t>
+                              <m:t>𝐴</m:t>
                             </m:r>
                           </m:sub>
                         </m:sSub>
@@ -34579,7 +34579,7 @@
                 <a:blipFill>
                   <a:blip r:embed="rId44"/>
                   <a:stretch>
-                    <a:fillRect b="-6383"/>
+                    <a:fillRect b="-4167"/>
                   </a:stretch>
                 </a:blipFill>
                 <a:ln>
@@ -34667,7 +34667,7 @@
                                 <a:latin typeface="Cambria Math" panose="02040503050406030204" pitchFamily="18" charset="0"/>
                                 <a:ea typeface="Cambria Math" panose="02040503050406030204" pitchFamily="18" charset="0"/>
                               </a:rPr>
-                              <m:t>𝛿</m:t>
+                              <m:t>𝜎</m:t>
                             </m:r>
                           </m:e>
                           <m:sub>
@@ -35014,8 +35014,8 @@
             </a:p>
           </p:txBody>
         </p:sp>
-        <mc:AlternateContent xmlns:mc="http://schemas.openxmlformats.org/markup-compatibility/2006">
-          <mc:Choice xmlns:a14="http://schemas.microsoft.com/office/drawing/2010/main" Requires="a14">
+        <mc:AlternateContent xmlns:mc="http://schemas.openxmlformats.org/markup-compatibility/2006" xmlns:a14="http://schemas.microsoft.com/office/drawing/2010/main">
+          <mc:Choice Requires="a14">
             <p:sp>
               <p:nvSpPr>
                 <p:cNvPr id="716" name="テキスト ボックス 715">
@@ -35069,7 +35069,7 @@
               </p:txBody>
             </p:sp>
           </mc:Choice>
-          <mc:Fallback>
+          <mc:Fallback xmlns="">
             <p:sp>
               <p:nvSpPr>
                 <p:cNvPr id="716" name="テキスト ボックス 715">
@@ -35114,8 +35114,8 @@
             </p:sp>
           </mc:Fallback>
         </mc:AlternateContent>
-        <mc:AlternateContent xmlns:mc="http://schemas.openxmlformats.org/markup-compatibility/2006">
-          <mc:Choice xmlns:a14="http://schemas.microsoft.com/office/drawing/2010/main" Requires="a14">
+        <mc:AlternateContent xmlns:mc="http://schemas.openxmlformats.org/markup-compatibility/2006" xmlns:a14="http://schemas.microsoft.com/office/drawing/2010/main">
+          <mc:Choice Requires="a14">
             <p:sp>
               <p:nvSpPr>
                 <p:cNvPr id="717" name="テキスト ボックス 716">
@@ -35169,7 +35169,7 @@
               </p:txBody>
             </p:sp>
           </mc:Choice>
-          <mc:Fallback>
+          <mc:Fallback xmlns="">
             <p:sp>
               <p:nvSpPr>
                 <p:cNvPr id="717" name="テキスト ボックス 716">
@@ -35345,8 +35345,8 @@
             </a:p>
           </p:txBody>
         </p:sp>
-        <mc:AlternateContent xmlns:mc="http://schemas.openxmlformats.org/markup-compatibility/2006">
-          <mc:Choice xmlns:a14="http://schemas.microsoft.com/office/drawing/2010/main" Requires="a14">
+        <mc:AlternateContent xmlns:mc="http://schemas.openxmlformats.org/markup-compatibility/2006" xmlns:a14="http://schemas.microsoft.com/office/drawing/2010/main">
+          <mc:Choice Requires="a14">
             <p:sp>
               <p:nvSpPr>
                 <p:cNvPr id="736" name="テキスト ボックス 735">
@@ -35400,7 +35400,7 @@
               </p:txBody>
             </p:sp>
           </mc:Choice>
-          <mc:Fallback>
+          <mc:Fallback xmlns="">
             <p:sp>
               <p:nvSpPr>
                 <p:cNvPr id="736" name="テキスト ボックス 735">
@@ -35445,8 +35445,8 @@
             </p:sp>
           </mc:Fallback>
         </mc:AlternateContent>
-        <mc:AlternateContent xmlns:mc="http://schemas.openxmlformats.org/markup-compatibility/2006">
-          <mc:Choice xmlns:a14="http://schemas.microsoft.com/office/drawing/2010/main" Requires="a14">
+        <mc:AlternateContent xmlns:mc="http://schemas.openxmlformats.org/markup-compatibility/2006" xmlns:a14="http://schemas.microsoft.com/office/drawing/2010/main">
+          <mc:Choice Requires="a14">
             <p:sp>
               <p:nvSpPr>
                 <p:cNvPr id="737" name="テキスト ボックス 736">
@@ -35500,7 +35500,7 @@
               </p:txBody>
             </p:sp>
           </mc:Choice>
-          <mc:Fallback>
+          <mc:Fallback xmlns="">
             <p:sp>
               <p:nvSpPr>
                 <p:cNvPr id="737" name="テキスト ボックス 736">
@@ -35545,8 +35545,8 @@
             </p:sp>
           </mc:Fallback>
         </mc:AlternateContent>
-        <mc:AlternateContent xmlns:mc="http://schemas.openxmlformats.org/markup-compatibility/2006">
-          <mc:Choice xmlns:a14="http://schemas.microsoft.com/office/drawing/2010/main" Requires="a14">
+        <mc:AlternateContent xmlns:mc="http://schemas.openxmlformats.org/markup-compatibility/2006" xmlns:a14="http://schemas.microsoft.com/office/drawing/2010/main">
+          <mc:Choice Requires="a14">
             <p:sp>
               <p:nvSpPr>
                 <p:cNvPr id="603" name="円/楕円 602">
@@ -35619,7 +35619,7 @@
               </p:txBody>
             </p:sp>
           </mc:Choice>
-          <mc:Fallback>
+          <mc:Fallback xmlns="">
             <p:sp>
               <p:nvSpPr>
                 <p:cNvPr id="603" name="円/楕円 602">
@@ -35664,8 +35664,8 @@
             </p:sp>
           </mc:Fallback>
         </mc:AlternateContent>
-        <mc:AlternateContent xmlns:mc="http://schemas.openxmlformats.org/markup-compatibility/2006">
-          <mc:Choice xmlns:a14="http://schemas.microsoft.com/office/drawing/2010/main" Requires="a14">
+        <mc:AlternateContent xmlns:mc="http://schemas.openxmlformats.org/markup-compatibility/2006" xmlns:a14="http://schemas.microsoft.com/office/drawing/2010/main">
+          <mc:Choice Requires="a14">
             <p:sp>
               <p:nvSpPr>
                 <p:cNvPr id="604" name="円/楕円 603">
@@ -35738,7 +35738,7 @@
               </p:txBody>
             </p:sp>
           </mc:Choice>
-          <mc:Fallback>
+          <mc:Fallback xmlns="">
             <p:sp>
               <p:nvSpPr>
                 <p:cNvPr id="604" name="円/楕円 603">
@@ -35783,8 +35783,8 @@
             </p:sp>
           </mc:Fallback>
         </mc:AlternateContent>
-        <mc:AlternateContent xmlns:mc="http://schemas.openxmlformats.org/markup-compatibility/2006">
-          <mc:Choice xmlns:a14="http://schemas.microsoft.com/office/drawing/2010/main" Requires="a14">
+        <mc:AlternateContent xmlns:mc="http://schemas.openxmlformats.org/markup-compatibility/2006" xmlns:a14="http://schemas.microsoft.com/office/drawing/2010/main">
+          <mc:Choice Requires="a14">
             <p:sp>
               <p:nvSpPr>
                 <p:cNvPr id="605" name="円/楕円 604">
@@ -35857,7 +35857,7 @@
               </p:txBody>
             </p:sp>
           </mc:Choice>
-          <mc:Fallback>
+          <mc:Fallback xmlns="">
             <p:sp>
               <p:nvSpPr>
                 <p:cNvPr id="605" name="円/楕円 604">
@@ -35902,8 +35902,8 @@
             </p:sp>
           </mc:Fallback>
         </mc:AlternateContent>
-        <mc:AlternateContent xmlns:mc="http://schemas.openxmlformats.org/markup-compatibility/2006">
-          <mc:Choice xmlns:a14="http://schemas.microsoft.com/office/drawing/2010/main" Requires="a14">
+        <mc:AlternateContent xmlns:mc="http://schemas.openxmlformats.org/markup-compatibility/2006" xmlns:a14="http://schemas.microsoft.com/office/drawing/2010/main">
+          <mc:Choice Requires="a14">
             <p:sp>
               <p:nvSpPr>
                 <p:cNvPr id="606" name="円/楕円 605">
@@ -35976,7 +35976,7 @@
               </p:txBody>
             </p:sp>
           </mc:Choice>
-          <mc:Fallback>
+          <mc:Fallback xmlns="">
             <p:sp>
               <p:nvSpPr>
                 <p:cNvPr id="606" name="円/楕円 605">
@@ -36021,8 +36021,8 @@
             </p:sp>
           </mc:Fallback>
         </mc:AlternateContent>
-        <mc:AlternateContent xmlns:mc="http://schemas.openxmlformats.org/markup-compatibility/2006">
-          <mc:Choice xmlns:a14="http://schemas.microsoft.com/office/drawing/2010/main" Requires="a14">
+        <mc:AlternateContent xmlns:mc="http://schemas.openxmlformats.org/markup-compatibility/2006" xmlns:a14="http://schemas.microsoft.com/office/drawing/2010/main">
+          <mc:Choice Requires="a14">
             <p:sp>
               <p:nvSpPr>
                 <p:cNvPr id="607" name="円/楕円 606">
@@ -36085,7 +36085,7 @@
               </p:txBody>
             </p:sp>
           </mc:Choice>
-          <mc:Fallback>
+          <mc:Fallback xmlns="">
             <p:sp>
               <p:nvSpPr>
                 <p:cNvPr id="607" name="円/楕円 606">
@@ -36130,8 +36130,8 @@
             </p:sp>
           </mc:Fallback>
         </mc:AlternateContent>
-        <mc:AlternateContent xmlns:mc="http://schemas.openxmlformats.org/markup-compatibility/2006">
-          <mc:Choice xmlns:a14="http://schemas.microsoft.com/office/drawing/2010/main" Requires="a14">
+        <mc:AlternateContent xmlns:mc="http://schemas.openxmlformats.org/markup-compatibility/2006" xmlns:a14="http://schemas.microsoft.com/office/drawing/2010/main">
+          <mc:Choice Requires="a14">
             <p:sp>
               <p:nvSpPr>
                 <p:cNvPr id="608" name="円/楕円 607">
@@ -36204,7 +36204,7 @@
               </p:txBody>
             </p:sp>
           </mc:Choice>
-          <mc:Fallback>
+          <mc:Fallback xmlns="">
             <p:sp>
               <p:nvSpPr>
                 <p:cNvPr id="608" name="円/楕円 607">
@@ -36249,8 +36249,8 @@
             </p:sp>
           </mc:Fallback>
         </mc:AlternateContent>
-        <mc:AlternateContent xmlns:mc="http://schemas.openxmlformats.org/markup-compatibility/2006">
-          <mc:Choice xmlns:a14="http://schemas.microsoft.com/office/drawing/2010/main" Requires="a14">
+        <mc:AlternateContent xmlns:mc="http://schemas.openxmlformats.org/markup-compatibility/2006" xmlns:a14="http://schemas.microsoft.com/office/drawing/2010/main">
+          <mc:Choice Requires="a14">
             <p:sp>
               <p:nvSpPr>
                 <p:cNvPr id="609" name="円/楕円 608">
@@ -36313,7 +36313,7 @@
               </p:txBody>
             </p:sp>
           </mc:Choice>
-          <mc:Fallback>
+          <mc:Fallback xmlns="">
             <p:sp>
               <p:nvSpPr>
                 <p:cNvPr id="609" name="円/楕円 608">
@@ -36358,8 +36358,8 @@
             </p:sp>
           </mc:Fallback>
         </mc:AlternateContent>
-        <mc:AlternateContent xmlns:mc="http://schemas.openxmlformats.org/markup-compatibility/2006">
-          <mc:Choice xmlns:a14="http://schemas.microsoft.com/office/drawing/2010/main" Requires="a14">
+        <mc:AlternateContent xmlns:mc="http://schemas.openxmlformats.org/markup-compatibility/2006" xmlns:a14="http://schemas.microsoft.com/office/drawing/2010/main">
+          <mc:Choice Requires="a14">
             <p:sp>
               <p:nvSpPr>
                 <p:cNvPr id="610" name="円/楕円 609">
@@ -36422,7 +36422,7 @@
               </p:txBody>
             </p:sp>
           </mc:Choice>
-          <mc:Fallback>
+          <mc:Fallback xmlns="">
             <p:sp>
               <p:nvSpPr>
                 <p:cNvPr id="610" name="円/楕円 609">
@@ -36467,8 +36467,8 @@
             </p:sp>
           </mc:Fallback>
         </mc:AlternateContent>
-        <mc:AlternateContent xmlns:mc="http://schemas.openxmlformats.org/markup-compatibility/2006">
-          <mc:Choice xmlns:a14="http://schemas.microsoft.com/office/drawing/2010/main" Requires="a14">
+        <mc:AlternateContent xmlns:mc="http://schemas.openxmlformats.org/markup-compatibility/2006" xmlns:a14="http://schemas.microsoft.com/office/drawing/2010/main">
+          <mc:Choice Requires="a14">
             <p:sp>
               <p:nvSpPr>
                 <p:cNvPr id="611" name="円/楕円 610">
@@ -36531,7 +36531,7 @@
               </p:txBody>
             </p:sp>
           </mc:Choice>
-          <mc:Fallback>
+          <mc:Fallback xmlns="">
             <p:sp>
               <p:nvSpPr>
                 <p:cNvPr id="611" name="円/楕円 610">
@@ -36576,8 +36576,8 @@
             </p:sp>
           </mc:Fallback>
         </mc:AlternateContent>
-        <mc:AlternateContent xmlns:mc="http://schemas.openxmlformats.org/markup-compatibility/2006">
-          <mc:Choice xmlns:a14="http://schemas.microsoft.com/office/drawing/2010/main" Requires="a14">
+        <mc:AlternateContent xmlns:mc="http://schemas.openxmlformats.org/markup-compatibility/2006" xmlns:a14="http://schemas.microsoft.com/office/drawing/2010/main">
+          <mc:Choice Requires="a14">
             <p:sp>
               <p:nvSpPr>
                 <p:cNvPr id="612" name="円/楕円 611">
@@ -36640,7 +36640,7 @@
               </p:txBody>
             </p:sp>
           </mc:Choice>
-          <mc:Fallback>
+          <mc:Fallback xmlns="">
             <p:sp>
               <p:nvSpPr>
                 <p:cNvPr id="612" name="円/楕円 611">
@@ -36685,8 +36685,8 @@
             </p:sp>
           </mc:Fallback>
         </mc:AlternateContent>
-        <mc:AlternateContent xmlns:mc="http://schemas.openxmlformats.org/markup-compatibility/2006">
-          <mc:Choice xmlns:a14="http://schemas.microsoft.com/office/drawing/2010/main" Requires="a14">
+        <mc:AlternateContent xmlns:mc="http://schemas.openxmlformats.org/markup-compatibility/2006" xmlns:a14="http://schemas.microsoft.com/office/drawing/2010/main">
+          <mc:Choice Requires="a14">
             <p:sp>
               <p:nvSpPr>
                 <p:cNvPr id="613" name="円/楕円 612">
@@ -36749,7 +36749,7 @@
               </p:txBody>
             </p:sp>
           </mc:Choice>
-          <mc:Fallback>
+          <mc:Fallback xmlns="">
             <p:sp>
               <p:nvSpPr>
                 <p:cNvPr id="613" name="円/楕円 612">
@@ -36794,8 +36794,8 @@
             </p:sp>
           </mc:Fallback>
         </mc:AlternateContent>
-        <mc:AlternateContent xmlns:mc="http://schemas.openxmlformats.org/markup-compatibility/2006">
-          <mc:Choice xmlns:a14="http://schemas.microsoft.com/office/drawing/2010/main" Requires="a14">
+        <mc:AlternateContent xmlns:mc="http://schemas.openxmlformats.org/markup-compatibility/2006" xmlns:a14="http://schemas.microsoft.com/office/drawing/2010/main">
+          <mc:Choice Requires="a14">
             <p:sp>
               <p:nvSpPr>
                 <p:cNvPr id="614" name="円/楕円 613">
@@ -36858,7 +36858,7 @@
               </p:txBody>
             </p:sp>
           </mc:Choice>
-          <mc:Fallback>
+          <mc:Fallback xmlns="">
             <p:sp>
               <p:nvSpPr>
                 <p:cNvPr id="614" name="円/楕円 613">
@@ -36903,8 +36903,8 @@
             </p:sp>
           </mc:Fallback>
         </mc:AlternateContent>
-        <mc:AlternateContent xmlns:mc="http://schemas.openxmlformats.org/markup-compatibility/2006">
-          <mc:Choice xmlns:a14="http://schemas.microsoft.com/office/drawing/2010/main" Requires="a14">
+        <mc:AlternateContent xmlns:mc="http://schemas.openxmlformats.org/markup-compatibility/2006" xmlns:a14="http://schemas.microsoft.com/office/drawing/2010/main">
+          <mc:Choice Requires="a14">
             <p:sp>
               <p:nvSpPr>
                 <p:cNvPr id="615" name="円/楕円 614">
@@ -36967,7 +36967,7 @@
               </p:txBody>
             </p:sp>
           </mc:Choice>
-          <mc:Fallback>
+          <mc:Fallback xmlns="">
             <p:sp>
               <p:nvSpPr>
                 <p:cNvPr id="615" name="円/楕円 614">
@@ -37012,8 +37012,8 @@
             </p:sp>
           </mc:Fallback>
         </mc:AlternateContent>
-        <mc:AlternateContent xmlns:mc="http://schemas.openxmlformats.org/markup-compatibility/2006">
-          <mc:Choice xmlns:a14="http://schemas.microsoft.com/office/drawing/2010/main" Requires="a14">
+        <mc:AlternateContent xmlns:mc="http://schemas.openxmlformats.org/markup-compatibility/2006" xmlns:a14="http://schemas.microsoft.com/office/drawing/2010/main">
+          <mc:Choice Requires="a14">
             <p:sp>
               <p:nvSpPr>
                 <p:cNvPr id="616" name="円/楕円 615">
@@ -37076,7 +37076,7 @@
               </p:txBody>
             </p:sp>
           </mc:Choice>
-          <mc:Fallback>
+          <mc:Fallback xmlns="">
             <p:sp>
               <p:nvSpPr>
                 <p:cNvPr id="616" name="円/楕円 615">
@@ -38444,8 +38444,8 @@
             </a:p>
           </p:txBody>
         </p:sp>
-        <mc:AlternateContent xmlns:mc="http://schemas.openxmlformats.org/markup-compatibility/2006">
-          <mc:Choice xmlns:a14="http://schemas.microsoft.com/office/drawing/2010/main" Requires="a14">
+        <mc:AlternateContent xmlns:mc="http://schemas.openxmlformats.org/markup-compatibility/2006" xmlns:a14="http://schemas.microsoft.com/office/drawing/2010/main">
+          <mc:Choice Requires="a14">
             <p:sp>
               <p:nvSpPr>
                 <p:cNvPr id="742" name="テキスト ボックス 741">
@@ -38496,7 +38496,7 @@
               </p:txBody>
             </p:sp>
           </mc:Choice>
-          <mc:Fallback>
+          <mc:Fallback xmlns="">
             <p:sp>
               <p:nvSpPr>
                 <p:cNvPr id="742" name="テキスト ボックス 741">
@@ -38541,8 +38541,8 @@
             </p:sp>
           </mc:Fallback>
         </mc:AlternateContent>
-        <mc:AlternateContent xmlns:mc="http://schemas.openxmlformats.org/markup-compatibility/2006">
-          <mc:Choice xmlns:a14="http://schemas.microsoft.com/office/drawing/2010/main" Requires="a14">
+        <mc:AlternateContent xmlns:mc="http://schemas.openxmlformats.org/markup-compatibility/2006" xmlns:a14="http://schemas.microsoft.com/office/drawing/2010/main">
+          <mc:Choice Requires="a14">
             <p:sp>
               <p:nvSpPr>
                 <p:cNvPr id="743" name="テキスト ボックス 742">
@@ -38614,7 +38614,7 @@
               </p:txBody>
             </p:sp>
           </mc:Choice>
-          <mc:Fallback>
+          <mc:Fallback xmlns="">
             <p:sp>
               <p:nvSpPr>
                 <p:cNvPr id="743" name="テキスト ボックス 742">
@@ -38659,8 +38659,8 @@
             </p:sp>
           </mc:Fallback>
         </mc:AlternateContent>
-        <mc:AlternateContent xmlns:mc="http://schemas.openxmlformats.org/markup-compatibility/2006">
-          <mc:Choice xmlns:a14="http://schemas.microsoft.com/office/drawing/2010/main" Requires="a14">
+        <mc:AlternateContent xmlns:mc="http://schemas.openxmlformats.org/markup-compatibility/2006" xmlns:a14="http://schemas.microsoft.com/office/drawing/2010/main">
+          <mc:Choice Requires="a14">
             <p:sp>
               <p:nvSpPr>
                 <p:cNvPr id="744" name="テキスト ボックス 743">
@@ -38711,7 +38711,7 @@
               </p:txBody>
             </p:sp>
           </mc:Choice>
-          <mc:Fallback>
+          <mc:Fallback xmlns="">
             <p:sp>
               <p:nvSpPr>
                 <p:cNvPr id="744" name="テキスト ボックス 743">
@@ -38756,8 +38756,8 @@
             </p:sp>
           </mc:Fallback>
         </mc:AlternateContent>
-        <mc:AlternateContent xmlns:mc="http://schemas.openxmlformats.org/markup-compatibility/2006">
-          <mc:Choice xmlns:a14="http://schemas.microsoft.com/office/drawing/2010/main" Requires="a14">
+        <mc:AlternateContent xmlns:mc="http://schemas.openxmlformats.org/markup-compatibility/2006" xmlns:a14="http://schemas.microsoft.com/office/drawing/2010/main">
+          <mc:Choice Requires="a14">
             <p:sp>
               <p:nvSpPr>
                 <p:cNvPr id="745" name="テキスト ボックス 744">
@@ -38829,7 +38829,7 @@
               </p:txBody>
             </p:sp>
           </mc:Choice>
-          <mc:Fallback>
+          <mc:Fallback xmlns="">
             <p:sp>
               <p:nvSpPr>
                 <p:cNvPr id="745" name="テキスト ボックス 744">
@@ -38874,8 +38874,8 @@
             </p:sp>
           </mc:Fallback>
         </mc:AlternateContent>
-        <mc:AlternateContent xmlns:mc="http://schemas.openxmlformats.org/markup-compatibility/2006">
-          <mc:Choice xmlns:a14="http://schemas.microsoft.com/office/drawing/2010/main" Requires="a14">
+        <mc:AlternateContent xmlns:mc="http://schemas.openxmlformats.org/markup-compatibility/2006" xmlns:a14="http://schemas.microsoft.com/office/drawing/2010/main">
+          <mc:Choice Requires="a14">
             <p:sp>
               <p:nvSpPr>
                 <p:cNvPr id="746" name="正方形/長方形 745">
@@ -39087,7 +39087,7 @@
               </p:txBody>
             </p:sp>
           </mc:Choice>
-          <mc:Fallback>
+          <mc:Fallback xmlns="">
             <p:sp>
               <p:nvSpPr>
                 <p:cNvPr id="746" name="正方形/長方形 745">
@@ -39291,8 +39291,8 @@
             </a:p>
           </p:txBody>
         </p:sp>
-        <mc:AlternateContent xmlns:mc="http://schemas.openxmlformats.org/markup-compatibility/2006">
-          <mc:Choice xmlns:a14="http://schemas.microsoft.com/office/drawing/2010/main" Requires="a14">
+        <mc:AlternateContent xmlns:mc="http://schemas.openxmlformats.org/markup-compatibility/2006" xmlns:a14="http://schemas.microsoft.com/office/drawing/2010/main">
+          <mc:Choice Requires="a14">
             <p:sp>
               <p:nvSpPr>
                 <p:cNvPr id="750" name="テキスト ボックス 749">
@@ -39346,7 +39346,7 @@
               </p:txBody>
             </p:sp>
           </mc:Choice>
-          <mc:Fallback>
+          <mc:Fallback xmlns="">
             <p:sp>
               <p:nvSpPr>
                 <p:cNvPr id="750" name="テキスト ボックス 749">
@@ -39391,8 +39391,8 @@
             </p:sp>
           </mc:Fallback>
         </mc:AlternateContent>
-        <mc:AlternateContent xmlns:mc="http://schemas.openxmlformats.org/markup-compatibility/2006">
-          <mc:Choice xmlns:a14="http://schemas.microsoft.com/office/drawing/2010/main" Requires="a14">
+        <mc:AlternateContent xmlns:mc="http://schemas.openxmlformats.org/markup-compatibility/2006" xmlns:a14="http://schemas.microsoft.com/office/drawing/2010/main">
+          <mc:Choice Requires="a14">
             <p:sp>
               <p:nvSpPr>
                 <p:cNvPr id="751" name="テキスト ボックス 750">
@@ -39446,7 +39446,7 @@
               </p:txBody>
             </p:sp>
           </mc:Choice>
-          <mc:Fallback>
+          <mc:Fallback xmlns="">
             <p:sp>
               <p:nvSpPr>
                 <p:cNvPr id="751" name="テキスト ボックス 750">
@@ -39491,8 +39491,8 @@
             </p:sp>
           </mc:Fallback>
         </mc:AlternateContent>
-        <mc:AlternateContent xmlns:mc="http://schemas.openxmlformats.org/markup-compatibility/2006">
-          <mc:Choice xmlns:a14="http://schemas.microsoft.com/office/drawing/2010/main" Requires="a14">
+        <mc:AlternateContent xmlns:mc="http://schemas.openxmlformats.org/markup-compatibility/2006" xmlns:a14="http://schemas.microsoft.com/office/drawing/2010/main">
+          <mc:Choice Requires="a14">
             <p:sp>
               <p:nvSpPr>
                 <p:cNvPr id="752" name="円/楕円 751">
@@ -39565,7 +39565,7 @@
               </p:txBody>
             </p:sp>
           </mc:Choice>
-          <mc:Fallback>
+          <mc:Fallback xmlns="">
             <p:sp>
               <p:nvSpPr>
                 <p:cNvPr id="752" name="円/楕円 751">
@@ -39610,8 +39610,8 @@
             </p:sp>
           </mc:Fallback>
         </mc:AlternateContent>
-        <mc:AlternateContent xmlns:mc="http://schemas.openxmlformats.org/markup-compatibility/2006">
-          <mc:Choice xmlns:a14="http://schemas.microsoft.com/office/drawing/2010/main" Requires="a14">
+        <mc:AlternateContent xmlns:mc="http://schemas.openxmlformats.org/markup-compatibility/2006" xmlns:a14="http://schemas.microsoft.com/office/drawing/2010/main">
+          <mc:Choice Requires="a14">
             <p:sp>
               <p:nvSpPr>
                 <p:cNvPr id="753" name="円/楕円 752">
@@ -39684,7 +39684,7 @@
               </p:txBody>
             </p:sp>
           </mc:Choice>
-          <mc:Fallback>
+          <mc:Fallback xmlns="">
             <p:sp>
               <p:nvSpPr>
                 <p:cNvPr id="753" name="円/楕円 752">
@@ -39729,8 +39729,8 @@
             </p:sp>
           </mc:Fallback>
         </mc:AlternateContent>
-        <mc:AlternateContent xmlns:mc="http://schemas.openxmlformats.org/markup-compatibility/2006">
-          <mc:Choice xmlns:a14="http://schemas.microsoft.com/office/drawing/2010/main" Requires="a14">
+        <mc:AlternateContent xmlns:mc="http://schemas.openxmlformats.org/markup-compatibility/2006" xmlns:a14="http://schemas.microsoft.com/office/drawing/2010/main">
+          <mc:Choice Requires="a14">
             <p:sp>
               <p:nvSpPr>
                 <p:cNvPr id="754" name="円/楕円 753">
@@ -39803,7 +39803,7 @@
               </p:txBody>
             </p:sp>
           </mc:Choice>
-          <mc:Fallback>
+          <mc:Fallback xmlns="">
             <p:sp>
               <p:nvSpPr>
                 <p:cNvPr id="754" name="円/楕円 753">
@@ -39848,8 +39848,8 @@
             </p:sp>
           </mc:Fallback>
         </mc:AlternateContent>
-        <mc:AlternateContent xmlns:mc="http://schemas.openxmlformats.org/markup-compatibility/2006">
-          <mc:Choice xmlns:a14="http://schemas.microsoft.com/office/drawing/2010/main" Requires="a14">
+        <mc:AlternateContent xmlns:mc="http://schemas.openxmlformats.org/markup-compatibility/2006" xmlns:a14="http://schemas.microsoft.com/office/drawing/2010/main">
+          <mc:Choice Requires="a14">
             <p:sp>
               <p:nvSpPr>
                 <p:cNvPr id="755" name="円/楕円 754">
@@ -39922,7 +39922,7 @@
               </p:txBody>
             </p:sp>
           </mc:Choice>
-          <mc:Fallback>
+          <mc:Fallback xmlns="">
             <p:sp>
               <p:nvSpPr>
                 <p:cNvPr id="755" name="円/楕円 754">
@@ -39967,8 +39967,8 @@
             </p:sp>
           </mc:Fallback>
         </mc:AlternateContent>
-        <mc:AlternateContent xmlns:mc="http://schemas.openxmlformats.org/markup-compatibility/2006">
-          <mc:Choice xmlns:a14="http://schemas.microsoft.com/office/drawing/2010/main" Requires="a14">
+        <mc:AlternateContent xmlns:mc="http://schemas.openxmlformats.org/markup-compatibility/2006" xmlns:a14="http://schemas.microsoft.com/office/drawing/2010/main">
+          <mc:Choice Requires="a14">
             <p:sp>
               <p:nvSpPr>
                 <p:cNvPr id="756" name="円/楕円 755">
@@ -40031,7 +40031,7 @@
               </p:txBody>
             </p:sp>
           </mc:Choice>
-          <mc:Fallback>
+          <mc:Fallback xmlns="">
             <p:sp>
               <p:nvSpPr>
                 <p:cNvPr id="756" name="円/楕円 755">
@@ -40076,8 +40076,8 @@
             </p:sp>
           </mc:Fallback>
         </mc:AlternateContent>
-        <mc:AlternateContent xmlns:mc="http://schemas.openxmlformats.org/markup-compatibility/2006">
-          <mc:Choice xmlns:a14="http://schemas.microsoft.com/office/drawing/2010/main" Requires="a14">
+        <mc:AlternateContent xmlns:mc="http://schemas.openxmlformats.org/markup-compatibility/2006" xmlns:a14="http://schemas.microsoft.com/office/drawing/2010/main">
+          <mc:Choice Requires="a14">
             <p:sp>
               <p:nvSpPr>
                 <p:cNvPr id="757" name="円/楕円 756">
@@ -40150,7 +40150,7 @@
               </p:txBody>
             </p:sp>
           </mc:Choice>
-          <mc:Fallback>
+          <mc:Fallback xmlns="">
             <p:sp>
               <p:nvSpPr>
                 <p:cNvPr id="757" name="円/楕円 756">
@@ -40195,8 +40195,8 @@
             </p:sp>
           </mc:Fallback>
         </mc:AlternateContent>
-        <mc:AlternateContent xmlns:mc="http://schemas.openxmlformats.org/markup-compatibility/2006">
-          <mc:Choice xmlns:a14="http://schemas.microsoft.com/office/drawing/2010/main" Requires="a14">
+        <mc:AlternateContent xmlns:mc="http://schemas.openxmlformats.org/markup-compatibility/2006" xmlns:a14="http://schemas.microsoft.com/office/drawing/2010/main">
+          <mc:Choice Requires="a14">
             <p:sp>
               <p:nvSpPr>
                 <p:cNvPr id="758" name="円/楕円 757">
@@ -40259,7 +40259,7 @@
               </p:txBody>
             </p:sp>
           </mc:Choice>
-          <mc:Fallback>
+          <mc:Fallback xmlns="">
             <p:sp>
               <p:nvSpPr>
                 <p:cNvPr id="758" name="円/楕円 757">
@@ -40304,8 +40304,8 @@
             </p:sp>
           </mc:Fallback>
         </mc:AlternateContent>
-        <mc:AlternateContent xmlns:mc="http://schemas.openxmlformats.org/markup-compatibility/2006">
-          <mc:Choice xmlns:a14="http://schemas.microsoft.com/office/drawing/2010/main" Requires="a14">
+        <mc:AlternateContent xmlns:mc="http://schemas.openxmlformats.org/markup-compatibility/2006" xmlns:a14="http://schemas.microsoft.com/office/drawing/2010/main">
+          <mc:Choice Requires="a14">
             <p:sp>
               <p:nvSpPr>
                 <p:cNvPr id="759" name="円/楕円 758">
@@ -40368,7 +40368,7 @@
               </p:txBody>
             </p:sp>
           </mc:Choice>
-          <mc:Fallback>
+          <mc:Fallback xmlns="">
             <p:sp>
               <p:nvSpPr>
                 <p:cNvPr id="759" name="円/楕円 758">
@@ -40413,8 +40413,8 @@
             </p:sp>
           </mc:Fallback>
         </mc:AlternateContent>
-        <mc:AlternateContent xmlns:mc="http://schemas.openxmlformats.org/markup-compatibility/2006">
-          <mc:Choice xmlns:a14="http://schemas.microsoft.com/office/drawing/2010/main" Requires="a14">
+        <mc:AlternateContent xmlns:mc="http://schemas.openxmlformats.org/markup-compatibility/2006" xmlns:a14="http://schemas.microsoft.com/office/drawing/2010/main">
+          <mc:Choice Requires="a14">
             <p:sp>
               <p:nvSpPr>
                 <p:cNvPr id="760" name="円/楕円 759">
@@ -40477,7 +40477,7 @@
               </p:txBody>
             </p:sp>
           </mc:Choice>
-          <mc:Fallback>
+          <mc:Fallback xmlns="">
             <p:sp>
               <p:nvSpPr>
                 <p:cNvPr id="760" name="円/楕円 759">
@@ -40522,8 +40522,8 @@
             </p:sp>
           </mc:Fallback>
         </mc:AlternateContent>
-        <mc:AlternateContent xmlns:mc="http://schemas.openxmlformats.org/markup-compatibility/2006">
-          <mc:Choice xmlns:a14="http://schemas.microsoft.com/office/drawing/2010/main" Requires="a14">
+        <mc:AlternateContent xmlns:mc="http://schemas.openxmlformats.org/markup-compatibility/2006" xmlns:a14="http://schemas.microsoft.com/office/drawing/2010/main">
+          <mc:Choice Requires="a14">
             <p:sp>
               <p:nvSpPr>
                 <p:cNvPr id="761" name="円/楕円 760">
@@ -40586,7 +40586,7 @@
               </p:txBody>
             </p:sp>
           </mc:Choice>
-          <mc:Fallback>
+          <mc:Fallback xmlns="">
             <p:sp>
               <p:nvSpPr>
                 <p:cNvPr id="761" name="円/楕円 760">
@@ -40631,8 +40631,8 @@
             </p:sp>
           </mc:Fallback>
         </mc:AlternateContent>
-        <mc:AlternateContent xmlns:mc="http://schemas.openxmlformats.org/markup-compatibility/2006">
-          <mc:Choice xmlns:a14="http://schemas.microsoft.com/office/drawing/2010/main" Requires="a14">
+        <mc:AlternateContent xmlns:mc="http://schemas.openxmlformats.org/markup-compatibility/2006" xmlns:a14="http://schemas.microsoft.com/office/drawing/2010/main">
+          <mc:Choice Requires="a14">
             <p:sp>
               <p:nvSpPr>
                 <p:cNvPr id="762" name="円/楕円 761">
@@ -40695,7 +40695,7 @@
               </p:txBody>
             </p:sp>
           </mc:Choice>
-          <mc:Fallback>
+          <mc:Fallback xmlns="">
             <p:sp>
               <p:nvSpPr>
                 <p:cNvPr id="762" name="円/楕円 761">
@@ -40740,8 +40740,8 @@
             </p:sp>
           </mc:Fallback>
         </mc:AlternateContent>
-        <mc:AlternateContent xmlns:mc="http://schemas.openxmlformats.org/markup-compatibility/2006">
-          <mc:Choice xmlns:a14="http://schemas.microsoft.com/office/drawing/2010/main" Requires="a14">
+        <mc:AlternateContent xmlns:mc="http://schemas.openxmlformats.org/markup-compatibility/2006" xmlns:a14="http://schemas.microsoft.com/office/drawing/2010/main">
+          <mc:Choice Requires="a14">
             <p:sp>
               <p:nvSpPr>
                 <p:cNvPr id="763" name="円/楕円 762">
@@ -40804,7 +40804,7 @@
               </p:txBody>
             </p:sp>
           </mc:Choice>
-          <mc:Fallback>
+          <mc:Fallback xmlns="">
             <p:sp>
               <p:nvSpPr>
                 <p:cNvPr id="763" name="円/楕円 762">
@@ -40849,8 +40849,8 @@
             </p:sp>
           </mc:Fallback>
         </mc:AlternateContent>
-        <mc:AlternateContent xmlns:mc="http://schemas.openxmlformats.org/markup-compatibility/2006">
-          <mc:Choice xmlns:a14="http://schemas.microsoft.com/office/drawing/2010/main" Requires="a14">
+        <mc:AlternateContent xmlns:mc="http://schemas.openxmlformats.org/markup-compatibility/2006" xmlns:a14="http://schemas.microsoft.com/office/drawing/2010/main">
+          <mc:Choice Requires="a14">
             <p:sp>
               <p:nvSpPr>
                 <p:cNvPr id="764" name="円/楕円 763">
@@ -40913,7 +40913,7 @@
               </p:txBody>
             </p:sp>
           </mc:Choice>
-          <mc:Fallback>
+          <mc:Fallback xmlns="">
             <p:sp>
               <p:nvSpPr>
                 <p:cNvPr id="764" name="円/楕円 763">
@@ -40958,8 +40958,8 @@
             </p:sp>
           </mc:Fallback>
         </mc:AlternateContent>
-        <mc:AlternateContent xmlns:mc="http://schemas.openxmlformats.org/markup-compatibility/2006">
-          <mc:Choice xmlns:a14="http://schemas.microsoft.com/office/drawing/2010/main" Requires="a14">
+        <mc:AlternateContent xmlns:mc="http://schemas.openxmlformats.org/markup-compatibility/2006" xmlns:a14="http://schemas.microsoft.com/office/drawing/2010/main">
+          <mc:Choice Requires="a14">
             <p:sp>
               <p:nvSpPr>
                 <p:cNvPr id="765" name="円/楕円 764">
@@ -41022,7 +41022,7 @@
               </p:txBody>
             </p:sp>
           </mc:Choice>
-          <mc:Fallback>
+          <mc:Fallback xmlns="">
             <p:sp>
               <p:nvSpPr>
                 <p:cNvPr id="765" name="円/楕円 764">
@@ -42063,8 +42063,8 @@
             </a:p>
           </p:txBody>
         </p:sp>
-        <mc:AlternateContent xmlns:mc="http://schemas.openxmlformats.org/markup-compatibility/2006">
-          <mc:Choice xmlns:a14="http://schemas.microsoft.com/office/drawing/2010/main" Requires="a14">
+        <mc:AlternateContent xmlns:mc="http://schemas.openxmlformats.org/markup-compatibility/2006" xmlns:a14="http://schemas.microsoft.com/office/drawing/2010/main">
+          <mc:Choice Requires="a14">
             <p:sp>
               <p:nvSpPr>
                 <p:cNvPr id="798" name="テキスト ボックス 797">
@@ -42115,7 +42115,7 @@
               </p:txBody>
             </p:sp>
           </mc:Choice>
-          <mc:Fallback>
+          <mc:Fallback xmlns="">
             <p:sp>
               <p:nvSpPr>
                 <p:cNvPr id="798" name="テキスト ボックス 797">
@@ -42160,8 +42160,8 @@
             </p:sp>
           </mc:Fallback>
         </mc:AlternateContent>
-        <mc:AlternateContent xmlns:mc="http://schemas.openxmlformats.org/markup-compatibility/2006">
-          <mc:Choice xmlns:a14="http://schemas.microsoft.com/office/drawing/2010/main" Requires="a14">
+        <mc:AlternateContent xmlns:mc="http://schemas.openxmlformats.org/markup-compatibility/2006" xmlns:a14="http://schemas.microsoft.com/office/drawing/2010/main">
+          <mc:Choice Requires="a14">
             <p:sp>
               <p:nvSpPr>
                 <p:cNvPr id="799" name="テキスト ボックス 798">
@@ -42233,7 +42233,7 @@
               </p:txBody>
             </p:sp>
           </mc:Choice>
-          <mc:Fallback>
+          <mc:Fallback xmlns="">
             <p:sp>
               <p:nvSpPr>
                 <p:cNvPr id="799" name="テキスト ボックス 798">
@@ -42278,8 +42278,8 @@
             </p:sp>
           </mc:Fallback>
         </mc:AlternateContent>
-        <mc:AlternateContent xmlns:mc="http://schemas.openxmlformats.org/markup-compatibility/2006">
-          <mc:Choice xmlns:a14="http://schemas.microsoft.com/office/drawing/2010/main" Requires="a14">
+        <mc:AlternateContent xmlns:mc="http://schemas.openxmlformats.org/markup-compatibility/2006" xmlns:a14="http://schemas.microsoft.com/office/drawing/2010/main">
+          <mc:Choice Requires="a14">
             <p:sp>
               <p:nvSpPr>
                 <p:cNvPr id="800" name="テキスト ボックス 799">
@@ -42330,7 +42330,7 @@
               </p:txBody>
             </p:sp>
           </mc:Choice>
-          <mc:Fallback>
+          <mc:Fallback xmlns="">
             <p:sp>
               <p:nvSpPr>
                 <p:cNvPr id="800" name="テキスト ボックス 799">
@@ -42375,8 +42375,8 @@
             </p:sp>
           </mc:Fallback>
         </mc:AlternateContent>
-        <mc:AlternateContent xmlns:mc="http://schemas.openxmlformats.org/markup-compatibility/2006">
-          <mc:Choice xmlns:a14="http://schemas.microsoft.com/office/drawing/2010/main" Requires="a14">
+        <mc:AlternateContent xmlns:mc="http://schemas.openxmlformats.org/markup-compatibility/2006" xmlns:a14="http://schemas.microsoft.com/office/drawing/2010/main">
+          <mc:Choice Requires="a14">
             <p:sp>
               <p:nvSpPr>
                 <p:cNvPr id="801" name="テキスト ボックス 800">
@@ -42448,7 +42448,7 @@
               </p:txBody>
             </p:sp>
           </mc:Choice>
-          <mc:Fallback>
+          <mc:Fallback xmlns="">
             <p:sp>
               <p:nvSpPr>
                 <p:cNvPr id="801" name="テキスト ボックス 800">
@@ -42539,8 +42539,8 @@
             </a:p>
           </p:txBody>
         </p:sp>
-        <mc:AlternateContent xmlns:mc="http://schemas.openxmlformats.org/markup-compatibility/2006">
-          <mc:Choice xmlns:a14="http://schemas.microsoft.com/office/drawing/2010/main" Requires="a14">
+        <mc:AlternateContent xmlns:mc="http://schemas.openxmlformats.org/markup-compatibility/2006" xmlns:a14="http://schemas.microsoft.com/office/drawing/2010/main">
+          <mc:Choice Requires="a14">
             <p:sp>
               <p:nvSpPr>
                 <p:cNvPr id="832" name="正方形/長方形 831">
@@ -42662,7 +42662,7 @@
               </p:txBody>
             </p:sp>
           </mc:Choice>
-          <mc:Fallback>
+          <mc:Fallback xmlns="">
             <p:sp>
               <p:nvSpPr>
                 <p:cNvPr id="832" name="正方形/長方形 831">
